--- a/periodic table iris.pptx
+++ b/periodic table iris.pptx
@@ -2982,8 +2982,8 @@
         </p:nvSpPr>
         <p:spPr>
           <a:xfrm flipH="1">
-            <a:off x="4423381" y="665825"/>
-            <a:ext cx="4384238" cy="369332"/>
+            <a:off x="3753635" y="1079497"/>
+            <a:ext cx="8991142" cy="584775"/>
           </a:xfrm>
           <a:prstGeom prst="rect">
             <a:avLst/>
@@ -2996,8 +2996,9 @@
           </a:bodyPr>
           <a:lstStyle/>
           <a:p>
-            <a:r>
-              <a:rPr lang="pt-BR" b="1" dirty="0"/>
+            <a:pPr algn="ctr"/>
+            <a:r>
+              <a:rPr lang="pt-BR" sz="3200" b="1" dirty="0"/>
               <a:t>THE PERIODIC TABLE OF INTERSYSTEMS IRIS</a:t>
             </a:r>
           </a:p>
@@ -3019,8 +3020,8 @@
         </p:nvCxnSpPr>
         <p:spPr>
           <a:xfrm>
-            <a:off x="3753635" y="1035157"/>
-            <a:ext cx="5974672" cy="0"/>
+            <a:off x="3753635" y="1666544"/>
+            <a:ext cx="8991142" cy="0"/>
           </a:xfrm>
           <a:prstGeom prst="line">
             <a:avLst/>
@@ -3058,7 +3059,7 @@
         </p:nvSpPr>
         <p:spPr>
           <a:xfrm>
-            <a:off x="1119003" y="533400"/>
+            <a:off x="106632" y="1162181"/>
             <a:ext cx="981075" cy="762000"/>
           </a:xfrm>
           <a:prstGeom prst="rect">
@@ -3098,7 +3099,7 @@
           <a:p>
             <a:r>
               <a:rPr lang="en-US" sz="1000" dirty="0"/>
-              <a:t>1</a:t>
+              <a:t>2</a:t>
             </a:r>
             <a:endParaRPr lang="en-US" dirty="0"/>
           </a:p>
@@ -3131,7 +3132,7 @@
         </p:nvSpPr>
         <p:spPr>
           <a:xfrm>
-            <a:off x="1119003" y="1333500"/>
+            <a:off x="106632" y="1964887"/>
             <a:ext cx="981075" cy="762000"/>
           </a:xfrm>
           <a:prstGeom prst="rect">
@@ -3171,7 +3172,7 @@
           <a:p>
             <a:r>
               <a:rPr lang="en-US" sz="1000" dirty="0"/>
-              <a:t>3</a:t>
+              <a:t>5</a:t>
             </a:r>
             <a:endParaRPr lang="en-US" dirty="0"/>
           </a:p>
@@ -3204,7 +3205,7 @@
         </p:nvSpPr>
         <p:spPr>
           <a:xfrm>
-            <a:off x="1119003" y="2124075"/>
+            <a:off x="106632" y="2755462"/>
             <a:ext cx="981075" cy="762000"/>
           </a:xfrm>
           <a:prstGeom prst="rect">
@@ -3244,7 +3245,7 @@
           <a:p>
             <a:r>
               <a:rPr lang="en-US" sz="1000" dirty="0"/>
-              <a:t>11</a:t>
+              <a:t>15</a:t>
             </a:r>
             <a:endParaRPr lang="en-US" dirty="0"/>
           </a:p>
@@ -3277,7 +3278,7 @@
         </p:nvSpPr>
         <p:spPr>
           <a:xfrm>
-            <a:off x="1119003" y="2924175"/>
+            <a:off x="106632" y="3555562"/>
             <a:ext cx="981075" cy="762000"/>
           </a:xfrm>
           <a:prstGeom prst="rect">
@@ -3317,7 +3318,7 @@
           <a:p>
             <a:r>
               <a:rPr lang="en-US" sz="1000" dirty="0"/>
-              <a:t>19</a:t>
+              <a:t>25</a:t>
             </a:r>
             <a:endParaRPr lang="en-US" dirty="0"/>
           </a:p>
@@ -3350,7 +3351,7 @@
         </p:nvSpPr>
         <p:spPr>
           <a:xfrm>
-            <a:off x="1119003" y="3724275"/>
+            <a:off x="106632" y="4355662"/>
             <a:ext cx="981075" cy="762000"/>
           </a:xfrm>
           <a:prstGeom prst="rect">
@@ -3390,7 +3391,7 @@
           <a:p>
             <a:r>
               <a:rPr lang="en-US" sz="1000" dirty="0"/>
-              <a:t>37</a:t>
+              <a:t>45</a:t>
             </a:r>
             <a:endParaRPr lang="en-US" dirty="0"/>
           </a:p>
@@ -3423,7 +3424,7 @@
         </p:nvSpPr>
         <p:spPr>
           <a:xfrm>
-            <a:off x="1119003" y="4524375"/>
+            <a:off x="106632" y="5155762"/>
             <a:ext cx="981075" cy="762000"/>
           </a:xfrm>
           <a:prstGeom prst="rect">
@@ -3463,7 +3464,7 @@
           <a:p>
             <a:r>
               <a:rPr lang="en-US" sz="1000" dirty="0"/>
-              <a:t>55</a:t>
+              <a:t>65</a:t>
             </a:r>
             <a:endParaRPr lang="en-US" dirty="0"/>
           </a:p>
@@ -3496,7 +3497,7 @@
         </p:nvSpPr>
         <p:spPr>
           <a:xfrm>
-            <a:off x="1119003" y="5324475"/>
+            <a:off x="106632" y="5955862"/>
             <a:ext cx="981075" cy="762000"/>
           </a:xfrm>
           <a:prstGeom prst="rect">
@@ -3536,7 +3537,7 @@
           <a:p>
             <a:r>
               <a:rPr lang="en-US" sz="1000" dirty="0"/>
-              <a:t>73</a:t>
+              <a:t>85</a:t>
             </a:r>
             <a:endParaRPr lang="en-US" dirty="0"/>
           </a:p>
@@ -3569,7 +3570,7 @@
         </p:nvSpPr>
         <p:spPr>
           <a:xfrm>
-            <a:off x="3753635" y="1181100"/>
+            <a:off x="3753635" y="1812487"/>
             <a:ext cx="262800" cy="223388"/>
           </a:xfrm>
           <a:prstGeom prst="rect">
@@ -3626,7 +3627,7 @@
         </p:nvSpPr>
         <p:spPr>
           <a:xfrm>
-            <a:off x="3976502" y="1118115"/>
+            <a:off x="3976502" y="1749502"/>
             <a:ext cx="1140056" cy="369332"/>
           </a:xfrm>
           <a:prstGeom prst="rect">
@@ -3661,7 +3662,7 @@
         </p:nvSpPr>
         <p:spPr>
           <a:xfrm>
-            <a:off x="2150939" y="1333500"/>
+            <a:off x="2150939" y="2748660"/>
             <a:ext cx="981075" cy="762000"/>
           </a:xfrm>
           <a:prstGeom prst="rect">
@@ -3701,20 +3702,20 @@
           <a:p>
             <a:r>
               <a:rPr lang="en-US" sz="1000" dirty="0"/>
-              <a:t>4</a:t>
+              <a:t>17</a:t>
             </a:r>
             <a:endParaRPr lang="en-US" dirty="0"/>
           </a:p>
           <a:p>
             <a:r>
               <a:rPr lang="en-US" dirty="0"/>
-              <a:t>Java</a:t>
+              <a:t>Cos</a:t>
             </a:r>
           </a:p>
           <a:p>
             <a:r>
               <a:rPr lang="en-US" sz="800" dirty="0"/>
-              <a:t>Java Native API</a:t>
+              <a:t>Cache Obj. Script</a:t>
             </a:r>
             <a:endParaRPr lang="en-US" sz="2000" dirty="0"/>
           </a:p>
@@ -3734,7 +3735,7 @@
         </p:nvSpPr>
         <p:spPr>
           <a:xfrm>
-            <a:off x="2150939" y="2124075"/>
+            <a:off x="2150939" y="3539235"/>
             <a:ext cx="981075" cy="762000"/>
           </a:xfrm>
           <a:prstGeom prst="rect">
@@ -3774,20 +3775,20 @@
           <a:p>
             <a:r>
               <a:rPr lang="en-US" sz="1000" dirty="0"/>
-              <a:t>12</a:t>
+              <a:t>27</a:t>
             </a:r>
             <a:endParaRPr lang="en-US" dirty="0"/>
           </a:p>
           <a:p>
             <a:r>
               <a:rPr lang="en-US" dirty="0"/>
-              <a:t>Net</a:t>
+              <a:t>Bas</a:t>
             </a:r>
           </a:p>
           <a:p>
             <a:r>
               <a:rPr lang="en-US" sz="800" dirty="0"/>
-              <a:t>.Net Native API</a:t>
+              <a:t>.Cache  Basic Script</a:t>
             </a:r>
             <a:endParaRPr lang="en-US" sz="2000" dirty="0"/>
           </a:p>
@@ -3807,7 +3808,7 @@
         </p:nvSpPr>
         <p:spPr>
           <a:xfrm>
-            <a:off x="2150939" y="2924175"/>
+            <a:off x="2150939" y="4339335"/>
             <a:ext cx="981075" cy="762000"/>
           </a:xfrm>
           <a:prstGeom prst="rect">
@@ -3847,20 +3848,20 @@
           <a:p>
             <a:r>
               <a:rPr lang="en-US" sz="1000" dirty="0"/>
-              <a:t>20</a:t>
+              <a:t>47</a:t>
             </a:r>
             <a:endParaRPr lang="en-US" dirty="0"/>
           </a:p>
           <a:p>
             <a:r>
               <a:rPr lang="en-US" dirty="0"/>
-              <a:t>Py</a:t>
+              <a:t>Html</a:t>
             </a:r>
           </a:p>
           <a:p>
             <a:r>
               <a:rPr lang="en-US" sz="800" dirty="0"/>
-              <a:t>Python Native API</a:t>
+              <a:t>CSP,/HTML  Pages</a:t>
             </a:r>
             <a:endParaRPr lang="en-US" sz="2000" dirty="0"/>
           </a:p>
@@ -3880,7 +3881,7 @@
         </p:nvSpPr>
         <p:spPr>
           <a:xfrm>
-            <a:off x="2150939" y="3724275"/>
+            <a:off x="2150939" y="5139435"/>
             <a:ext cx="981075" cy="762000"/>
           </a:xfrm>
           <a:prstGeom prst="rect">
@@ -3920,20 +3921,21 @@
           <a:p>
             <a:r>
               <a:rPr lang="en-US" sz="1000" dirty="0"/>
-              <a:t>38</a:t>
-            </a:r>
-            <a:endParaRPr lang="en-US" dirty="0"/>
-          </a:p>
-          <a:p>
-            <a:r>
-              <a:rPr lang="en-US" dirty="0"/>
-              <a:t>C</a:t>
-            </a:r>
+              <a:t>67</a:t>
+            </a:r>
+            <a:endParaRPr lang="en-US" dirty="0"/>
+          </a:p>
+          <a:p>
+            <a:r>
+              <a:rPr lang="en-US" dirty="0" err="1"/>
+              <a:t>Tsql</a:t>
+            </a:r>
+            <a:endParaRPr lang="en-US" dirty="0"/>
           </a:p>
           <a:p>
             <a:r>
               <a:rPr lang="en-US" sz="800" dirty="0"/>
-              <a:t>Callin/Callout C</a:t>
+              <a:t>SQL Language</a:t>
             </a:r>
             <a:endParaRPr lang="en-US" sz="2000" dirty="0"/>
           </a:p>
@@ -3953,7 +3955,7 @@
         </p:nvSpPr>
         <p:spPr>
           <a:xfrm>
-            <a:off x="2150939" y="4524375"/>
+            <a:off x="2150939" y="5939535"/>
             <a:ext cx="981075" cy="762000"/>
           </a:xfrm>
           <a:prstGeom prst="rect">
@@ -3993,20 +3995,21 @@
           <a:p>
             <a:r>
               <a:rPr lang="en-US" sz="1000" dirty="0"/>
-              <a:t>56</a:t>
-            </a:r>
-            <a:endParaRPr lang="en-US" dirty="0"/>
-          </a:p>
-          <a:p>
-            <a:r>
-              <a:rPr lang="en-US" dirty="0"/>
-              <a:t>Js</a:t>
-            </a:r>
+              <a:t>87</a:t>
+            </a:r>
+            <a:endParaRPr lang="en-US" dirty="0"/>
+          </a:p>
+          <a:p>
+            <a:r>
+              <a:rPr lang="en-US" dirty="0" err="1"/>
+              <a:t>Iac</a:t>
+            </a:r>
+            <a:endParaRPr lang="en-US" dirty="0"/>
           </a:p>
           <a:p>
             <a:r>
               <a:rPr lang="en-US" sz="800" dirty="0"/>
-              <a:t>Node.js Native API</a:t>
+              <a:t>Infra as Code</a:t>
             </a:r>
             <a:endParaRPr lang="en-US" sz="2000" dirty="0"/>
           </a:p>
@@ -4014,10 +4017,10 @@
       </p:sp>
       <p:sp>
         <p:nvSpPr>
-          <p:cNvPr id="29" name="Retângulo 28">
-            <a:extLst>
-              <a:ext uri="{FF2B5EF4-FFF2-40B4-BE49-F238E27FC236}">
-                <a16:creationId xmlns:a16="http://schemas.microsoft.com/office/drawing/2014/main" id="{ED9C53A3-3895-4711-B4F6-2E958CBD09B5}"/>
+          <p:cNvPr id="30" name="Retângulo 29">
+            <a:extLst>
+              <a:ext uri="{FF2B5EF4-FFF2-40B4-BE49-F238E27FC236}">
+                <a16:creationId xmlns:a16="http://schemas.microsoft.com/office/drawing/2014/main" id="{58EDF127-8988-4F06-AA34-E3E8077679F2}"/>
               </a:ext>
             </a:extLst>
           </p:cNvPr>
@@ -4026,14 +4029,14 @@
         </p:nvSpPr>
         <p:spPr>
           <a:xfrm>
-            <a:off x="2150939" y="5324475"/>
+            <a:off x="3163825" y="3546037"/>
             <a:ext cx="981075" cy="762000"/>
           </a:xfrm>
           <a:prstGeom prst="rect">
             <a:avLst/>
           </a:prstGeom>
           <a:solidFill>
-            <a:srgbClr val="FF9933"/>
+            <a:srgbClr val="33CCCC"/>
           </a:solidFill>
           <a:ln>
             <a:noFill/>
@@ -4066,20 +4069,20 @@
           <a:p>
             <a:r>
               <a:rPr lang="en-US" sz="1000" dirty="0"/>
-              <a:t>74</a:t>
+              <a:t>28</a:t>
             </a:r>
             <a:endParaRPr lang="en-US" dirty="0"/>
           </a:p>
           <a:p>
             <a:r>
               <a:rPr lang="en-US" dirty="0"/>
-              <a:t>Obs</a:t>
+              <a:t>Dk</a:t>
             </a:r>
           </a:p>
           <a:p>
             <a:r>
               <a:rPr lang="en-US" sz="800" dirty="0"/>
-              <a:t>Object Script</a:t>
+              <a:t>Docker</a:t>
             </a:r>
             <a:endParaRPr lang="en-US" sz="2000" dirty="0"/>
           </a:p>
@@ -4087,10 +4090,10 @@
       </p:sp>
       <p:sp>
         <p:nvSpPr>
-          <p:cNvPr id="30" name="Retângulo 29">
-            <a:extLst>
-              <a:ext uri="{FF2B5EF4-FFF2-40B4-BE49-F238E27FC236}">
-                <a16:creationId xmlns:a16="http://schemas.microsoft.com/office/drawing/2014/main" id="{58EDF127-8988-4F06-AA34-E3E8077679F2}"/>
+          <p:cNvPr id="31" name="Retângulo 30">
+            <a:extLst>
+              <a:ext uri="{FF2B5EF4-FFF2-40B4-BE49-F238E27FC236}">
+                <a16:creationId xmlns:a16="http://schemas.microsoft.com/office/drawing/2014/main" id="{8335C751-122E-4153-849C-DF316131D0D6}"/>
               </a:ext>
             </a:extLst>
           </p:cNvPr>
@@ -4099,7 +4102,7 @@
         </p:nvSpPr>
         <p:spPr>
           <a:xfrm>
-            <a:off x="3163825" y="2914650"/>
+            <a:off x="3163825" y="4346137"/>
             <a:ext cx="981075" cy="762000"/>
           </a:xfrm>
           <a:prstGeom prst="rect">
@@ -4139,20 +4142,20 @@
           <a:p>
             <a:r>
               <a:rPr lang="en-US" sz="1000" dirty="0"/>
-              <a:t>21</a:t>
+              <a:t>48</a:t>
             </a:r>
             <a:endParaRPr lang="en-US" dirty="0"/>
           </a:p>
           <a:p>
             <a:r>
               <a:rPr lang="en-US" dirty="0"/>
-              <a:t>Dk</a:t>
+              <a:t>Iko</a:t>
             </a:r>
           </a:p>
           <a:p>
             <a:r>
               <a:rPr lang="en-US" sz="800" dirty="0"/>
-              <a:t>Docker</a:t>
+              <a:t>Kubernetes</a:t>
             </a:r>
             <a:endParaRPr lang="en-US" sz="2000" dirty="0"/>
           </a:p>
@@ -4160,10 +4163,10 @@
       </p:sp>
       <p:sp>
         <p:nvSpPr>
-          <p:cNvPr id="31" name="Retângulo 30">
-            <a:extLst>
-              <a:ext uri="{FF2B5EF4-FFF2-40B4-BE49-F238E27FC236}">
-                <a16:creationId xmlns:a16="http://schemas.microsoft.com/office/drawing/2014/main" id="{8335C751-122E-4153-849C-DF316131D0D6}"/>
+          <p:cNvPr id="32" name="Retângulo 31">
+            <a:extLst>
+              <a:ext uri="{FF2B5EF4-FFF2-40B4-BE49-F238E27FC236}">
+                <a16:creationId xmlns:a16="http://schemas.microsoft.com/office/drawing/2014/main" id="{587D341C-4A7E-4919-9A37-3CC49274E3BD}"/>
               </a:ext>
             </a:extLst>
           </p:cNvPr>
@@ -4172,7 +4175,7 @@
         </p:nvSpPr>
         <p:spPr>
           <a:xfrm>
-            <a:off x="3163825" y="3714750"/>
+            <a:off x="3163825" y="5146237"/>
             <a:ext cx="981075" cy="762000"/>
           </a:xfrm>
           <a:prstGeom prst="rect">
@@ -4212,20 +4215,20 @@
           <a:p>
             <a:r>
               <a:rPr lang="en-US" sz="1000" dirty="0"/>
-              <a:t>39</a:t>
+              <a:t>68</a:t>
             </a:r>
             <a:endParaRPr lang="en-US" dirty="0"/>
           </a:p>
           <a:p>
             <a:r>
               <a:rPr lang="en-US" dirty="0"/>
-              <a:t>Iko</a:t>
+              <a:t>Gcp</a:t>
             </a:r>
           </a:p>
           <a:p>
             <a:r>
               <a:rPr lang="en-US" sz="800" dirty="0"/>
-              <a:t>Kubernetes</a:t>
+              <a:t>IRIS in the Google</a:t>
             </a:r>
             <a:endParaRPr lang="en-US" sz="2000" dirty="0"/>
           </a:p>
@@ -4233,10 +4236,10 @@
       </p:sp>
       <p:sp>
         <p:nvSpPr>
-          <p:cNvPr id="32" name="Retângulo 31">
-            <a:extLst>
-              <a:ext uri="{FF2B5EF4-FFF2-40B4-BE49-F238E27FC236}">
-                <a16:creationId xmlns:a16="http://schemas.microsoft.com/office/drawing/2014/main" id="{587D341C-4A7E-4919-9A37-3CC49274E3BD}"/>
+          <p:cNvPr id="33" name="Retângulo 32">
+            <a:extLst>
+              <a:ext uri="{FF2B5EF4-FFF2-40B4-BE49-F238E27FC236}">
+                <a16:creationId xmlns:a16="http://schemas.microsoft.com/office/drawing/2014/main" id="{53C23D4D-69EA-41AA-97C3-8875C78E8FCC}"/>
               </a:ext>
             </a:extLst>
           </p:cNvPr>
@@ -4245,7 +4248,7 @@
         </p:nvSpPr>
         <p:spPr>
           <a:xfrm>
-            <a:off x="3163825" y="4514850"/>
+            <a:off x="3163825" y="5946337"/>
             <a:ext cx="981075" cy="762000"/>
           </a:xfrm>
           <a:prstGeom prst="rect">
@@ -4285,20 +4288,20 @@
           <a:p>
             <a:r>
               <a:rPr lang="en-US" sz="1000" dirty="0"/>
-              <a:t>57</a:t>
+              <a:t>88</a:t>
             </a:r>
             <a:endParaRPr lang="en-US" dirty="0"/>
           </a:p>
           <a:p>
             <a:r>
               <a:rPr lang="en-US" dirty="0"/>
-              <a:t>Gcp</a:t>
+              <a:t>Cm</a:t>
             </a:r>
           </a:p>
           <a:p>
             <a:r>
               <a:rPr lang="en-US" sz="800" dirty="0"/>
-              <a:t>IRIS in the Google</a:t>
+              <a:t>IRIS Community</a:t>
             </a:r>
             <a:endParaRPr lang="en-US" sz="2000" dirty="0"/>
           </a:p>
@@ -4306,10 +4309,10 @@
       </p:sp>
       <p:sp>
         <p:nvSpPr>
-          <p:cNvPr id="33" name="Retângulo 32">
-            <a:extLst>
-              <a:ext uri="{FF2B5EF4-FFF2-40B4-BE49-F238E27FC236}">
-                <a16:creationId xmlns:a16="http://schemas.microsoft.com/office/drawing/2014/main" id="{53C23D4D-69EA-41AA-97C3-8875C78E8FCC}"/>
+          <p:cNvPr id="34" name="Retângulo 33">
+            <a:extLst>
+              <a:ext uri="{FF2B5EF4-FFF2-40B4-BE49-F238E27FC236}">
+                <a16:creationId xmlns:a16="http://schemas.microsoft.com/office/drawing/2014/main" id="{6B2F09F6-1455-4582-8180-783E1D4C2949}"/>
               </a:ext>
             </a:extLst>
           </p:cNvPr>
@@ -4318,7 +4321,7 @@
         </p:nvSpPr>
         <p:spPr>
           <a:xfrm>
-            <a:off x="3163825" y="5314950"/>
+            <a:off x="4186236" y="3546037"/>
             <a:ext cx="981075" cy="762000"/>
           </a:xfrm>
           <a:prstGeom prst="rect">
@@ -4358,20 +4361,20 @@
           <a:p>
             <a:r>
               <a:rPr lang="en-US" sz="1000" dirty="0"/>
-              <a:t>75</a:t>
+              <a:t>29</a:t>
             </a:r>
             <a:endParaRPr lang="en-US" dirty="0"/>
           </a:p>
           <a:p>
             <a:r>
               <a:rPr lang="en-US" dirty="0"/>
-              <a:t>Cm</a:t>
+              <a:t>Zpm</a:t>
             </a:r>
           </a:p>
           <a:p>
             <a:r>
               <a:rPr lang="en-US" sz="800" dirty="0"/>
-              <a:t>IRIS Community</a:t>
+              <a:t>Package Manager</a:t>
             </a:r>
             <a:endParaRPr lang="en-US" sz="2000" dirty="0"/>
           </a:p>
@@ -4379,10 +4382,10 @@
       </p:sp>
       <p:sp>
         <p:nvSpPr>
-          <p:cNvPr id="34" name="Retângulo 33">
-            <a:extLst>
-              <a:ext uri="{FF2B5EF4-FFF2-40B4-BE49-F238E27FC236}">
-                <a16:creationId xmlns:a16="http://schemas.microsoft.com/office/drawing/2014/main" id="{6B2F09F6-1455-4582-8180-783E1D4C2949}"/>
+          <p:cNvPr id="35" name="Retângulo 34">
+            <a:extLst>
+              <a:ext uri="{FF2B5EF4-FFF2-40B4-BE49-F238E27FC236}">
+                <a16:creationId xmlns:a16="http://schemas.microsoft.com/office/drawing/2014/main" id="{CF79FB22-01A8-4A61-96C8-F47D88993759}"/>
               </a:ext>
             </a:extLst>
           </p:cNvPr>
@@ -4391,7 +4394,7 @@
         </p:nvSpPr>
         <p:spPr>
           <a:xfrm>
-            <a:off x="4186236" y="2914650"/>
+            <a:off x="4186236" y="4346137"/>
             <a:ext cx="981075" cy="762000"/>
           </a:xfrm>
           <a:prstGeom prst="rect">
@@ -4431,20 +4434,20 @@
           <a:p>
             <a:r>
               <a:rPr lang="en-US" sz="1000" dirty="0"/>
-              <a:t>22</a:t>
+              <a:t>49</a:t>
             </a:r>
             <a:endParaRPr lang="en-US" dirty="0"/>
           </a:p>
           <a:p>
             <a:r>
               <a:rPr lang="en-US" dirty="0"/>
-              <a:t>Zpm</a:t>
+              <a:t>Az</a:t>
             </a:r>
           </a:p>
           <a:p>
             <a:r>
               <a:rPr lang="en-US" sz="800" dirty="0"/>
-              <a:t>Package Manager</a:t>
+              <a:t>IRIS in the Azure</a:t>
             </a:r>
             <a:endParaRPr lang="en-US" sz="2000" dirty="0"/>
           </a:p>
@@ -4452,10 +4455,10 @@
       </p:sp>
       <p:sp>
         <p:nvSpPr>
-          <p:cNvPr id="35" name="Retângulo 34">
-            <a:extLst>
-              <a:ext uri="{FF2B5EF4-FFF2-40B4-BE49-F238E27FC236}">
-                <a16:creationId xmlns:a16="http://schemas.microsoft.com/office/drawing/2014/main" id="{CF79FB22-01A8-4A61-96C8-F47D88993759}"/>
+          <p:cNvPr id="36" name="Retângulo 35">
+            <a:extLst>
+              <a:ext uri="{FF2B5EF4-FFF2-40B4-BE49-F238E27FC236}">
+                <a16:creationId xmlns:a16="http://schemas.microsoft.com/office/drawing/2014/main" id="{DE281C30-443B-4C7F-9508-4713D0598030}"/>
               </a:ext>
             </a:extLst>
           </p:cNvPr>
@@ -4464,7 +4467,7 @@
         </p:nvSpPr>
         <p:spPr>
           <a:xfrm>
-            <a:off x="4186236" y="3714750"/>
+            <a:off x="4186236" y="5146237"/>
             <a:ext cx="981075" cy="762000"/>
           </a:xfrm>
           <a:prstGeom prst="rect">
@@ -4504,20 +4507,20 @@
           <a:p>
             <a:r>
               <a:rPr lang="en-US" sz="1000" dirty="0"/>
-              <a:t>40</a:t>
+              <a:t>69</a:t>
             </a:r>
             <a:endParaRPr lang="en-US" dirty="0"/>
           </a:p>
           <a:p>
             <a:r>
               <a:rPr lang="en-US" dirty="0"/>
-              <a:t>Az</a:t>
+              <a:t>Tc</a:t>
             </a:r>
           </a:p>
           <a:p>
             <a:r>
               <a:rPr lang="en-US" sz="800" dirty="0"/>
-              <a:t>IRIS in the Azure</a:t>
+              <a:t>IRIS in the Tencent</a:t>
             </a:r>
             <a:endParaRPr lang="en-US" sz="2000" dirty="0"/>
           </a:p>
@@ -4525,10 +4528,10 @@
       </p:sp>
       <p:sp>
         <p:nvSpPr>
-          <p:cNvPr id="36" name="Retângulo 35">
-            <a:extLst>
-              <a:ext uri="{FF2B5EF4-FFF2-40B4-BE49-F238E27FC236}">
-                <a16:creationId xmlns:a16="http://schemas.microsoft.com/office/drawing/2014/main" id="{DE281C30-443B-4C7F-9508-4713D0598030}"/>
+          <p:cNvPr id="37" name="Retângulo 36">
+            <a:extLst>
+              <a:ext uri="{FF2B5EF4-FFF2-40B4-BE49-F238E27FC236}">
+                <a16:creationId xmlns:a16="http://schemas.microsoft.com/office/drawing/2014/main" id="{6ADEF44C-7C18-48DB-913C-4138CD897A47}"/>
               </a:ext>
             </a:extLst>
           </p:cNvPr>
@@ -4537,7 +4540,7 @@
         </p:nvSpPr>
         <p:spPr>
           <a:xfrm>
-            <a:off x="4186236" y="4514850"/>
+            <a:off x="4186236" y="5946337"/>
             <a:ext cx="981075" cy="762000"/>
           </a:xfrm>
           <a:prstGeom prst="rect">
@@ -4577,20 +4580,20 @@
           <a:p>
             <a:r>
               <a:rPr lang="en-US" sz="1000" dirty="0"/>
-              <a:t>58</a:t>
+              <a:t>89</a:t>
             </a:r>
             <a:endParaRPr lang="en-US" dirty="0"/>
           </a:p>
           <a:p>
             <a:r>
               <a:rPr lang="en-US" dirty="0"/>
-              <a:t>Tc</a:t>
+              <a:t>Shd</a:t>
             </a:r>
           </a:p>
           <a:p>
             <a:r>
               <a:rPr lang="en-US" sz="800" dirty="0"/>
-              <a:t>IRIS in the Tencent</a:t>
+              <a:t>Sharding Support</a:t>
             </a:r>
             <a:endParaRPr lang="en-US" sz="2000" dirty="0"/>
           </a:p>
@@ -4598,10 +4601,10 @@
       </p:sp>
       <p:sp>
         <p:nvSpPr>
-          <p:cNvPr id="37" name="Retângulo 36">
-            <a:extLst>
-              <a:ext uri="{FF2B5EF4-FFF2-40B4-BE49-F238E27FC236}">
-                <a16:creationId xmlns:a16="http://schemas.microsoft.com/office/drawing/2014/main" id="{6ADEF44C-7C18-48DB-913C-4138CD897A47}"/>
+          <p:cNvPr id="38" name="Retângulo 37">
+            <a:extLst>
+              <a:ext uri="{FF2B5EF4-FFF2-40B4-BE49-F238E27FC236}">
+                <a16:creationId xmlns:a16="http://schemas.microsoft.com/office/drawing/2014/main" id="{2A8275EB-02AD-4954-9F98-7B32EEAA21E3}"/>
               </a:ext>
             </a:extLst>
           </p:cNvPr>
@@ -4610,7 +4613,7 @@
         </p:nvSpPr>
         <p:spPr>
           <a:xfrm>
-            <a:off x="4186236" y="5314950"/>
+            <a:off x="5212066" y="3546037"/>
             <a:ext cx="981075" cy="762000"/>
           </a:xfrm>
           <a:prstGeom prst="rect">
@@ -4650,20 +4653,20 @@
           <a:p>
             <a:r>
               <a:rPr lang="en-US" sz="1000" dirty="0"/>
-              <a:t>76</a:t>
+              <a:t>30</a:t>
             </a:r>
             <a:endParaRPr lang="en-US" dirty="0"/>
           </a:p>
           <a:p>
             <a:r>
               <a:rPr lang="en-US" dirty="0"/>
-              <a:t>Shd</a:t>
+              <a:t>Icm</a:t>
             </a:r>
           </a:p>
           <a:p>
             <a:r>
               <a:rPr lang="en-US" sz="800" dirty="0"/>
-              <a:t>Sharding Support</a:t>
+              <a:t>Cloud Deployment</a:t>
             </a:r>
             <a:endParaRPr lang="en-US" sz="2000" dirty="0"/>
           </a:p>
@@ -4671,10 +4674,10 @@
       </p:sp>
       <p:sp>
         <p:nvSpPr>
-          <p:cNvPr id="38" name="Retângulo 37">
-            <a:extLst>
-              <a:ext uri="{FF2B5EF4-FFF2-40B4-BE49-F238E27FC236}">
-                <a16:creationId xmlns:a16="http://schemas.microsoft.com/office/drawing/2014/main" id="{2A8275EB-02AD-4954-9F98-7B32EEAA21E3}"/>
+          <p:cNvPr id="39" name="Retângulo 38">
+            <a:extLst>
+              <a:ext uri="{FF2B5EF4-FFF2-40B4-BE49-F238E27FC236}">
+                <a16:creationId xmlns:a16="http://schemas.microsoft.com/office/drawing/2014/main" id="{F0D2358E-63A0-4104-A2C4-DD9455F74EAA}"/>
               </a:ext>
             </a:extLst>
           </p:cNvPr>
@@ -4683,7 +4686,7 @@
         </p:nvSpPr>
         <p:spPr>
           <a:xfrm>
-            <a:off x="5212066" y="2914650"/>
+            <a:off x="5212066" y="4346137"/>
             <a:ext cx="981075" cy="762000"/>
           </a:xfrm>
           <a:prstGeom prst="rect">
@@ -4723,20 +4726,20 @@
           <a:p>
             <a:r>
               <a:rPr lang="en-US" sz="1000" dirty="0"/>
-              <a:t>23</a:t>
+              <a:t>50</a:t>
             </a:r>
             <a:endParaRPr lang="en-US" dirty="0"/>
           </a:p>
           <a:p>
             <a:r>
               <a:rPr lang="en-US" dirty="0"/>
-              <a:t>Icm</a:t>
+              <a:t>Aws</a:t>
             </a:r>
           </a:p>
           <a:p>
             <a:r>
               <a:rPr lang="en-US" sz="800" dirty="0"/>
-              <a:t>Cloud Deployment</a:t>
+              <a:t>IRIS in the AWS</a:t>
             </a:r>
             <a:endParaRPr lang="en-US" sz="2000" dirty="0"/>
           </a:p>
@@ -4744,10 +4747,10 @@
       </p:sp>
       <p:sp>
         <p:nvSpPr>
-          <p:cNvPr id="39" name="Retângulo 38">
-            <a:extLst>
-              <a:ext uri="{FF2B5EF4-FFF2-40B4-BE49-F238E27FC236}">
-                <a16:creationId xmlns:a16="http://schemas.microsoft.com/office/drawing/2014/main" id="{F0D2358E-63A0-4104-A2C4-DD9455F74EAA}"/>
+          <p:cNvPr id="40" name="Retângulo 39">
+            <a:extLst>
+              <a:ext uri="{FF2B5EF4-FFF2-40B4-BE49-F238E27FC236}">
+                <a16:creationId xmlns:a16="http://schemas.microsoft.com/office/drawing/2014/main" id="{C3FF5370-BB22-470C-B446-57506D2F669D}"/>
               </a:ext>
             </a:extLst>
           </p:cNvPr>
@@ -4756,7 +4759,7 @@
         </p:nvSpPr>
         <p:spPr>
           <a:xfrm>
-            <a:off x="5212066" y="3714750"/>
+            <a:off x="5212066" y="5146237"/>
             <a:ext cx="981075" cy="762000"/>
           </a:xfrm>
           <a:prstGeom prst="rect">
@@ -4796,20 +4799,20 @@
           <a:p>
             <a:r>
               <a:rPr lang="en-US" sz="1000" dirty="0"/>
-              <a:t>41</a:t>
+              <a:t>70</a:t>
             </a:r>
             <a:endParaRPr lang="en-US" dirty="0"/>
           </a:p>
           <a:p>
             <a:r>
               <a:rPr lang="en-US" dirty="0"/>
-              <a:t>Aws</a:t>
+              <a:t>Prm</a:t>
             </a:r>
           </a:p>
           <a:p>
             <a:r>
               <a:rPr lang="en-US" sz="800" dirty="0"/>
-              <a:t>IRIS in the AWS</a:t>
+              <a:t>IRIS on-premises</a:t>
             </a:r>
             <a:endParaRPr lang="en-US" sz="2000" dirty="0"/>
           </a:p>
@@ -4817,10 +4820,10 @@
       </p:sp>
       <p:sp>
         <p:nvSpPr>
-          <p:cNvPr id="40" name="Retângulo 39">
-            <a:extLst>
-              <a:ext uri="{FF2B5EF4-FFF2-40B4-BE49-F238E27FC236}">
-                <a16:creationId xmlns:a16="http://schemas.microsoft.com/office/drawing/2014/main" id="{C3FF5370-BB22-470C-B446-57506D2F669D}"/>
+          <p:cNvPr id="41" name="Retângulo 40">
+            <a:extLst>
+              <a:ext uri="{FF2B5EF4-FFF2-40B4-BE49-F238E27FC236}">
+                <a16:creationId xmlns:a16="http://schemas.microsoft.com/office/drawing/2014/main" id="{61C390D9-D323-450F-B333-FAB0362D5E3F}"/>
               </a:ext>
             </a:extLst>
           </p:cNvPr>
@@ -4829,7 +4832,7 @@
         </p:nvSpPr>
         <p:spPr>
           <a:xfrm>
-            <a:off x="5212066" y="4514850"/>
+            <a:off x="5212066" y="5946337"/>
             <a:ext cx="981075" cy="762000"/>
           </a:xfrm>
           <a:prstGeom prst="rect">
@@ -4869,20 +4872,20 @@
           <a:p>
             <a:r>
               <a:rPr lang="en-US" sz="1000" dirty="0"/>
-              <a:t>59</a:t>
+              <a:t>90</a:t>
             </a:r>
             <a:endParaRPr lang="en-US" dirty="0"/>
           </a:p>
           <a:p>
             <a:r>
               <a:rPr lang="en-US" dirty="0"/>
-              <a:t>Prm</a:t>
+              <a:t>Ecp</a:t>
             </a:r>
           </a:p>
           <a:p>
             <a:r>
               <a:rPr lang="en-US" sz="800" dirty="0"/>
-              <a:t>IRIS on-premises</a:t>
+              <a:t>Enterprise Cache</a:t>
             </a:r>
             <a:endParaRPr lang="en-US" sz="2000" dirty="0"/>
           </a:p>
@@ -4890,10 +4893,10 @@
       </p:sp>
       <p:sp>
         <p:nvSpPr>
-          <p:cNvPr id="41" name="Retângulo 40">
-            <a:extLst>
-              <a:ext uri="{FF2B5EF4-FFF2-40B4-BE49-F238E27FC236}">
-                <a16:creationId xmlns:a16="http://schemas.microsoft.com/office/drawing/2014/main" id="{61C390D9-D323-450F-B333-FAB0362D5E3F}"/>
+          <p:cNvPr id="46" name="Retângulo 45">
+            <a:extLst>
+              <a:ext uri="{FF2B5EF4-FFF2-40B4-BE49-F238E27FC236}">
+                <a16:creationId xmlns:a16="http://schemas.microsoft.com/office/drawing/2014/main" id="{211794AE-8748-42E8-B800-BA12DBE576B1}"/>
               </a:ext>
             </a:extLst>
           </p:cNvPr>
@@ -4902,14 +4905,14 @@
         </p:nvSpPr>
         <p:spPr>
           <a:xfrm>
-            <a:off x="5212066" y="5314950"/>
-            <a:ext cx="981075" cy="762000"/>
-          </a:xfrm>
-          <a:prstGeom prst="rect">
-            <a:avLst/>
-          </a:prstGeom>
-          <a:solidFill>
-            <a:srgbClr val="33CCCC"/>
+            <a:off x="3753635" y="2195319"/>
+            <a:ext cx="262800" cy="223388"/>
+          </a:xfrm>
+          <a:prstGeom prst="rect">
+            <a:avLst/>
+          </a:prstGeom>
+          <a:solidFill>
+            <a:srgbClr val="FF9933"/>
           </a:solidFill>
           <a:ln>
             <a:noFill/>
@@ -4940,33 +4943,52 @@
           </a:bodyPr>
           <a:lstStyle/>
           <a:p>
-            <a:r>
-              <a:rPr lang="en-US" sz="1000" dirty="0"/>
-              <a:t>77</a:t>
-            </a:r>
-            <a:endParaRPr lang="en-US" dirty="0"/>
-          </a:p>
-          <a:p>
-            <a:r>
-              <a:rPr lang="en-US" dirty="0"/>
-              <a:t>Ecp</a:t>
-            </a:r>
-          </a:p>
-          <a:p>
-            <a:r>
-              <a:rPr lang="en-US" sz="800" dirty="0"/>
-              <a:t>Enterprise Cache</a:t>
-            </a:r>
-            <a:endParaRPr lang="en-US" sz="2000" dirty="0"/>
-          </a:p>
-        </p:txBody>
-      </p:sp>
-      <p:sp>
-        <p:nvSpPr>
-          <p:cNvPr id="46" name="Retângulo 45">
-            <a:extLst>
-              <a:ext uri="{FF2B5EF4-FFF2-40B4-BE49-F238E27FC236}">
-                <a16:creationId xmlns:a16="http://schemas.microsoft.com/office/drawing/2014/main" id="{211794AE-8748-42E8-B800-BA12DBE576B1}"/>
+            <a:pPr algn="ctr"/>
+            <a:endParaRPr lang="pt-BR"/>
+          </a:p>
+        </p:txBody>
+      </p:sp>
+      <p:sp>
+        <p:nvSpPr>
+          <p:cNvPr id="47" name="CaixaDeTexto 46">
+            <a:extLst>
+              <a:ext uri="{FF2B5EF4-FFF2-40B4-BE49-F238E27FC236}">
+                <a16:creationId xmlns:a16="http://schemas.microsoft.com/office/drawing/2014/main" id="{7826164B-CBB1-49BF-9028-FF53421A8418}"/>
+              </a:ext>
+            </a:extLst>
+          </p:cNvPr>
+          <p:cNvSpPr txBox="1"/>
+          <p:nvPr/>
+        </p:nvSpPr>
+        <p:spPr>
+          <a:xfrm>
+            <a:off x="3976502" y="2116648"/>
+            <a:ext cx="1345881" cy="369332"/>
+          </a:xfrm>
+          <a:prstGeom prst="rect">
+            <a:avLst/>
+          </a:prstGeom>
+          <a:noFill/>
+        </p:spPr>
+        <p:txBody>
+          <a:bodyPr wrap="none" rtlCol="0">
+            <a:spAutoFit/>
+          </a:bodyPr>
+          <a:lstStyle/>
+          <a:p>
+            <a:r>
+              <a:rPr lang="pt-BR" dirty="0"/>
+              <a:t>LANGUAGES</a:t>
+            </a:r>
+          </a:p>
+        </p:txBody>
+      </p:sp>
+      <p:sp>
+        <p:nvSpPr>
+          <p:cNvPr id="48" name="Retângulo 47">
+            <a:extLst>
+              <a:ext uri="{FF2B5EF4-FFF2-40B4-BE49-F238E27FC236}">
+                <a16:creationId xmlns:a16="http://schemas.microsoft.com/office/drawing/2014/main" id="{3D7102C5-0FCE-445C-9FE2-E1132185A536}"/>
               </a:ext>
             </a:extLst>
           </p:cNvPr>
@@ -4975,14 +4997,14 @@
         </p:nvSpPr>
         <p:spPr>
           <a:xfrm>
-            <a:off x="3753635" y="1563932"/>
+            <a:off x="3753635" y="2602119"/>
             <a:ext cx="262800" cy="223388"/>
           </a:xfrm>
           <a:prstGeom prst="rect">
             <a:avLst/>
           </a:prstGeom>
           <a:solidFill>
-            <a:srgbClr val="FF9933"/>
+            <a:srgbClr val="33CCCC"/>
           </a:solidFill>
           <a:ln>
             <a:noFill/>
@@ -5020,10 +5042,10 @@
       </p:sp>
       <p:sp>
         <p:nvSpPr>
-          <p:cNvPr id="47" name="CaixaDeTexto 46">
-            <a:extLst>
-              <a:ext uri="{FF2B5EF4-FFF2-40B4-BE49-F238E27FC236}">
-                <a16:creationId xmlns:a16="http://schemas.microsoft.com/office/drawing/2014/main" id="{7826164B-CBB1-49BF-9028-FF53421A8418}"/>
+          <p:cNvPr id="49" name="CaixaDeTexto 48">
+            <a:extLst>
+              <a:ext uri="{FF2B5EF4-FFF2-40B4-BE49-F238E27FC236}">
+                <a16:creationId xmlns:a16="http://schemas.microsoft.com/office/drawing/2014/main" id="{7F3C327E-F4BE-4DD8-B4DD-B4005CCFB098}"/>
               </a:ext>
             </a:extLst>
           </p:cNvPr>
@@ -5032,8 +5054,8 @@
         </p:nvSpPr>
         <p:spPr>
           <a:xfrm>
-            <a:off x="3976502" y="1485261"/>
-            <a:ext cx="1345881" cy="369332"/>
+            <a:off x="3976503" y="2539134"/>
+            <a:ext cx="1479829" cy="369332"/>
           </a:xfrm>
           <a:prstGeom prst="rect">
             <a:avLst/>
@@ -5048,17 +5070,17 @@
           <a:p>
             <a:r>
               <a:rPr lang="pt-BR" dirty="0"/>
-              <a:t>LANGUAGES</a:t>
-            </a:r>
-          </a:p>
-        </p:txBody>
-      </p:sp>
-      <p:sp>
-        <p:nvSpPr>
-          <p:cNvPr id="48" name="Retângulo 47">
-            <a:extLst>
-              <a:ext uri="{FF2B5EF4-FFF2-40B4-BE49-F238E27FC236}">
-                <a16:creationId xmlns:a16="http://schemas.microsoft.com/office/drawing/2014/main" id="{3D7102C5-0FCE-445C-9FE2-E1132185A536}"/>
+              <a:t>DEPLOYMENT</a:t>
+            </a:r>
+          </a:p>
+        </p:txBody>
+      </p:sp>
+      <p:sp>
+        <p:nvSpPr>
+          <p:cNvPr id="50" name="Retângulo 49">
+            <a:extLst>
+              <a:ext uri="{FF2B5EF4-FFF2-40B4-BE49-F238E27FC236}">
+                <a16:creationId xmlns:a16="http://schemas.microsoft.com/office/drawing/2014/main" id="{94951929-1B8B-491F-92F0-BDC768F09050}"/>
               </a:ext>
             </a:extLst>
           </p:cNvPr>
@@ -5067,14 +5089,14 @@
         </p:nvSpPr>
         <p:spPr>
           <a:xfrm>
-            <a:off x="3753635" y="1970732"/>
-            <a:ext cx="262800" cy="223388"/>
-          </a:xfrm>
-          <a:prstGeom prst="rect">
-            <a:avLst/>
-          </a:prstGeom>
-          <a:solidFill>
-            <a:srgbClr val="33CCCC"/>
+            <a:off x="6230741" y="3546037"/>
+            <a:ext cx="981075" cy="762000"/>
+          </a:xfrm>
+          <a:prstGeom prst="rect">
+            <a:avLst/>
+          </a:prstGeom>
+          <a:solidFill>
+            <a:srgbClr val="FF5353"/>
           </a:solidFill>
           <a:ln>
             <a:noFill/>
@@ -5105,52 +5127,33 @@
           </a:bodyPr>
           <a:lstStyle/>
           <a:p>
-            <a:pPr algn="ctr"/>
-            <a:endParaRPr lang="pt-BR"/>
-          </a:p>
-        </p:txBody>
-      </p:sp>
-      <p:sp>
-        <p:nvSpPr>
-          <p:cNvPr id="49" name="CaixaDeTexto 48">
-            <a:extLst>
-              <a:ext uri="{FF2B5EF4-FFF2-40B4-BE49-F238E27FC236}">
-                <a16:creationId xmlns:a16="http://schemas.microsoft.com/office/drawing/2014/main" id="{7F3C327E-F4BE-4DD8-B4DD-B4005CCFB098}"/>
-              </a:ext>
-            </a:extLst>
-          </p:cNvPr>
-          <p:cNvSpPr txBox="1"/>
-          <p:nvPr/>
-        </p:nvSpPr>
-        <p:spPr>
-          <a:xfrm>
-            <a:off x="3976503" y="1907747"/>
-            <a:ext cx="1479829" cy="369332"/>
-          </a:xfrm>
-          <a:prstGeom prst="rect">
-            <a:avLst/>
-          </a:prstGeom>
-          <a:noFill/>
-        </p:spPr>
-        <p:txBody>
-          <a:bodyPr wrap="none" rtlCol="0">
-            <a:spAutoFit/>
-          </a:bodyPr>
-          <a:lstStyle/>
-          <a:p>
-            <a:r>
-              <a:rPr lang="pt-BR" dirty="0"/>
-              <a:t>DEPLOYMENT</a:t>
-            </a:r>
-          </a:p>
-        </p:txBody>
-      </p:sp>
-      <p:sp>
-        <p:nvSpPr>
-          <p:cNvPr id="50" name="Retângulo 49">
-            <a:extLst>
-              <a:ext uri="{FF2B5EF4-FFF2-40B4-BE49-F238E27FC236}">
-                <a16:creationId xmlns:a16="http://schemas.microsoft.com/office/drawing/2014/main" id="{94951929-1B8B-491F-92F0-BDC768F09050}"/>
+            <a:r>
+              <a:rPr lang="en-US" sz="1000" dirty="0"/>
+              <a:t>31</a:t>
+            </a:r>
+            <a:endParaRPr lang="en-US" dirty="0"/>
+          </a:p>
+          <a:p>
+            <a:r>
+              <a:rPr lang="en-US" dirty="0"/>
+              <a:t>Ml</a:t>
+            </a:r>
+          </a:p>
+          <a:p>
+            <a:r>
+              <a:rPr lang="en-US" sz="800" dirty="0"/>
+              <a:t>Machine Learning</a:t>
+            </a:r>
+            <a:endParaRPr lang="en-US" sz="2000" dirty="0"/>
+          </a:p>
+        </p:txBody>
+      </p:sp>
+      <p:sp>
+        <p:nvSpPr>
+          <p:cNvPr id="51" name="Retângulo 50">
+            <a:extLst>
+              <a:ext uri="{FF2B5EF4-FFF2-40B4-BE49-F238E27FC236}">
+                <a16:creationId xmlns:a16="http://schemas.microsoft.com/office/drawing/2014/main" id="{C17D2017-2C3D-4092-AB60-BAF9CFFA0182}"/>
               </a:ext>
             </a:extLst>
           </p:cNvPr>
@@ -5159,7 +5162,7 @@
         </p:nvSpPr>
         <p:spPr>
           <a:xfrm>
-            <a:off x="6230741" y="2914650"/>
+            <a:off x="6230741" y="4346137"/>
             <a:ext cx="981075" cy="762000"/>
           </a:xfrm>
           <a:prstGeom prst="rect">
@@ -5199,20 +5202,20 @@
           <a:p>
             <a:r>
               <a:rPr lang="en-US" sz="1000" dirty="0"/>
-              <a:t>24</a:t>
+              <a:t>51</a:t>
             </a:r>
             <a:endParaRPr lang="en-US" dirty="0"/>
           </a:p>
           <a:p>
             <a:r>
               <a:rPr lang="en-US" dirty="0"/>
-              <a:t>Ml</a:t>
+              <a:t>R</a:t>
             </a:r>
           </a:p>
           <a:p>
             <a:r>
               <a:rPr lang="en-US" sz="800" dirty="0"/>
-              <a:t>Machine Learning</a:t>
+              <a:t>R language</a:t>
             </a:r>
             <a:endParaRPr lang="en-US" sz="2000" dirty="0"/>
           </a:p>
@@ -5220,10 +5223,10 @@
       </p:sp>
       <p:sp>
         <p:nvSpPr>
-          <p:cNvPr id="51" name="Retângulo 50">
-            <a:extLst>
-              <a:ext uri="{FF2B5EF4-FFF2-40B4-BE49-F238E27FC236}">
-                <a16:creationId xmlns:a16="http://schemas.microsoft.com/office/drawing/2014/main" id="{C17D2017-2C3D-4092-AB60-BAF9CFFA0182}"/>
+          <p:cNvPr id="52" name="Retângulo 51">
+            <a:extLst>
+              <a:ext uri="{FF2B5EF4-FFF2-40B4-BE49-F238E27FC236}">
+                <a16:creationId xmlns:a16="http://schemas.microsoft.com/office/drawing/2014/main" id="{26171332-1CE3-46B4-8320-CE178FCE3416}"/>
               </a:ext>
             </a:extLst>
           </p:cNvPr>
@@ -5232,7 +5235,7 @@
         </p:nvSpPr>
         <p:spPr>
           <a:xfrm>
-            <a:off x="6230741" y="3714750"/>
+            <a:off x="6230741" y="5146237"/>
             <a:ext cx="981075" cy="762000"/>
           </a:xfrm>
           <a:prstGeom prst="rect">
@@ -5272,20 +5275,20 @@
           <a:p>
             <a:r>
               <a:rPr lang="en-US" sz="1000" dirty="0"/>
-              <a:t>42</a:t>
+              <a:t>71</a:t>
             </a:r>
             <a:endParaRPr lang="en-US" dirty="0"/>
           </a:p>
           <a:p>
             <a:r>
               <a:rPr lang="en-US" dirty="0"/>
-              <a:t>R</a:t>
+              <a:t>Nlp</a:t>
             </a:r>
           </a:p>
           <a:p>
             <a:r>
               <a:rPr lang="en-US" sz="800" dirty="0"/>
-              <a:t>R language</a:t>
+              <a:t>Analytical NLP</a:t>
             </a:r>
             <a:endParaRPr lang="en-US" sz="2000" dirty="0"/>
           </a:p>
@@ -5293,10 +5296,10 @@
       </p:sp>
       <p:sp>
         <p:nvSpPr>
-          <p:cNvPr id="52" name="Retângulo 51">
-            <a:extLst>
-              <a:ext uri="{FF2B5EF4-FFF2-40B4-BE49-F238E27FC236}">
-                <a16:creationId xmlns:a16="http://schemas.microsoft.com/office/drawing/2014/main" id="{26171332-1CE3-46B4-8320-CE178FCE3416}"/>
+          <p:cNvPr id="53" name="Retângulo 52">
+            <a:extLst>
+              <a:ext uri="{FF2B5EF4-FFF2-40B4-BE49-F238E27FC236}">
+                <a16:creationId xmlns:a16="http://schemas.microsoft.com/office/drawing/2014/main" id="{04F71824-EAEC-4459-B5F9-3C0E421DC247}"/>
               </a:ext>
             </a:extLst>
           </p:cNvPr>
@@ -5305,7 +5308,7 @@
         </p:nvSpPr>
         <p:spPr>
           <a:xfrm>
-            <a:off x="6230741" y="4514850"/>
+            <a:off x="6230741" y="5946337"/>
             <a:ext cx="981075" cy="762000"/>
           </a:xfrm>
           <a:prstGeom prst="rect">
@@ -5345,20 +5348,20 @@
           <a:p>
             <a:r>
               <a:rPr lang="en-US" sz="1000" dirty="0"/>
-              <a:t>60</a:t>
+              <a:t>91</a:t>
             </a:r>
             <a:endParaRPr lang="en-US" dirty="0"/>
           </a:p>
           <a:p>
             <a:r>
               <a:rPr lang="en-US" dirty="0"/>
-              <a:t>Nlp</a:t>
+              <a:t>Mdx</a:t>
             </a:r>
           </a:p>
           <a:p>
             <a:r>
               <a:rPr lang="en-US" sz="800" dirty="0"/>
-              <a:t>Analytical NLP</a:t>
+              <a:t>Mdx Support</a:t>
             </a:r>
             <a:endParaRPr lang="en-US" sz="2000" dirty="0"/>
           </a:p>
@@ -5366,10 +5369,10 @@
       </p:sp>
       <p:sp>
         <p:nvSpPr>
-          <p:cNvPr id="53" name="Retângulo 52">
-            <a:extLst>
-              <a:ext uri="{FF2B5EF4-FFF2-40B4-BE49-F238E27FC236}">
-                <a16:creationId xmlns:a16="http://schemas.microsoft.com/office/drawing/2014/main" id="{04F71824-EAEC-4459-B5F9-3C0E421DC247}"/>
+          <p:cNvPr id="54" name="Retângulo 53">
+            <a:extLst>
+              <a:ext uri="{FF2B5EF4-FFF2-40B4-BE49-F238E27FC236}">
+                <a16:creationId xmlns:a16="http://schemas.microsoft.com/office/drawing/2014/main" id="{D58E1B02-EB5E-424A-8847-47E3F4B6A5B5}"/>
               </a:ext>
             </a:extLst>
           </p:cNvPr>
@@ -5378,7 +5381,7 @@
         </p:nvSpPr>
         <p:spPr>
           <a:xfrm>
-            <a:off x="6230741" y="5314950"/>
+            <a:off x="7253152" y="3546037"/>
             <a:ext cx="981075" cy="762000"/>
           </a:xfrm>
           <a:prstGeom prst="rect">
@@ -5418,20 +5421,20 @@
           <a:p>
             <a:r>
               <a:rPr lang="en-US" sz="1000" dirty="0"/>
-              <a:t>78</a:t>
+              <a:t>32</a:t>
             </a:r>
             <a:endParaRPr lang="en-US" dirty="0"/>
           </a:p>
           <a:p>
             <a:r>
               <a:rPr lang="en-US" dirty="0"/>
-              <a:t>Mdx</a:t>
+              <a:t>Aml</a:t>
             </a:r>
           </a:p>
           <a:p>
             <a:r>
               <a:rPr lang="en-US" sz="800" dirty="0"/>
-              <a:t>Mdx Support</a:t>
+              <a:t>Auto ML</a:t>
             </a:r>
             <a:endParaRPr lang="en-US" sz="2000" dirty="0"/>
           </a:p>
@@ -5439,10 +5442,10 @@
       </p:sp>
       <p:sp>
         <p:nvSpPr>
-          <p:cNvPr id="54" name="Retângulo 53">
-            <a:extLst>
-              <a:ext uri="{FF2B5EF4-FFF2-40B4-BE49-F238E27FC236}">
-                <a16:creationId xmlns:a16="http://schemas.microsoft.com/office/drawing/2014/main" id="{D58E1B02-EB5E-424A-8847-47E3F4B6A5B5}"/>
+          <p:cNvPr id="55" name="Retângulo 54">
+            <a:extLst>
+              <a:ext uri="{FF2B5EF4-FFF2-40B4-BE49-F238E27FC236}">
+                <a16:creationId xmlns:a16="http://schemas.microsoft.com/office/drawing/2014/main" id="{A5E20298-3002-4E16-9E11-3262CB193EF3}"/>
               </a:ext>
             </a:extLst>
           </p:cNvPr>
@@ -5451,7 +5454,7 @@
         </p:nvSpPr>
         <p:spPr>
           <a:xfrm>
-            <a:off x="7253152" y="2914650"/>
+            <a:off x="7253152" y="4346137"/>
             <a:ext cx="981075" cy="762000"/>
           </a:xfrm>
           <a:prstGeom prst="rect">
@@ -5491,20 +5494,20 @@
           <a:p>
             <a:r>
               <a:rPr lang="en-US" sz="1000" dirty="0"/>
-              <a:t>25</a:t>
+              <a:t>52</a:t>
             </a:r>
             <a:endParaRPr lang="en-US" dirty="0"/>
           </a:p>
           <a:p>
             <a:r>
               <a:rPr lang="en-US" dirty="0"/>
-              <a:t>Aml</a:t>
+              <a:t>An</a:t>
             </a:r>
           </a:p>
           <a:p>
             <a:r>
               <a:rPr lang="en-US" sz="800" dirty="0"/>
-              <a:t>Auto ML</a:t>
+              <a:t>Analytics/BI</a:t>
             </a:r>
             <a:endParaRPr lang="en-US" sz="2000" dirty="0"/>
           </a:p>
@@ -5512,10 +5515,10 @@
       </p:sp>
       <p:sp>
         <p:nvSpPr>
-          <p:cNvPr id="55" name="Retângulo 54">
-            <a:extLst>
-              <a:ext uri="{FF2B5EF4-FFF2-40B4-BE49-F238E27FC236}">
-                <a16:creationId xmlns:a16="http://schemas.microsoft.com/office/drawing/2014/main" id="{A5E20298-3002-4E16-9E11-3262CB193EF3}"/>
+          <p:cNvPr id="56" name="Retângulo 55">
+            <a:extLst>
+              <a:ext uri="{FF2B5EF4-FFF2-40B4-BE49-F238E27FC236}">
+                <a16:creationId xmlns:a16="http://schemas.microsoft.com/office/drawing/2014/main" id="{78D1699E-2D63-4265-9E7B-69BF4266D496}"/>
               </a:ext>
             </a:extLst>
           </p:cNvPr>
@@ -5524,7 +5527,7 @@
         </p:nvSpPr>
         <p:spPr>
           <a:xfrm>
-            <a:off x="7253152" y="3714750"/>
+            <a:off x="7253152" y="5146237"/>
             <a:ext cx="981075" cy="762000"/>
           </a:xfrm>
           <a:prstGeom prst="rect">
@@ -5564,20 +5567,20 @@
           <a:p>
             <a:r>
               <a:rPr lang="en-US" sz="1000" dirty="0"/>
-              <a:t>43</a:t>
+              <a:t>72</a:t>
             </a:r>
             <a:endParaRPr lang="en-US" dirty="0"/>
           </a:p>
           <a:p>
             <a:r>
               <a:rPr lang="en-US" dirty="0"/>
-              <a:t>An</a:t>
+              <a:t>Jr</a:t>
             </a:r>
           </a:p>
           <a:p>
             <a:r>
               <a:rPr lang="en-US" sz="800" dirty="0"/>
-              <a:t>Analytics/BI</a:t>
+              <a:t>JReport</a:t>
             </a:r>
             <a:endParaRPr lang="en-US" sz="2000" dirty="0"/>
           </a:p>
@@ -5585,10 +5588,10 @@
       </p:sp>
       <p:sp>
         <p:nvSpPr>
-          <p:cNvPr id="56" name="Retângulo 55">
-            <a:extLst>
-              <a:ext uri="{FF2B5EF4-FFF2-40B4-BE49-F238E27FC236}">
-                <a16:creationId xmlns:a16="http://schemas.microsoft.com/office/drawing/2014/main" id="{78D1699E-2D63-4265-9E7B-69BF4266D496}"/>
+          <p:cNvPr id="57" name="Retângulo 56">
+            <a:extLst>
+              <a:ext uri="{FF2B5EF4-FFF2-40B4-BE49-F238E27FC236}">
+                <a16:creationId xmlns:a16="http://schemas.microsoft.com/office/drawing/2014/main" id="{40CC8C42-96F6-4CEE-93B9-8EA27106FA80}"/>
               </a:ext>
             </a:extLst>
           </p:cNvPr>
@@ -5597,7 +5600,7 @@
         </p:nvSpPr>
         <p:spPr>
           <a:xfrm>
-            <a:off x="7253152" y="4514850"/>
+            <a:off x="7253152" y="5946337"/>
             <a:ext cx="981075" cy="762000"/>
           </a:xfrm>
           <a:prstGeom prst="rect">
@@ -5637,20 +5640,20 @@
           <a:p>
             <a:r>
               <a:rPr lang="en-US" sz="1000" dirty="0"/>
-              <a:t>61</a:t>
+              <a:t>92</a:t>
             </a:r>
             <a:endParaRPr lang="en-US" dirty="0"/>
           </a:p>
           <a:p>
             <a:r>
               <a:rPr lang="en-US" dirty="0"/>
-              <a:t>Jr</a:t>
+              <a:t>Pb</a:t>
             </a:r>
           </a:p>
           <a:p>
             <a:r>
               <a:rPr lang="en-US" sz="800" dirty="0"/>
-              <a:t>JReport</a:t>
+              <a:t>PowerBI Support</a:t>
             </a:r>
             <a:endParaRPr lang="en-US" sz="2000" dirty="0"/>
           </a:p>
@@ -5658,10 +5661,10 @@
       </p:sp>
       <p:sp>
         <p:nvSpPr>
-          <p:cNvPr id="57" name="Retângulo 56">
-            <a:extLst>
-              <a:ext uri="{FF2B5EF4-FFF2-40B4-BE49-F238E27FC236}">
-                <a16:creationId xmlns:a16="http://schemas.microsoft.com/office/drawing/2014/main" id="{40CC8C42-96F6-4CEE-93B9-8EA27106FA80}"/>
+          <p:cNvPr id="58" name="Retângulo 57">
+            <a:extLst>
+              <a:ext uri="{FF2B5EF4-FFF2-40B4-BE49-F238E27FC236}">
+                <a16:creationId xmlns:a16="http://schemas.microsoft.com/office/drawing/2014/main" id="{9C96294E-87A2-4174-8AF6-2F86DAFC3E02}"/>
               </a:ext>
             </a:extLst>
           </p:cNvPr>
@@ -5670,7 +5673,7 @@
         </p:nvSpPr>
         <p:spPr>
           <a:xfrm>
-            <a:off x="7253152" y="5314950"/>
+            <a:off x="8278982" y="3546037"/>
             <a:ext cx="981075" cy="762000"/>
           </a:xfrm>
           <a:prstGeom prst="rect">
@@ -5710,20 +5713,20 @@
           <a:p>
             <a:r>
               <a:rPr lang="en-US" sz="1000" dirty="0"/>
-              <a:t>79</a:t>
+              <a:t>33</a:t>
             </a:r>
             <a:endParaRPr lang="en-US" dirty="0"/>
           </a:p>
           <a:p>
             <a:r>
               <a:rPr lang="en-US" dirty="0"/>
-              <a:t>Pb</a:t>
+              <a:t>Pmml</a:t>
             </a:r>
           </a:p>
           <a:p>
             <a:r>
               <a:rPr lang="en-US" sz="800" dirty="0"/>
-              <a:t>PowerBI Support</a:t>
+              <a:t>Pmml Support</a:t>
             </a:r>
             <a:endParaRPr lang="en-US" sz="2000" dirty="0"/>
           </a:p>
@@ -5731,10 +5734,10 @@
       </p:sp>
       <p:sp>
         <p:nvSpPr>
-          <p:cNvPr id="58" name="Retângulo 57">
-            <a:extLst>
-              <a:ext uri="{FF2B5EF4-FFF2-40B4-BE49-F238E27FC236}">
-                <a16:creationId xmlns:a16="http://schemas.microsoft.com/office/drawing/2014/main" id="{9C96294E-87A2-4174-8AF6-2F86DAFC3E02}"/>
+          <p:cNvPr id="59" name="Retângulo 58">
+            <a:extLst>
+              <a:ext uri="{FF2B5EF4-FFF2-40B4-BE49-F238E27FC236}">
+                <a16:creationId xmlns:a16="http://schemas.microsoft.com/office/drawing/2014/main" id="{8035891B-38DC-440B-A3F2-B1E298C5C2A5}"/>
               </a:ext>
             </a:extLst>
           </p:cNvPr>
@@ -5743,7 +5746,7 @@
         </p:nvSpPr>
         <p:spPr>
           <a:xfrm>
-            <a:off x="8278982" y="2914650"/>
+            <a:off x="8278982" y="4346137"/>
             <a:ext cx="981075" cy="762000"/>
           </a:xfrm>
           <a:prstGeom prst="rect">
@@ -5783,20 +5786,20 @@
           <a:p>
             <a:r>
               <a:rPr lang="en-US" sz="1000" dirty="0"/>
-              <a:t>26</a:t>
+              <a:t>53</a:t>
             </a:r>
             <a:endParaRPr lang="en-US" dirty="0"/>
           </a:p>
           <a:p>
             <a:r>
               <a:rPr lang="en-US" dirty="0"/>
-              <a:t>Pmml</a:t>
+              <a:t>Uima</a:t>
             </a:r>
           </a:p>
           <a:p>
             <a:r>
               <a:rPr lang="en-US" sz="800" dirty="0"/>
-              <a:t>Pmml Support</a:t>
+              <a:t>Apache UIMA</a:t>
             </a:r>
             <a:endParaRPr lang="en-US" sz="2000" dirty="0"/>
           </a:p>
@@ -5804,10 +5807,10 @@
       </p:sp>
       <p:sp>
         <p:nvSpPr>
-          <p:cNvPr id="59" name="Retângulo 58">
-            <a:extLst>
-              <a:ext uri="{FF2B5EF4-FFF2-40B4-BE49-F238E27FC236}">
-                <a16:creationId xmlns:a16="http://schemas.microsoft.com/office/drawing/2014/main" id="{8035891B-38DC-440B-A3F2-B1E298C5C2A5}"/>
+          <p:cNvPr id="60" name="Retângulo 59">
+            <a:extLst>
+              <a:ext uri="{FF2B5EF4-FFF2-40B4-BE49-F238E27FC236}">
+                <a16:creationId xmlns:a16="http://schemas.microsoft.com/office/drawing/2014/main" id="{4E233EEC-87DE-4F5F-8B25-C48D3A063FF8}"/>
               </a:ext>
             </a:extLst>
           </p:cNvPr>
@@ -5816,7 +5819,7 @@
         </p:nvSpPr>
         <p:spPr>
           <a:xfrm>
-            <a:off x="8278982" y="3714750"/>
+            <a:off x="8278982" y="5146237"/>
             <a:ext cx="981075" cy="762000"/>
           </a:xfrm>
           <a:prstGeom prst="rect">
@@ -5856,20 +5859,20 @@
           <a:p>
             <a:r>
               <a:rPr lang="en-US" sz="1000" dirty="0"/>
-              <a:t>44</a:t>
+              <a:t>73</a:t>
             </a:r>
             <a:endParaRPr lang="en-US" dirty="0"/>
           </a:p>
           <a:p>
             <a:r>
               <a:rPr lang="en-US" dirty="0"/>
-              <a:t>Uima</a:t>
+              <a:t>Spk</a:t>
             </a:r>
           </a:p>
           <a:p>
             <a:r>
               <a:rPr lang="en-US" sz="800" dirty="0"/>
-              <a:t>Apache UIMA</a:t>
+              <a:t>Spark support</a:t>
             </a:r>
             <a:endParaRPr lang="en-US" sz="2000" dirty="0"/>
           </a:p>
@@ -5877,10 +5880,10 @@
       </p:sp>
       <p:sp>
         <p:nvSpPr>
-          <p:cNvPr id="60" name="Retângulo 59">
-            <a:extLst>
-              <a:ext uri="{FF2B5EF4-FFF2-40B4-BE49-F238E27FC236}">
-                <a16:creationId xmlns:a16="http://schemas.microsoft.com/office/drawing/2014/main" id="{4E233EEC-87DE-4F5F-8B25-C48D3A063FF8}"/>
+          <p:cNvPr id="61" name="Retângulo 60">
+            <a:extLst>
+              <a:ext uri="{FF2B5EF4-FFF2-40B4-BE49-F238E27FC236}">
+                <a16:creationId xmlns:a16="http://schemas.microsoft.com/office/drawing/2014/main" id="{74F88AAE-8732-43C9-ACF3-D8040CC7A49F}"/>
               </a:ext>
             </a:extLst>
           </p:cNvPr>
@@ -5889,7 +5892,7 @@
         </p:nvSpPr>
         <p:spPr>
           <a:xfrm>
-            <a:off x="8278982" y="4514850"/>
+            <a:off x="8278982" y="5946337"/>
             <a:ext cx="981075" cy="762000"/>
           </a:xfrm>
           <a:prstGeom prst="rect">
@@ -5929,20 +5932,20 @@
           <a:p>
             <a:r>
               <a:rPr lang="en-US" sz="1000" dirty="0"/>
-              <a:t>62</a:t>
+              <a:t>93</a:t>
             </a:r>
             <a:endParaRPr lang="en-US" dirty="0"/>
           </a:p>
           <a:p>
             <a:r>
               <a:rPr lang="en-US" dirty="0"/>
-              <a:t>Spk</a:t>
+              <a:t>Dsh</a:t>
             </a:r>
           </a:p>
           <a:p>
             <a:r>
               <a:rPr lang="en-US" sz="800" dirty="0"/>
-              <a:t>Spark support</a:t>
+              <a:t>Dashboards</a:t>
             </a:r>
             <a:endParaRPr lang="en-US" sz="2000" dirty="0"/>
           </a:p>
@@ -5950,10 +5953,10 @@
       </p:sp>
       <p:sp>
         <p:nvSpPr>
-          <p:cNvPr id="61" name="Retângulo 60">
-            <a:extLst>
-              <a:ext uri="{FF2B5EF4-FFF2-40B4-BE49-F238E27FC236}">
-                <a16:creationId xmlns:a16="http://schemas.microsoft.com/office/drawing/2014/main" id="{74F88AAE-8732-43C9-ACF3-D8040CC7A49F}"/>
+          <p:cNvPr id="62" name="Retângulo 61">
+            <a:extLst>
+              <a:ext uri="{FF2B5EF4-FFF2-40B4-BE49-F238E27FC236}">
+                <a16:creationId xmlns:a16="http://schemas.microsoft.com/office/drawing/2014/main" id="{9AEEFBE3-7C84-4BBC-8AE3-ADDEA599F54C}"/>
               </a:ext>
             </a:extLst>
           </p:cNvPr>
@@ -5962,8 +5965,8 @@
         </p:nvSpPr>
         <p:spPr>
           <a:xfrm>
-            <a:off x="8278982" y="5314950"/>
-            <a:ext cx="981075" cy="762000"/>
+            <a:off x="5738180" y="1812487"/>
+            <a:ext cx="262800" cy="223388"/>
           </a:xfrm>
           <a:prstGeom prst="rect">
             <a:avLst/>
@@ -6000,33 +6003,52 @@
           </a:bodyPr>
           <a:lstStyle/>
           <a:p>
-            <a:r>
-              <a:rPr lang="en-US" sz="1000" dirty="0"/>
-              <a:t>80</a:t>
-            </a:r>
-            <a:endParaRPr lang="en-US" dirty="0"/>
-          </a:p>
-          <a:p>
-            <a:r>
-              <a:rPr lang="en-US" dirty="0"/>
-              <a:t>Dsh</a:t>
-            </a:r>
-          </a:p>
-          <a:p>
-            <a:r>
-              <a:rPr lang="en-US" sz="800" dirty="0"/>
-              <a:t>Dashboards</a:t>
-            </a:r>
-            <a:endParaRPr lang="en-US" sz="2000" dirty="0"/>
-          </a:p>
-        </p:txBody>
-      </p:sp>
-      <p:sp>
-        <p:nvSpPr>
-          <p:cNvPr id="62" name="Retângulo 61">
-            <a:extLst>
-              <a:ext uri="{FF2B5EF4-FFF2-40B4-BE49-F238E27FC236}">
-                <a16:creationId xmlns:a16="http://schemas.microsoft.com/office/drawing/2014/main" id="{9AEEFBE3-7C84-4BBC-8AE3-ADDEA599F54C}"/>
+            <a:pPr algn="ctr"/>
+            <a:endParaRPr lang="pt-BR"/>
+          </a:p>
+        </p:txBody>
+      </p:sp>
+      <p:sp>
+        <p:nvSpPr>
+          <p:cNvPr id="63" name="CaixaDeTexto 62">
+            <a:extLst>
+              <a:ext uri="{FF2B5EF4-FFF2-40B4-BE49-F238E27FC236}">
+                <a16:creationId xmlns:a16="http://schemas.microsoft.com/office/drawing/2014/main" id="{C2F3583F-B95E-4F77-8693-87D3ECDC38BE}"/>
+              </a:ext>
+            </a:extLst>
+          </p:cNvPr>
+          <p:cNvSpPr txBox="1"/>
+          <p:nvPr/>
+        </p:nvSpPr>
+        <p:spPr>
+          <a:xfrm>
+            <a:off x="5961048" y="1749502"/>
+            <a:ext cx="1643783" cy="369332"/>
+          </a:xfrm>
+          <a:prstGeom prst="rect">
+            <a:avLst/>
+          </a:prstGeom>
+          <a:noFill/>
+        </p:spPr>
+        <p:txBody>
+          <a:bodyPr wrap="none" rtlCol="0">
+            <a:spAutoFit/>
+          </a:bodyPr>
+          <a:lstStyle/>
+          <a:p>
+            <a:r>
+              <a:rPr lang="pt-BR" dirty="0"/>
+              <a:t>AI &amp; ANALYTICS</a:t>
+            </a:r>
+          </a:p>
+        </p:txBody>
+      </p:sp>
+      <p:sp>
+        <p:nvSpPr>
+          <p:cNvPr id="66" name="Retângulo 65">
+            <a:extLst>
+              <a:ext uri="{FF2B5EF4-FFF2-40B4-BE49-F238E27FC236}">
+                <a16:creationId xmlns:a16="http://schemas.microsoft.com/office/drawing/2014/main" id="{D8AC9172-0D7B-4CE2-8302-415B3F80060A}"/>
               </a:ext>
             </a:extLst>
           </p:cNvPr>
@@ -6035,14 +6057,16 @@
         </p:nvSpPr>
         <p:spPr>
           <a:xfrm>
-            <a:off x="5738180" y="1181100"/>
-            <a:ext cx="262800" cy="223388"/>
-          </a:xfrm>
-          <a:prstGeom prst="rect">
-            <a:avLst/>
-          </a:prstGeom>
-          <a:solidFill>
-            <a:srgbClr val="FF5353"/>
+            <a:off x="9294846" y="3555562"/>
+            <a:ext cx="981075" cy="762000"/>
+          </a:xfrm>
+          <a:prstGeom prst="rect">
+            <a:avLst/>
+          </a:prstGeom>
+          <a:solidFill>
+            <a:schemeClr val="bg2">
+              <a:lumMod val="50000"/>
+            </a:schemeClr>
           </a:solidFill>
           <a:ln>
             <a:noFill/>
@@ -6073,52 +6097,33 @@
           </a:bodyPr>
           <a:lstStyle/>
           <a:p>
-            <a:pPr algn="ctr"/>
-            <a:endParaRPr lang="pt-BR"/>
-          </a:p>
-        </p:txBody>
-      </p:sp>
-      <p:sp>
-        <p:nvSpPr>
-          <p:cNvPr id="63" name="CaixaDeTexto 62">
-            <a:extLst>
-              <a:ext uri="{FF2B5EF4-FFF2-40B4-BE49-F238E27FC236}">
-                <a16:creationId xmlns:a16="http://schemas.microsoft.com/office/drawing/2014/main" id="{C2F3583F-B95E-4F77-8693-87D3ECDC38BE}"/>
-              </a:ext>
-            </a:extLst>
-          </p:cNvPr>
-          <p:cNvSpPr txBox="1"/>
-          <p:nvPr/>
-        </p:nvSpPr>
-        <p:spPr>
-          <a:xfrm>
-            <a:off x="5961048" y="1118115"/>
-            <a:ext cx="1643783" cy="369332"/>
-          </a:xfrm>
-          <a:prstGeom prst="rect">
-            <a:avLst/>
-          </a:prstGeom>
-          <a:noFill/>
-        </p:spPr>
-        <p:txBody>
-          <a:bodyPr wrap="none" rtlCol="0">
-            <a:spAutoFit/>
-          </a:bodyPr>
-          <a:lstStyle/>
-          <a:p>
-            <a:r>
-              <a:rPr lang="pt-BR" dirty="0"/>
-              <a:t>AI &amp; ANALYTICS</a:t>
-            </a:r>
-          </a:p>
-        </p:txBody>
-      </p:sp>
-      <p:sp>
-        <p:nvSpPr>
-          <p:cNvPr id="66" name="Retângulo 65">
-            <a:extLst>
-              <a:ext uri="{FF2B5EF4-FFF2-40B4-BE49-F238E27FC236}">
-                <a16:creationId xmlns:a16="http://schemas.microsoft.com/office/drawing/2014/main" id="{D8AC9172-0D7B-4CE2-8302-415B3F80060A}"/>
+            <a:r>
+              <a:rPr lang="en-US" sz="1000" dirty="0"/>
+              <a:t>34</a:t>
+            </a:r>
+            <a:endParaRPr lang="en-US" dirty="0"/>
+          </a:p>
+          <a:p>
+            <a:r>
+              <a:rPr lang="en-US" dirty="0"/>
+              <a:t>Dc</a:t>
+            </a:r>
+          </a:p>
+          <a:p>
+            <a:r>
+              <a:rPr lang="en-US" sz="800" dirty="0"/>
+              <a:t>Dev Community</a:t>
+            </a:r>
+            <a:endParaRPr lang="en-US" sz="2000" dirty="0"/>
+          </a:p>
+        </p:txBody>
+      </p:sp>
+      <p:sp>
+        <p:nvSpPr>
+          <p:cNvPr id="67" name="Retângulo 66">
+            <a:extLst>
+              <a:ext uri="{FF2B5EF4-FFF2-40B4-BE49-F238E27FC236}">
+                <a16:creationId xmlns:a16="http://schemas.microsoft.com/office/drawing/2014/main" id="{56DCEEDB-B70C-48A2-9B82-F2DD1F939783}"/>
               </a:ext>
             </a:extLst>
           </p:cNvPr>
@@ -6127,7 +6132,7 @@
         </p:nvSpPr>
         <p:spPr>
           <a:xfrm>
-            <a:off x="9294846" y="2924175"/>
+            <a:off x="9294846" y="4355662"/>
             <a:ext cx="981075" cy="762000"/>
           </a:xfrm>
           <a:prstGeom prst="rect">
@@ -6169,20 +6174,20 @@
           <a:p>
             <a:r>
               <a:rPr lang="en-US" sz="1000" dirty="0"/>
-              <a:t>27</a:t>
+              <a:t>54</a:t>
             </a:r>
             <a:endParaRPr lang="en-US" dirty="0"/>
           </a:p>
           <a:p>
             <a:r>
               <a:rPr lang="en-US" dirty="0"/>
-              <a:t>Dc</a:t>
+              <a:t>Oex</a:t>
             </a:r>
           </a:p>
           <a:p>
             <a:r>
               <a:rPr lang="en-US" sz="800" dirty="0"/>
-              <a:t>Dev Community</a:t>
+              <a:t>Open Exchange</a:t>
             </a:r>
             <a:endParaRPr lang="en-US" sz="2000" dirty="0"/>
           </a:p>
@@ -6190,10 +6195,10 @@
       </p:sp>
       <p:sp>
         <p:nvSpPr>
-          <p:cNvPr id="67" name="Retângulo 66">
-            <a:extLst>
-              <a:ext uri="{FF2B5EF4-FFF2-40B4-BE49-F238E27FC236}">
-                <a16:creationId xmlns:a16="http://schemas.microsoft.com/office/drawing/2014/main" id="{56DCEEDB-B70C-48A2-9B82-F2DD1F939783}"/>
+          <p:cNvPr id="68" name="Retângulo 67">
+            <a:extLst>
+              <a:ext uri="{FF2B5EF4-FFF2-40B4-BE49-F238E27FC236}">
+                <a16:creationId xmlns:a16="http://schemas.microsoft.com/office/drawing/2014/main" id="{9A108C93-007A-4DED-A1EE-B33DBE3C509D}"/>
               </a:ext>
             </a:extLst>
           </p:cNvPr>
@@ -6202,7 +6207,7 @@
         </p:nvSpPr>
         <p:spPr>
           <a:xfrm>
-            <a:off x="9294846" y="3724275"/>
+            <a:off x="9294846" y="5155762"/>
             <a:ext cx="981075" cy="762000"/>
           </a:xfrm>
           <a:prstGeom prst="rect">
@@ -6244,20 +6249,20 @@
           <a:p>
             <a:r>
               <a:rPr lang="en-US" sz="1000" dirty="0"/>
-              <a:t>45</a:t>
+              <a:t>74</a:t>
             </a:r>
             <a:endParaRPr lang="en-US" dirty="0"/>
           </a:p>
           <a:p>
             <a:r>
               <a:rPr lang="en-US" dirty="0"/>
-              <a:t>Oex</a:t>
+              <a:t>Wrc</a:t>
             </a:r>
           </a:p>
           <a:p>
             <a:r>
               <a:rPr lang="en-US" sz="800" dirty="0"/>
-              <a:t>Open Exchange</a:t>
+              <a:t>Response Center</a:t>
             </a:r>
             <a:endParaRPr lang="en-US" sz="2000" dirty="0"/>
           </a:p>
@@ -6265,10 +6270,10 @@
       </p:sp>
       <p:sp>
         <p:nvSpPr>
-          <p:cNvPr id="68" name="Retângulo 67">
-            <a:extLst>
-              <a:ext uri="{FF2B5EF4-FFF2-40B4-BE49-F238E27FC236}">
-                <a16:creationId xmlns:a16="http://schemas.microsoft.com/office/drawing/2014/main" id="{9A108C93-007A-4DED-A1EE-B33DBE3C509D}"/>
+          <p:cNvPr id="69" name="Retângulo 68">
+            <a:extLst>
+              <a:ext uri="{FF2B5EF4-FFF2-40B4-BE49-F238E27FC236}">
+                <a16:creationId xmlns:a16="http://schemas.microsoft.com/office/drawing/2014/main" id="{2150022C-EBA3-4C4B-93D1-913587460D16}"/>
               </a:ext>
             </a:extLst>
           </p:cNvPr>
@@ -6277,7 +6282,7 @@
         </p:nvSpPr>
         <p:spPr>
           <a:xfrm>
-            <a:off x="9294846" y="4524375"/>
+            <a:off x="9294846" y="5955862"/>
             <a:ext cx="981075" cy="762000"/>
           </a:xfrm>
           <a:prstGeom prst="rect">
@@ -6319,20 +6324,20 @@
           <a:p>
             <a:r>
               <a:rPr lang="en-US" sz="1000" dirty="0"/>
-              <a:t>63</a:t>
+              <a:t>94</a:t>
             </a:r>
             <a:endParaRPr lang="en-US" dirty="0"/>
           </a:p>
           <a:p>
             <a:r>
               <a:rPr lang="en-US" dirty="0"/>
-              <a:t>Wrc</a:t>
+              <a:t>Ln</a:t>
             </a:r>
           </a:p>
           <a:p>
             <a:r>
               <a:rPr lang="en-US" sz="800" dirty="0"/>
-              <a:t>Response Center</a:t>
+              <a:t>Learning Portal</a:t>
             </a:r>
             <a:endParaRPr lang="en-US" sz="2000" dirty="0"/>
           </a:p>
@@ -6340,10 +6345,10 @@
       </p:sp>
       <p:sp>
         <p:nvSpPr>
-          <p:cNvPr id="69" name="Retângulo 68">
-            <a:extLst>
-              <a:ext uri="{FF2B5EF4-FFF2-40B4-BE49-F238E27FC236}">
-                <a16:creationId xmlns:a16="http://schemas.microsoft.com/office/drawing/2014/main" id="{2150022C-EBA3-4C4B-93D1-913587460D16}"/>
+          <p:cNvPr id="70" name="Retângulo 69">
+            <a:extLst>
+              <a:ext uri="{FF2B5EF4-FFF2-40B4-BE49-F238E27FC236}">
+                <a16:creationId xmlns:a16="http://schemas.microsoft.com/office/drawing/2014/main" id="{6D895DFF-D6EA-4EED-8D4F-D20E27264501}"/>
               </a:ext>
             </a:extLst>
           </p:cNvPr>
@@ -6352,8 +6357,8 @@
         </p:nvSpPr>
         <p:spPr>
           <a:xfrm>
-            <a:off x="9294846" y="5324475"/>
-            <a:ext cx="981075" cy="762000"/>
+            <a:off x="5738180" y="2200864"/>
+            <a:ext cx="262800" cy="223388"/>
           </a:xfrm>
           <a:prstGeom prst="rect">
             <a:avLst/>
@@ -6392,33 +6397,52 @@
           </a:bodyPr>
           <a:lstStyle/>
           <a:p>
-            <a:r>
-              <a:rPr lang="en-US" sz="1000" dirty="0"/>
-              <a:t>81</a:t>
-            </a:r>
-            <a:endParaRPr lang="en-US" dirty="0"/>
-          </a:p>
-          <a:p>
-            <a:r>
-              <a:rPr lang="en-US" dirty="0"/>
-              <a:t>Ln</a:t>
-            </a:r>
-          </a:p>
-          <a:p>
-            <a:r>
-              <a:rPr lang="en-US" sz="800" dirty="0"/>
-              <a:t>Learning Portal</a:t>
-            </a:r>
-            <a:endParaRPr lang="en-US" sz="2000" dirty="0"/>
-          </a:p>
-        </p:txBody>
-      </p:sp>
-      <p:sp>
-        <p:nvSpPr>
-          <p:cNvPr id="70" name="Retângulo 69">
-            <a:extLst>
-              <a:ext uri="{FF2B5EF4-FFF2-40B4-BE49-F238E27FC236}">
-                <a16:creationId xmlns:a16="http://schemas.microsoft.com/office/drawing/2014/main" id="{6D895DFF-D6EA-4EED-8D4F-D20E27264501}"/>
+            <a:pPr algn="ctr"/>
+            <a:endParaRPr lang="pt-BR"/>
+          </a:p>
+        </p:txBody>
+      </p:sp>
+      <p:sp>
+        <p:nvSpPr>
+          <p:cNvPr id="71" name="CaixaDeTexto 70">
+            <a:extLst>
+              <a:ext uri="{FF2B5EF4-FFF2-40B4-BE49-F238E27FC236}">
+                <a16:creationId xmlns:a16="http://schemas.microsoft.com/office/drawing/2014/main" id="{FD84A888-8964-4A02-AC26-CB33BF4A7827}"/>
+              </a:ext>
+            </a:extLst>
+          </p:cNvPr>
+          <p:cNvSpPr txBox="1"/>
+          <p:nvPr/>
+        </p:nvSpPr>
+        <p:spPr>
+          <a:xfrm>
+            <a:off x="5959446" y="2134503"/>
+            <a:ext cx="1492140" cy="369332"/>
+          </a:xfrm>
+          <a:prstGeom prst="rect">
+            <a:avLst/>
+          </a:prstGeom>
+          <a:noFill/>
+        </p:spPr>
+        <p:txBody>
+          <a:bodyPr wrap="none" rtlCol="0">
+            <a:spAutoFit/>
+          </a:bodyPr>
+          <a:lstStyle/>
+          <a:p>
+            <a:r>
+              <a:rPr lang="pt-BR" dirty="0"/>
+              <a:t>DEV SERVICES</a:t>
+            </a:r>
+          </a:p>
+        </p:txBody>
+      </p:sp>
+      <p:sp>
+        <p:nvSpPr>
+          <p:cNvPr id="72" name="Retângulo 71">
+            <a:extLst>
+              <a:ext uri="{FF2B5EF4-FFF2-40B4-BE49-F238E27FC236}">
+                <a16:creationId xmlns:a16="http://schemas.microsoft.com/office/drawing/2014/main" id="{B4777453-E19D-4250-B79F-04EB86A3528F}"/>
               </a:ext>
             </a:extLst>
           </p:cNvPr>
@@ -6427,16 +6451,14 @@
         </p:nvSpPr>
         <p:spPr>
           <a:xfrm>
-            <a:off x="5738180" y="1569477"/>
-            <a:ext cx="262800" cy="223388"/>
-          </a:xfrm>
-          <a:prstGeom prst="rect">
-            <a:avLst/>
-          </a:prstGeom>
-          <a:solidFill>
-            <a:schemeClr val="bg2">
-              <a:lumMod val="50000"/>
-            </a:schemeClr>
+            <a:off x="10325045" y="3555562"/>
+            <a:ext cx="981075" cy="762000"/>
+          </a:xfrm>
+          <a:prstGeom prst="rect">
+            <a:avLst/>
+          </a:prstGeom>
+          <a:solidFill>
+            <a:srgbClr val="0070C0"/>
           </a:solidFill>
           <a:ln>
             <a:noFill/>
@@ -6467,52 +6489,33 @@
           </a:bodyPr>
           <a:lstStyle/>
           <a:p>
-            <a:pPr algn="ctr"/>
-            <a:endParaRPr lang="pt-BR"/>
-          </a:p>
-        </p:txBody>
-      </p:sp>
-      <p:sp>
-        <p:nvSpPr>
-          <p:cNvPr id="71" name="CaixaDeTexto 70">
-            <a:extLst>
-              <a:ext uri="{FF2B5EF4-FFF2-40B4-BE49-F238E27FC236}">
-                <a16:creationId xmlns:a16="http://schemas.microsoft.com/office/drawing/2014/main" id="{FD84A888-8964-4A02-AC26-CB33BF4A7827}"/>
-              </a:ext>
-            </a:extLst>
-          </p:cNvPr>
-          <p:cNvSpPr txBox="1"/>
-          <p:nvPr/>
-        </p:nvSpPr>
-        <p:spPr>
-          <a:xfrm>
-            <a:off x="5959446" y="1503116"/>
-            <a:ext cx="1492140" cy="369332"/>
-          </a:xfrm>
-          <a:prstGeom prst="rect">
-            <a:avLst/>
-          </a:prstGeom>
-          <a:noFill/>
-        </p:spPr>
-        <p:txBody>
-          <a:bodyPr wrap="none" rtlCol="0">
-            <a:spAutoFit/>
-          </a:bodyPr>
-          <a:lstStyle/>
-          <a:p>
-            <a:r>
-              <a:rPr lang="pt-BR" dirty="0"/>
-              <a:t>DEV SERVICES</a:t>
-            </a:r>
-          </a:p>
-        </p:txBody>
-      </p:sp>
-      <p:sp>
-        <p:nvSpPr>
-          <p:cNvPr id="72" name="Retângulo 71">
-            <a:extLst>
-              <a:ext uri="{FF2B5EF4-FFF2-40B4-BE49-F238E27FC236}">
-                <a16:creationId xmlns:a16="http://schemas.microsoft.com/office/drawing/2014/main" id="{B4777453-E19D-4250-B79F-04EB86A3528F}"/>
+            <a:r>
+              <a:rPr lang="en-US" sz="1000" dirty="0"/>
+              <a:t>35</a:t>
+            </a:r>
+            <a:endParaRPr lang="en-US" dirty="0"/>
+          </a:p>
+          <a:p>
+            <a:r>
+              <a:rPr lang="en-US" dirty="0"/>
+              <a:t>Adp</a:t>
+            </a:r>
+          </a:p>
+          <a:p>
+            <a:r>
+              <a:rPr lang="en-US" sz="800" dirty="0"/>
+              <a:t>Integration Classes</a:t>
+            </a:r>
+            <a:endParaRPr lang="en-US" sz="2000" dirty="0"/>
+          </a:p>
+        </p:txBody>
+      </p:sp>
+      <p:sp>
+        <p:nvSpPr>
+          <p:cNvPr id="73" name="Retângulo 72">
+            <a:extLst>
+              <a:ext uri="{FF2B5EF4-FFF2-40B4-BE49-F238E27FC236}">
+                <a16:creationId xmlns:a16="http://schemas.microsoft.com/office/drawing/2014/main" id="{0B7DB308-643E-413E-A958-993B547D652A}"/>
               </a:ext>
             </a:extLst>
           </p:cNvPr>
@@ -6521,7 +6524,7 @@
         </p:nvSpPr>
         <p:spPr>
           <a:xfrm>
-            <a:off x="10325045" y="2924175"/>
+            <a:off x="10325045" y="4355662"/>
             <a:ext cx="981075" cy="762000"/>
           </a:xfrm>
           <a:prstGeom prst="rect">
@@ -6561,20 +6564,20 @@
           <a:p>
             <a:r>
               <a:rPr lang="en-US" sz="1000" dirty="0"/>
-              <a:t>28</a:t>
+              <a:t>55</a:t>
             </a:r>
             <a:endParaRPr lang="en-US" dirty="0"/>
           </a:p>
           <a:p>
             <a:r>
               <a:rPr lang="en-US" dirty="0"/>
-              <a:t>Adp</a:t>
+              <a:t>Dtl</a:t>
             </a:r>
           </a:p>
           <a:p>
             <a:r>
               <a:rPr lang="en-US" sz="800" dirty="0"/>
-              <a:t>Integration Classes</a:t>
+              <a:t>Data Transform</a:t>
             </a:r>
             <a:endParaRPr lang="en-US" sz="2000" dirty="0"/>
           </a:p>
@@ -6582,10 +6585,10 @@
       </p:sp>
       <p:sp>
         <p:nvSpPr>
-          <p:cNvPr id="73" name="Retângulo 72">
-            <a:extLst>
-              <a:ext uri="{FF2B5EF4-FFF2-40B4-BE49-F238E27FC236}">
-                <a16:creationId xmlns:a16="http://schemas.microsoft.com/office/drawing/2014/main" id="{0B7DB308-643E-413E-A958-993B547D652A}"/>
+          <p:cNvPr id="74" name="Retângulo 73">
+            <a:extLst>
+              <a:ext uri="{FF2B5EF4-FFF2-40B4-BE49-F238E27FC236}">
+                <a16:creationId xmlns:a16="http://schemas.microsoft.com/office/drawing/2014/main" id="{3E5E121C-5968-4869-9D6B-84B7D40DC170}"/>
               </a:ext>
             </a:extLst>
           </p:cNvPr>
@@ -6594,7 +6597,7 @@
         </p:nvSpPr>
         <p:spPr>
           <a:xfrm>
-            <a:off x="10325045" y="3724275"/>
+            <a:off x="10325045" y="5155762"/>
             <a:ext cx="981075" cy="762000"/>
           </a:xfrm>
           <a:prstGeom prst="rect">
@@ -6634,20 +6637,20 @@
           <a:p>
             <a:r>
               <a:rPr lang="en-US" sz="1000" dirty="0"/>
-              <a:t>46</a:t>
+              <a:t>75</a:t>
             </a:r>
             <a:endParaRPr lang="en-US" dirty="0"/>
           </a:p>
           <a:p>
             <a:r>
               <a:rPr lang="en-US" dirty="0"/>
-              <a:t>Dtl</a:t>
+              <a:t>Mq</a:t>
             </a:r>
           </a:p>
           <a:p>
             <a:r>
               <a:rPr lang="en-US" sz="800" dirty="0"/>
-              <a:t>Data Transform</a:t>
+              <a:t>MQ/JMS messages</a:t>
             </a:r>
             <a:endParaRPr lang="en-US" sz="2000" dirty="0"/>
           </a:p>
@@ -6655,10 +6658,10 @@
       </p:sp>
       <p:sp>
         <p:nvSpPr>
-          <p:cNvPr id="74" name="Retângulo 73">
-            <a:extLst>
-              <a:ext uri="{FF2B5EF4-FFF2-40B4-BE49-F238E27FC236}">
-                <a16:creationId xmlns:a16="http://schemas.microsoft.com/office/drawing/2014/main" id="{3E5E121C-5968-4869-9D6B-84B7D40DC170}"/>
+          <p:cNvPr id="75" name="Retângulo 74">
+            <a:extLst>
+              <a:ext uri="{FF2B5EF4-FFF2-40B4-BE49-F238E27FC236}">
+                <a16:creationId xmlns:a16="http://schemas.microsoft.com/office/drawing/2014/main" id="{D595DF1E-3683-44BF-B604-A46F9D28830E}"/>
               </a:ext>
             </a:extLst>
           </p:cNvPr>
@@ -6667,7 +6670,7 @@
         </p:nvSpPr>
         <p:spPr>
           <a:xfrm>
-            <a:off x="10325045" y="4524375"/>
+            <a:off x="10325045" y="5955862"/>
             <a:ext cx="981075" cy="762000"/>
           </a:xfrm>
           <a:prstGeom prst="rect">
@@ -6707,20 +6710,20 @@
           <a:p>
             <a:r>
               <a:rPr lang="en-US" sz="1000" dirty="0"/>
-              <a:t>64</a:t>
+              <a:t>95</a:t>
             </a:r>
             <a:endParaRPr lang="en-US" dirty="0"/>
           </a:p>
           <a:p>
             <a:r>
               <a:rPr lang="en-US" dirty="0"/>
-              <a:t>Mq</a:t>
+              <a:t>Eai</a:t>
             </a:r>
           </a:p>
           <a:p>
             <a:r>
               <a:rPr lang="en-US" sz="800" dirty="0"/>
-              <a:t>MQ/JMS messages</a:t>
+              <a:t>Enterprise Integr.</a:t>
             </a:r>
             <a:endParaRPr lang="en-US" sz="2000" dirty="0"/>
           </a:p>
@@ -6728,10 +6731,10 @@
       </p:sp>
       <p:sp>
         <p:nvSpPr>
-          <p:cNvPr id="75" name="Retângulo 74">
-            <a:extLst>
-              <a:ext uri="{FF2B5EF4-FFF2-40B4-BE49-F238E27FC236}">
-                <a16:creationId xmlns:a16="http://schemas.microsoft.com/office/drawing/2014/main" id="{D595DF1E-3683-44BF-B604-A46F9D28830E}"/>
+          <p:cNvPr id="76" name="Retângulo 75">
+            <a:extLst>
+              <a:ext uri="{FF2B5EF4-FFF2-40B4-BE49-F238E27FC236}">
+                <a16:creationId xmlns:a16="http://schemas.microsoft.com/office/drawing/2014/main" id="{29CD4FBF-4CCE-4F05-8FAA-833C8F67878F}"/>
               </a:ext>
             </a:extLst>
           </p:cNvPr>
@@ -6740,7 +6743,7 @@
         </p:nvSpPr>
         <p:spPr>
           <a:xfrm>
-            <a:off x="10325045" y="5324475"/>
+            <a:off x="11347456" y="3555562"/>
             <a:ext cx="981075" cy="762000"/>
           </a:xfrm>
           <a:prstGeom prst="rect">
@@ -6780,20 +6783,20 @@
           <a:p>
             <a:r>
               <a:rPr lang="en-US" sz="1000" dirty="0"/>
-              <a:t>82</a:t>
+              <a:t>36</a:t>
             </a:r>
             <a:endParaRPr lang="en-US" dirty="0"/>
           </a:p>
           <a:p>
             <a:r>
               <a:rPr lang="en-US" dirty="0"/>
-              <a:t>Eai</a:t>
+              <a:t>Esb</a:t>
             </a:r>
           </a:p>
           <a:p>
             <a:r>
               <a:rPr lang="en-US" sz="800" dirty="0"/>
-              <a:t>Enterprise Integr.</a:t>
+              <a:t>Enterprise Bus</a:t>
             </a:r>
             <a:endParaRPr lang="en-US" sz="2000" dirty="0"/>
           </a:p>
@@ -6801,10 +6804,10 @@
       </p:sp>
       <p:sp>
         <p:nvSpPr>
-          <p:cNvPr id="76" name="Retângulo 75">
-            <a:extLst>
-              <a:ext uri="{FF2B5EF4-FFF2-40B4-BE49-F238E27FC236}">
-                <a16:creationId xmlns:a16="http://schemas.microsoft.com/office/drawing/2014/main" id="{29CD4FBF-4CCE-4F05-8FAA-833C8F67878F}"/>
+          <p:cNvPr id="77" name="Retângulo 76">
+            <a:extLst>
+              <a:ext uri="{FF2B5EF4-FFF2-40B4-BE49-F238E27FC236}">
+                <a16:creationId xmlns:a16="http://schemas.microsoft.com/office/drawing/2014/main" id="{8B0F2A6E-816E-4401-932C-525E4795DD46}"/>
               </a:ext>
             </a:extLst>
           </p:cNvPr>
@@ -6813,7 +6816,7 @@
         </p:nvSpPr>
         <p:spPr>
           <a:xfrm>
-            <a:off x="11347456" y="2924175"/>
+            <a:off x="11347456" y="4355662"/>
             <a:ext cx="981075" cy="762000"/>
           </a:xfrm>
           <a:prstGeom prst="rect">
@@ -6853,20 +6856,20 @@
           <a:p>
             <a:r>
               <a:rPr lang="en-US" sz="1000" dirty="0"/>
-              <a:t>29</a:t>
+              <a:t>56</a:t>
             </a:r>
             <a:endParaRPr lang="en-US" dirty="0"/>
           </a:p>
           <a:p>
             <a:r>
               <a:rPr lang="en-US" dirty="0"/>
-              <a:t>Esb</a:t>
+              <a:t>Apim</a:t>
             </a:r>
           </a:p>
           <a:p>
             <a:r>
               <a:rPr lang="en-US" sz="800" dirty="0"/>
-              <a:t>Enterprise Bus</a:t>
+              <a:t>API Manager</a:t>
             </a:r>
             <a:endParaRPr lang="en-US" sz="2000" dirty="0"/>
           </a:p>
@@ -6874,10 +6877,10 @@
       </p:sp>
       <p:sp>
         <p:nvSpPr>
-          <p:cNvPr id="77" name="Retângulo 76">
-            <a:extLst>
-              <a:ext uri="{FF2B5EF4-FFF2-40B4-BE49-F238E27FC236}">
-                <a16:creationId xmlns:a16="http://schemas.microsoft.com/office/drawing/2014/main" id="{8B0F2A6E-816E-4401-932C-525E4795DD46}"/>
+          <p:cNvPr id="78" name="Retângulo 77">
+            <a:extLst>
+              <a:ext uri="{FF2B5EF4-FFF2-40B4-BE49-F238E27FC236}">
+                <a16:creationId xmlns:a16="http://schemas.microsoft.com/office/drawing/2014/main" id="{77778477-61E8-42D3-9F32-EC527F245738}"/>
               </a:ext>
             </a:extLst>
           </p:cNvPr>
@@ -6886,7 +6889,7 @@
         </p:nvSpPr>
         <p:spPr>
           <a:xfrm>
-            <a:off x="11347456" y="3724275"/>
+            <a:off x="11347456" y="5155762"/>
             <a:ext cx="981075" cy="762000"/>
           </a:xfrm>
           <a:prstGeom prst="rect">
@@ -6926,20 +6929,20 @@
           <a:p>
             <a:r>
               <a:rPr lang="en-US" sz="1000" dirty="0"/>
-              <a:t>47</a:t>
+              <a:t>76</a:t>
             </a:r>
             <a:endParaRPr lang="en-US" dirty="0"/>
           </a:p>
           <a:p>
             <a:r>
               <a:rPr lang="en-US" dirty="0"/>
-              <a:t>Apim</a:t>
+              <a:t>Cdc</a:t>
             </a:r>
           </a:p>
           <a:p>
             <a:r>
               <a:rPr lang="en-US" sz="800" dirty="0"/>
-              <a:t>API Manager</a:t>
+              <a:t>Change Data Capt.</a:t>
             </a:r>
             <a:endParaRPr lang="en-US" sz="2000" dirty="0"/>
           </a:p>
@@ -6947,10 +6950,10 @@
       </p:sp>
       <p:sp>
         <p:nvSpPr>
-          <p:cNvPr id="78" name="Retângulo 77">
-            <a:extLst>
-              <a:ext uri="{FF2B5EF4-FFF2-40B4-BE49-F238E27FC236}">
-                <a16:creationId xmlns:a16="http://schemas.microsoft.com/office/drawing/2014/main" id="{77778477-61E8-42D3-9F32-EC527F245738}"/>
+          <p:cNvPr id="79" name="Retângulo 78">
+            <a:extLst>
+              <a:ext uri="{FF2B5EF4-FFF2-40B4-BE49-F238E27FC236}">
+                <a16:creationId xmlns:a16="http://schemas.microsoft.com/office/drawing/2014/main" id="{6C0CE095-883E-4D69-BBB8-D607566EF4B1}"/>
               </a:ext>
             </a:extLst>
           </p:cNvPr>
@@ -6959,7 +6962,7 @@
         </p:nvSpPr>
         <p:spPr>
           <a:xfrm>
-            <a:off x="11347456" y="4524375"/>
+            <a:off x="11347456" y="5955862"/>
             <a:ext cx="981075" cy="762000"/>
           </a:xfrm>
           <a:prstGeom prst="rect">
@@ -6999,20 +7002,20 @@
           <a:p>
             <a:r>
               <a:rPr lang="en-US" sz="1000" dirty="0"/>
-              <a:t>65</a:t>
+              <a:t>96</a:t>
             </a:r>
             <a:endParaRPr lang="en-US" dirty="0"/>
           </a:p>
           <a:p>
             <a:r>
               <a:rPr lang="en-US" dirty="0"/>
-              <a:t>Cdc</a:t>
+              <a:t>Bam</a:t>
             </a:r>
           </a:p>
           <a:p>
             <a:r>
               <a:rPr lang="en-US" sz="800" dirty="0"/>
-              <a:t>Change Data Capt.</a:t>
+              <a:t>Business Monitor.</a:t>
             </a:r>
             <a:endParaRPr lang="en-US" sz="2000" dirty="0"/>
           </a:p>
@@ -7020,10 +7023,10 @@
       </p:sp>
       <p:sp>
         <p:nvSpPr>
-          <p:cNvPr id="79" name="Retângulo 78">
-            <a:extLst>
-              <a:ext uri="{FF2B5EF4-FFF2-40B4-BE49-F238E27FC236}">
-                <a16:creationId xmlns:a16="http://schemas.microsoft.com/office/drawing/2014/main" id="{6C0CE095-883E-4D69-BBB8-D607566EF4B1}"/>
+          <p:cNvPr id="80" name="Retângulo 79">
+            <a:extLst>
+              <a:ext uri="{FF2B5EF4-FFF2-40B4-BE49-F238E27FC236}">
+                <a16:creationId xmlns:a16="http://schemas.microsoft.com/office/drawing/2014/main" id="{E349A924-B3D6-4317-BB5A-6F1498148C6C}"/>
               </a:ext>
             </a:extLst>
           </p:cNvPr>
@@ -7032,7 +7035,7 @@
         </p:nvSpPr>
         <p:spPr>
           <a:xfrm>
-            <a:off x="11347456" y="5324475"/>
+            <a:off x="12373286" y="3555562"/>
             <a:ext cx="981075" cy="762000"/>
           </a:xfrm>
           <a:prstGeom prst="rect">
@@ -7072,20 +7075,20 @@
           <a:p>
             <a:r>
               <a:rPr lang="en-US" sz="1000" dirty="0"/>
-              <a:t>83</a:t>
+              <a:t>37</a:t>
             </a:r>
             <a:endParaRPr lang="en-US" dirty="0"/>
           </a:p>
           <a:p>
             <a:r>
               <a:rPr lang="en-US" dirty="0"/>
-              <a:t>Bam</a:t>
+              <a:t>Bpl</a:t>
             </a:r>
           </a:p>
           <a:p>
             <a:r>
               <a:rPr lang="en-US" sz="800" dirty="0"/>
-              <a:t>Business Monitor.</a:t>
+              <a:t>Workflow</a:t>
             </a:r>
             <a:endParaRPr lang="en-US" sz="2000" dirty="0"/>
           </a:p>
@@ -7093,10 +7096,10 @@
       </p:sp>
       <p:sp>
         <p:nvSpPr>
-          <p:cNvPr id="80" name="Retângulo 79">
-            <a:extLst>
-              <a:ext uri="{FF2B5EF4-FFF2-40B4-BE49-F238E27FC236}">
-                <a16:creationId xmlns:a16="http://schemas.microsoft.com/office/drawing/2014/main" id="{E349A924-B3D6-4317-BB5A-6F1498148C6C}"/>
+          <p:cNvPr id="81" name="Retângulo 80">
+            <a:extLst>
+              <a:ext uri="{FF2B5EF4-FFF2-40B4-BE49-F238E27FC236}">
+                <a16:creationId xmlns:a16="http://schemas.microsoft.com/office/drawing/2014/main" id="{C627C151-208D-4903-B2DE-80451E5C7DAC}"/>
               </a:ext>
             </a:extLst>
           </p:cNvPr>
@@ -7105,7 +7108,7 @@
         </p:nvSpPr>
         <p:spPr>
           <a:xfrm>
-            <a:off x="12373286" y="2924175"/>
+            <a:off x="12373286" y="4355662"/>
             <a:ext cx="981075" cy="762000"/>
           </a:xfrm>
           <a:prstGeom prst="rect">
@@ -7145,20 +7148,20 @@
           <a:p>
             <a:r>
               <a:rPr lang="en-US" sz="1000" dirty="0"/>
-              <a:t>30</a:t>
+              <a:t>57</a:t>
             </a:r>
             <a:endParaRPr lang="en-US" dirty="0"/>
           </a:p>
           <a:p>
             <a:r>
               <a:rPr lang="en-US" dirty="0"/>
-              <a:t>Bpl</a:t>
+              <a:t>Iot</a:t>
             </a:r>
           </a:p>
           <a:p>
             <a:r>
               <a:rPr lang="en-US" sz="800" dirty="0"/>
-              <a:t>Workflow</a:t>
+              <a:t>IoT/MQTT Support</a:t>
             </a:r>
             <a:endParaRPr lang="en-US" sz="2000" dirty="0"/>
           </a:p>
@@ -7166,10 +7169,10 @@
       </p:sp>
       <p:sp>
         <p:nvSpPr>
-          <p:cNvPr id="81" name="Retângulo 80">
-            <a:extLst>
-              <a:ext uri="{FF2B5EF4-FFF2-40B4-BE49-F238E27FC236}">
-                <a16:creationId xmlns:a16="http://schemas.microsoft.com/office/drawing/2014/main" id="{C627C151-208D-4903-B2DE-80451E5C7DAC}"/>
+          <p:cNvPr id="82" name="Retângulo 81">
+            <a:extLst>
+              <a:ext uri="{FF2B5EF4-FFF2-40B4-BE49-F238E27FC236}">
+                <a16:creationId xmlns:a16="http://schemas.microsoft.com/office/drawing/2014/main" id="{ACE6DAA0-0B42-4302-8FE7-899323F19B37}"/>
               </a:ext>
             </a:extLst>
           </p:cNvPr>
@@ -7178,7 +7181,7 @@
         </p:nvSpPr>
         <p:spPr>
           <a:xfrm>
-            <a:off x="12373286" y="3724275"/>
+            <a:off x="12373286" y="5155762"/>
             <a:ext cx="981075" cy="762000"/>
           </a:xfrm>
           <a:prstGeom prst="rect">
@@ -7218,20 +7221,20 @@
           <a:p>
             <a:r>
               <a:rPr lang="en-US" sz="1000" dirty="0"/>
-              <a:t>48</a:t>
+              <a:t>77</a:t>
             </a:r>
             <a:endParaRPr lang="en-US" dirty="0"/>
           </a:p>
           <a:p>
             <a:r>
               <a:rPr lang="en-US" dirty="0"/>
-              <a:t>Iot</a:t>
+              <a:t>Soa</a:t>
             </a:r>
           </a:p>
           <a:p>
             <a:r>
               <a:rPr lang="en-US" sz="800" dirty="0"/>
-              <a:t>IoT/MQTT Support</a:t>
+              <a:t>Service Oriented</a:t>
             </a:r>
             <a:endParaRPr lang="en-US" sz="2000" dirty="0"/>
           </a:p>
@@ -7239,10 +7242,10 @@
       </p:sp>
       <p:sp>
         <p:nvSpPr>
-          <p:cNvPr id="82" name="Retângulo 81">
-            <a:extLst>
-              <a:ext uri="{FF2B5EF4-FFF2-40B4-BE49-F238E27FC236}">
-                <a16:creationId xmlns:a16="http://schemas.microsoft.com/office/drawing/2014/main" id="{ACE6DAA0-0B42-4302-8FE7-899323F19B37}"/>
+          <p:cNvPr id="83" name="Retângulo 82">
+            <a:extLst>
+              <a:ext uri="{FF2B5EF4-FFF2-40B4-BE49-F238E27FC236}">
+                <a16:creationId xmlns:a16="http://schemas.microsoft.com/office/drawing/2014/main" id="{E1253968-4301-40D8-A0BF-035DE6236060}"/>
               </a:ext>
             </a:extLst>
           </p:cNvPr>
@@ -7251,7 +7254,7 @@
         </p:nvSpPr>
         <p:spPr>
           <a:xfrm>
-            <a:off x="12373286" y="4524375"/>
+            <a:off x="12373286" y="5955862"/>
             <a:ext cx="981075" cy="762000"/>
           </a:xfrm>
           <a:prstGeom prst="rect">
@@ -7291,20 +7294,20 @@
           <a:p>
             <a:r>
               <a:rPr lang="en-US" sz="1000" dirty="0"/>
-              <a:t>66</a:t>
+              <a:t>97</a:t>
             </a:r>
             <a:endParaRPr lang="en-US" dirty="0"/>
           </a:p>
           <a:p>
             <a:r>
               <a:rPr lang="en-US" dirty="0"/>
-              <a:t>Soa</a:t>
+              <a:t>Gov</a:t>
             </a:r>
           </a:p>
           <a:p>
             <a:r>
               <a:rPr lang="en-US" sz="800" dirty="0"/>
-              <a:t>Service Oriented</a:t>
+              <a:t>App/Data Govern.</a:t>
             </a:r>
             <a:endParaRPr lang="en-US" sz="2000" dirty="0"/>
           </a:p>
@@ -7312,10 +7315,10 @@
       </p:sp>
       <p:sp>
         <p:nvSpPr>
-          <p:cNvPr id="83" name="Retângulo 82">
-            <a:extLst>
-              <a:ext uri="{FF2B5EF4-FFF2-40B4-BE49-F238E27FC236}">
-                <a16:creationId xmlns:a16="http://schemas.microsoft.com/office/drawing/2014/main" id="{E1253968-4301-40D8-A0BF-035DE6236060}"/>
+          <p:cNvPr id="84" name="Retângulo 83">
+            <a:extLst>
+              <a:ext uri="{FF2B5EF4-FFF2-40B4-BE49-F238E27FC236}">
+                <a16:creationId xmlns:a16="http://schemas.microsoft.com/office/drawing/2014/main" id="{B2AF9142-5303-4A87-A4E2-62A836BB7EEA}"/>
               </a:ext>
             </a:extLst>
           </p:cNvPr>
@@ -7324,8 +7327,8 @@
         </p:nvSpPr>
         <p:spPr>
           <a:xfrm>
-            <a:off x="12373286" y="5324475"/>
-            <a:ext cx="981075" cy="762000"/>
+            <a:off x="5738180" y="2608278"/>
+            <a:ext cx="262800" cy="223388"/>
           </a:xfrm>
           <a:prstGeom prst="rect">
             <a:avLst/>
@@ -7362,33 +7365,52 @@
           </a:bodyPr>
           <a:lstStyle/>
           <a:p>
-            <a:r>
-              <a:rPr lang="en-US" sz="1000" dirty="0"/>
-              <a:t>84</a:t>
-            </a:r>
-            <a:endParaRPr lang="en-US" dirty="0"/>
-          </a:p>
-          <a:p>
-            <a:r>
-              <a:rPr lang="en-US" dirty="0"/>
-              <a:t>Gov</a:t>
-            </a:r>
-          </a:p>
-          <a:p>
-            <a:r>
-              <a:rPr lang="en-US" sz="800" dirty="0"/>
-              <a:t>App/Data Govern.</a:t>
-            </a:r>
-            <a:endParaRPr lang="en-US" sz="2000" dirty="0"/>
-          </a:p>
-        </p:txBody>
-      </p:sp>
-      <p:sp>
-        <p:nvSpPr>
-          <p:cNvPr id="84" name="Retângulo 83">
-            <a:extLst>
-              <a:ext uri="{FF2B5EF4-FFF2-40B4-BE49-F238E27FC236}">
-                <a16:creationId xmlns:a16="http://schemas.microsoft.com/office/drawing/2014/main" id="{B2AF9142-5303-4A87-A4E2-62A836BB7EEA}"/>
+            <a:pPr algn="ctr"/>
+            <a:endParaRPr lang="pt-BR"/>
+          </a:p>
+        </p:txBody>
+      </p:sp>
+      <p:sp>
+        <p:nvSpPr>
+          <p:cNvPr id="85" name="CaixaDeTexto 84">
+            <a:extLst>
+              <a:ext uri="{FF2B5EF4-FFF2-40B4-BE49-F238E27FC236}">
+                <a16:creationId xmlns:a16="http://schemas.microsoft.com/office/drawing/2014/main" id="{7ADE18B1-83E8-42C9-B584-F20ACA867D26}"/>
+              </a:ext>
+            </a:extLst>
+          </p:cNvPr>
+          <p:cNvSpPr txBox="1"/>
+          <p:nvPr/>
+        </p:nvSpPr>
+        <p:spPr>
+          <a:xfrm>
+            <a:off x="5959446" y="2541935"/>
+            <a:ext cx="1942519" cy="369332"/>
+          </a:xfrm>
+          <a:prstGeom prst="rect">
+            <a:avLst/>
+          </a:prstGeom>
+          <a:noFill/>
+        </p:spPr>
+        <p:txBody>
+          <a:bodyPr wrap="none" rtlCol="0">
+            <a:spAutoFit/>
+          </a:bodyPr>
+          <a:lstStyle/>
+          <a:p>
+            <a:r>
+              <a:rPr lang="pt-BR" dirty="0"/>
+              <a:t>INTEROPERABILITY</a:t>
+            </a:r>
+          </a:p>
+        </p:txBody>
+      </p:sp>
+      <p:sp>
+        <p:nvSpPr>
+          <p:cNvPr id="86" name="Retângulo 85">
+            <a:extLst>
+              <a:ext uri="{FF2B5EF4-FFF2-40B4-BE49-F238E27FC236}">
+                <a16:creationId xmlns:a16="http://schemas.microsoft.com/office/drawing/2014/main" id="{E732CFCA-4E22-4C39-A060-5E06CF2CE1CD}"/>
               </a:ext>
             </a:extLst>
           </p:cNvPr>
@@ -7397,14 +7419,16 @@
         </p:nvSpPr>
         <p:spPr>
           <a:xfrm>
-            <a:off x="5738180" y="1976891"/>
+            <a:off x="7976555" y="1802962"/>
             <a:ext cx="262800" cy="223388"/>
           </a:xfrm>
           <a:prstGeom prst="rect">
             <a:avLst/>
           </a:prstGeom>
           <a:solidFill>
-            <a:srgbClr val="0070C0"/>
+            <a:schemeClr val="accent6">
+              <a:lumMod val="75000"/>
+            </a:schemeClr>
           </a:solidFill>
           <a:ln>
             <a:noFill/>
@@ -7442,10 +7466,10 @@
       </p:sp>
       <p:sp>
         <p:nvSpPr>
-          <p:cNvPr id="85" name="CaixaDeTexto 84">
-            <a:extLst>
-              <a:ext uri="{FF2B5EF4-FFF2-40B4-BE49-F238E27FC236}">
-                <a16:creationId xmlns:a16="http://schemas.microsoft.com/office/drawing/2014/main" id="{7ADE18B1-83E8-42C9-B584-F20ACA867D26}"/>
+          <p:cNvPr id="87" name="CaixaDeTexto 86">
+            <a:extLst>
+              <a:ext uri="{FF2B5EF4-FFF2-40B4-BE49-F238E27FC236}">
+                <a16:creationId xmlns:a16="http://schemas.microsoft.com/office/drawing/2014/main" id="{C95901B2-3E21-46CA-85AC-3F2892D478A3}"/>
               </a:ext>
             </a:extLst>
           </p:cNvPr>
@@ -7454,8 +7478,8 @@
         </p:nvSpPr>
         <p:spPr>
           <a:xfrm>
-            <a:off x="5959446" y="1910548"/>
-            <a:ext cx="1942519" cy="369332"/>
+            <a:off x="8199423" y="1739977"/>
+            <a:ext cx="2208618" cy="369332"/>
           </a:xfrm>
           <a:prstGeom prst="rect">
             <a:avLst/>
@@ -7470,17 +7494,17 @@
           <a:p>
             <a:r>
               <a:rPr lang="pt-BR" dirty="0"/>
-              <a:t>INTEROPERABILITY</a:t>
-            </a:r>
-          </a:p>
-        </p:txBody>
-      </p:sp>
-      <p:sp>
-        <p:nvSpPr>
-          <p:cNvPr id="86" name="Retângulo 85">
-            <a:extLst>
-              <a:ext uri="{FF2B5EF4-FFF2-40B4-BE49-F238E27FC236}">
-                <a16:creationId xmlns:a16="http://schemas.microsoft.com/office/drawing/2014/main" id="{E732CFCA-4E22-4C39-A060-5E06CF2CE1CD}"/>
+              <a:t>BUSINESS SCENARIOS</a:t>
+            </a:r>
+          </a:p>
+        </p:txBody>
+      </p:sp>
+      <p:sp>
+        <p:nvSpPr>
+          <p:cNvPr id="88" name="Retângulo 87">
+            <a:extLst>
+              <a:ext uri="{FF2B5EF4-FFF2-40B4-BE49-F238E27FC236}">
+                <a16:creationId xmlns:a16="http://schemas.microsoft.com/office/drawing/2014/main" id="{FB215E3D-5048-403D-9643-79F9B52495CC}"/>
               </a:ext>
             </a:extLst>
           </p:cNvPr>
@@ -7489,14 +7513,14 @@
         </p:nvSpPr>
         <p:spPr>
           <a:xfrm>
-            <a:off x="7976555" y="1171575"/>
+            <a:off x="7976555" y="2191339"/>
             <a:ext cx="262800" cy="223388"/>
           </a:xfrm>
           <a:prstGeom prst="rect">
             <a:avLst/>
           </a:prstGeom>
           <a:solidFill>
-            <a:schemeClr val="accent6">
+            <a:schemeClr val="bg2">
               <a:lumMod val="75000"/>
             </a:schemeClr>
           </a:solidFill>
@@ -7529,17 +7553,16 @@
           </a:bodyPr>
           <a:lstStyle/>
           <a:p>
-            <a:pPr algn="ctr"/>
-            <a:endParaRPr lang="pt-BR"/>
-          </a:p>
-        </p:txBody>
-      </p:sp>
-      <p:sp>
-        <p:nvSpPr>
-          <p:cNvPr id="87" name="CaixaDeTexto 86">
-            <a:extLst>
-              <a:ext uri="{FF2B5EF4-FFF2-40B4-BE49-F238E27FC236}">
-                <a16:creationId xmlns:a16="http://schemas.microsoft.com/office/drawing/2014/main" id="{C95901B2-3E21-46CA-85AC-3F2892D478A3}"/>
+            <a:endParaRPr lang="pt-BR" sz="1000"/>
+          </a:p>
+        </p:txBody>
+      </p:sp>
+      <p:sp>
+        <p:nvSpPr>
+          <p:cNvPr id="89" name="CaixaDeTexto 88">
+            <a:extLst>
+              <a:ext uri="{FF2B5EF4-FFF2-40B4-BE49-F238E27FC236}">
+                <a16:creationId xmlns:a16="http://schemas.microsoft.com/office/drawing/2014/main" id="{774AC80C-95FF-4890-8E77-CC23B1875FE6}"/>
               </a:ext>
             </a:extLst>
           </p:cNvPr>
@@ -7548,8 +7571,8 @@
         </p:nvSpPr>
         <p:spPr>
           <a:xfrm>
-            <a:off x="8199423" y="1108590"/>
-            <a:ext cx="2208618" cy="369332"/>
+            <a:off x="8197821" y="2124978"/>
+            <a:ext cx="2397644" cy="369332"/>
           </a:xfrm>
           <a:prstGeom prst="rect">
             <a:avLst/>
@@ -7564,17 +7587,17 @@
           <a:p>
             <a:r>
               <a:rPr lang="pt-BR" dirty="0"/>
-              <a:t>BUSINESS SCENARIOS</a:t>
-            </a:r>
-          </a:p>
-        </p:txBody>
-      </p:sp>
-      <p:sp>
-        <p:nvSpPr>
-          <p:cNvPr id="88" name="Retângulo 87">
-            <a:extLst>
-              <a:ext uri="{FF2B5EF4-FFF2-40B4-BE49-F238E27FC236}">
-                <a16:creationId xmlns:a16="http://schemas.microsoft.com/office/drawing/2014/main" id="{FB215E3D-5048-403D-9643-79F9B52495CC}"/>
+              <a:t>SECURITY AND PRIVACY</a:t>
+            </a:r>
+          </a:p>
+        </p:txBody>
+      </p:sp>
+      <p:sp>
+        <p:nvSpPr>
+          <p:cNvPr id="90" name="Retângulo 89">
+            <a:extLst>
+              <a:ext uri="{FF2B5EF4-FFF2-40B4-BE49-F238E27FC236}">
+                <a16:creationId xmlns:a16="http://schemas.microsoft.com/office/drawing/2014/main" id="{F20F5F7D-05B0-4BB0-BC5D-72749D0417F9}"/>
               </a:ext>
             </a:extLst>
           </p:cNvPr>
@@ -7583,16 +7606,14 @@
         </p:nvSpPr>
         <p:spPr>
           <a:xfrm>
-            <a:off x="7976555" y="1559952"/>
+            <a:off x="7976555" y="2598753"/>
             <a:ext cx="262800" cy="223388"/>
           </a:xfrm>
           <a:prstGeom prst="rect">
             <a:avLst/>
           </a:prstGeom>
           <a:solidFill>
-            <a:schemeClr val="bg2">
-              <a:lumMod val="75000"/>
-            </a:schemeClr>
+            <a:srgbClr val="7030A0"/>
           </a:solidFill>
           <a:ln>
             <a:noFill/>
@@ -7629,10 +7650,10 @@
       </p:sp>
       <p:sp>
         <p:nvSpPr>
-          <p:cNvPr id="89" name="CaixaDeTexto 88">
-            <a:extLst>
-              <a:ext uri="{FF2B5EF4-FFF2-40B4-BE49-F238E27FC236}">
-                <a16:creationId xmlns:a16="http://schemas.microsoft.com/office/drawing/2014/main" id="{774AC80C-95FF-4890-8E77-CC23B1875FE6}"/>
+          <p:cNvPr id="91" name="CaixaDeTexto 90">
+            <a:extLst>
+              <a:ext uri="{FF2B5EF4-FFF2-40B4-BE49-F238E27FC236}">
+                <a16:creationId xmlns:a16="http://schemas.microsoft.com/office/drawing/2014/main" id="{2006238B-3F72-4465-B509-94D3E7394470}"/>
               </a:ext>
             </a:extLst>
           </p:cNvPr>
@@ -7641,8 +7662,8 @@
         </p:nvSpPr>
         <p:spPr>
           <a:xfrm>
-            <a:off x="8197821" y="1493591"/>
-            <a:ext cx="2397644" cy="369332"/>
+            <a:off x="8197821" y="2532410"/>
+            <a:ext cx="1237711" cy="369332"/>
           </a:xfrm>
           <a:prstGeom prst="rect">
             <a:avLst/>
@@ -7657,17 +7678,17 @@
           <a:p>
             <a:r>
               <a:rPr lang="pt-BR" dirty="0"/>
-              <a:t>SECURITY AND PRIVACY</a:t>
-            </a:r>
-          </a:p>
-        </p:txBody>
-      </p:sp>
-      <p:sp>
-        <p:nvSpPr>
-          <p:cNvPr id="90" name="Retângulo 89">
-            <a:extLst>
-              <a:ext uri="{FF2B5EF4-FFF2-40B4-BE49-F238E27FC236}">
-                <a16:creationId xmlns:a16="http://schemas.microsoft.com/office/drawing/2014/main" id="{F20F5F7D-05B0-4BB0-BC5D-72749D0417F9}"/>
+              <a:t>DEV TOOLS</a:t>
+            </a:r>
+          </a:p>
+        </p:txBody>
+      </p:sp>
+      <p:sp>
+        <p:nvSpPr>
+          <p:cNvPr id="92" name="Retângulo 91">
+            <a:extLst>
+              <a:ext uri="{FF2B5EF4-FFF2-40B4-BE49-F238E27FC236}">
+                <a16:creationId xmlns:a16="http://schemas.microsoft.com/office/drawing/2014/main" id="{8C0B5D80-73F6-40E2-B15B-967585F57B08}"/>
               </a:ext>
             </a:extLst>
           </p:cNvPr>
@@ -7676,14 +7697,16 @@
         </p:nvSpPr>
         <p:spPr>
           <a:xfrm>
-            <a:off x="7976555" y="1967366"/>
-            <a:ext cx="262800" cy="223388"/>
-          </a:xfrm>
-          <a:prstGeom prst="rect">
-            <a:avLst/>
-          </a:prstGeom>
-          <a:solidFill>
-            <a:srgbClr val="7030A0"/>
+            <a:off x="13406253" y="1955362"/>
+            <a:ext cx="981075" cy="762000"/>
+          </a:xfrm>
+          <a:prstGeom prst="rect">
+            <a:avLst/>
+          </a:prstGeom>
+          <a:solidFill>
+            <a:schemeClr val="bg2">
+              <a:lumMod val="75000"/>
+            </a:schemeClr>
           </a:solidFill>
           <a:ln>
             <a:noFill/>
@@ -7714,51 +7737,33 @@
           </a:bodyPr>
           <a:lstStyle/>
           <a:p>
-            <a:endParaRPr lang="pt-BR" sz="1000"/>
-          </a:p>
-        </p:txBody>
-      </p:sp>
-      <p:sp>
-        <p:nvSpPr>
-          <p:cNvPr id="91" name="CaixaDeTexto 90">
-            <a:extLst>
-              <a:ext uri="{FF2B5EF4-FFF2-40B4-BE49-F238E27FC236}">
-                <a16:creationId xmlns:a16="http://schemas.microsoft.com/office/drawing/2014/main" id="{2006238B-3F72-4465-B509-94D3E7394470}"/>
-              </a:ext>
-            </a:extLst>
-          </p:cNvPr>
-          <p:cNvSpPr txBox="1"/>
-          <p:nvPr/>
-        </p:nvSpPr>
-        <p:spPr>
-          <a:xfrm>
-            <a:off x="8197821" y="1901023"/>
-            <a:ext cx="1237711" cy="369332"/>
-          </a:xfrm>
-          <a:prstGeom prst="rect">
-            <a:avLst/>
-          </a:prstGeom>
-          <a:noFill/>
-        </p:spPr>
-        <p:txBody>
-          <a:bodyPr wrap="none" rtlCol="0">
-            <a:spAutoFit/>
-          </a:bodyPr>
-          <a:lstStyle/>
-          <a:p>
-            <a:r>
-              <a:rPr lang="pt-BR" dirty="0"/>
-              <a:t>DEV TOOLS</a:t>
-            </a:r>
-          </a:p>
-        </p:txBody>
-      </p:sp>
-      <p:sp>
-        <p:nvSpPr>
-          <p:cNvPr id="92" name="Retângulo 91">
-            <a:extLst>
-              <a:ext uri="{FF2B5EF4-FFF2-40B4-BE49-F238E27FC236}">
-                <a16:creationId xmlns:a16="http://schemas.microsoft.com/office/drawing/2014/main" id="{8C0B5D80-73F6-40E2-B15B-967585F57B08}"/>
+            <a:r>
+              <a:rPr lang="en-US" sz="1000" dirty="0"/>
+              <a:t>8</a:t>
+            </a:r>
+            <a:endParaRPr lang="en-US" dirty="0"/>
+          </a:p>
+          <a:p>
+            <a:r>
+              <a:rPr lang="en-US" dirty="0"/>
+              <a:t>Crypt</a:t>
+            </a:r>
+          </a:p>
+          <a:p>
+            <a:r>
+              <a:rPr lang="en-US" sz="800" dirty="0"/>
+              <a:t>Encryption support</a:t>
+            </a:r>
+            <a:endParaRPr lang="en-US" sz="2000" dirty="0"/>
+          </a:p>
+        </p:txBody>
+      </p:sp>
+      <p:sp>
+        <p:nvSpPr>
+          <p:cNvPr id="93" name="Retângulo 92">
+            <a:extLst>
+              <a:ext uri="{FF2B5EF4-FFF2-40B4-BE49-F238E27FC236}">
+                <a16:creationId xmlns:a16="http://schemas.microsoft.com/office/drawing/2014/main" id="{7E7FCD85-954B-4E63-A388-21648E3C361B}"/>
               </a:ext>
             </a:extLst>
           </p:cNvPr>
@@ -7767,14 +7772,14 @@
         </p:nvSpPr>
         <p:spPr>
           <a:xfrm>
-            <a:off x="13406253" y="1323975"/>
+            <a:off x="13406253" y="2745937"/>
             <a:ext cx="981075" cy="762000"/>
           </a:xfrm>
           <a:prstGeom prst="rect">
             <a:avLst/>
           </a:prstGeom>
           <a:solidFill>
-            <a:schemeClr val="bg2">
+            <a:schemeClr val="accent6">
               <a:lumMod val="75000"/>
             </a:schemeClr>
           </a:solidFill>
@@ -7809,31 +7814,30 @@
           <a:p>
             <a:r>
               <a:rPr lang="en-US" sz="1000" dirty="0"/>
-              <a:t>5</a:t>
-            </a:r>
-            <a:endParaRPr lang="en-US" dirty="0"/>
+              <a:t>18</a:t>
+            </a:r>
           </a:p>
           <a:p>
             <a:r>
               <a:rPr lang="en-US" dirty="0"/>
-              <a:t>Crypt</a:t>
-            </a:r>
-          </a:p>
-          <a:p>
-            <a:r>
-              <a:rPr lang="en-US" sz="800" dirty="0"/>
-              <a:t>Encryption support</a:t>
-            </a:r>
-            <a:endParaRPr lang="en-US" sz="2000" dirty="0"/>
-          </a:p>
-        </p:txBody>
-      </p:sp>
-      <p:sp>
-        <p:nvSpPr>
-          <p:cNvPr id="93" name="Retângulo 92">
-            <a:extLst>
-              <a:ext uri="{FF2B5EF4-FFF2-40B4-BE49-F238E27FC236}">
-                <a16:creationId xmlns:a16="http://schemas.microsoft.com/office/drawing/2014/main" id="{7E7FCD85-954B-4E63-A388-21648E3C361B}"/>
+              <a:t>Di</a:t>
+            </a:r>
+          </a:p>
+          <a:p>
+            <a:r>
+              <a:rPr lang="en-US" sz="900" dirty="0"/>
+              <a:t>Data intensive</a:t>
+            </a:r>
+            <a:endParaRPr lang="en-US" sz="1000" dirty="0"/>
+          </a:p>
+        </p:txBody>
+      </p:sp>
+      <p:sp>
+        <p:nvSpPr>
+          <p:cNvPr id="94" name="Retângulo 93">
+            <a:extLst>
+              <a:ext uri="{FF2B5EF4-FFF2-40B4-BE49-F238E27FC236}">
+                <a16:creationId xmlns:a16="http://schemas.microsoft.com/office/drawing/2014/main" id="{219BE431-BAC0-4DF2-9210-A84B7C4AEF94}"/>
               </a:ext>
             </a:extLst>
           </p:cNvPr>
@@ -7842,7 +7846,7 @@
         </p:nvSpPr>
         <p:spPr>
           <a:xfrm>
-            <a:off x="13406253" y="2114550"/>
+            <a:off x="13406253" y="3546037"/>
             <a:ext cx="981075" cy="762000"/>
           </a:xfrm>
           <a:prstGeom prst="rect">
@@ -7884,30 +7888,31 @@
           <a:p>
             <a:r>
               <a:rPr lang="en-US" sz="1000" dirty="0"/>
-              <a:t>13</a:t>
-            </a:r>
+              <a:t>38</a:t>
+            </a:r>
+            <a:endParaRPr lang="en-US" dirty="0"/>
           </a:p>
           <a:p>
             <a:r>
               <a:rPr lang="en-US" dirty="0"/>
-              <a:t>Di</a:t>
-            </a:r>
-          </a:p>
-          <a:p>
-            <a:r>
-              <a:rPr lang="en-US" sz="900" dirty="0"/>
-              <a:t>Data intensive</a:t>
-            </a:r>
-            <a:endParaRPr lang="en-US" sz="1000" dirty="0"/>
-          </a:p>
-        </p:txBody>
-      </p:sp>
-      <p:sp>
-        <p:nvSpPr>
-          <p:cNvPr id="94" name="Retângulo 93">
-            <a:extLst>
-              <a:ext uri="{FF2B5EF4-FFF2-40B4-BE49-F238E27FC236}">
-                <a16:creationId xmlns:a16="http://schemas.microsoft.com/office/drawing/2014/main" id="{219BE431-BAC0-4DF2-9210-A84B7C4AEF94}"/>
+              <a:t>Big</a:t>
+            </a:r>
+          </a:p>
+          <a:p>
+            <a:r>
+              <a:rPr lang="en-US" sz="800" dirty="0"/>
+              <a:t>Big Data</a:t>
+            </a:r>
+            <a:endParaRPr lang="en-US" sz="2000" dirty="0"/>
+          </a:p>
+        </p:txBody>
+      </p:sp>
+      <p:sp>
+        <p:nvSpPr>
+          <p:cNvPr id="95" name="Retângulo 94">
+            <a:extLst>
+              <a:ext uri="{FF2B5EF4-FFF2-40B4-BE49-F238E27FC236}">
+                <a16:creationId xmlns:a16="http://schemas.microsoft.com/office/drawing/2014/main" id="{B47735FB-3D94-4418-8FBF-D4C79781B113}"/>
               </a:ext>
             </a:extLst>
           </p:cNvPr>
@@ -7916,7 +7921,7 @@
         </p:nvSpPr>
         <p:spPr>
           <a:xfrm>
-            <a:off x="13406253" y="2914650"/>
+            <a:off x="13406253" y="4346137"/>
             <a:ext cx="981075" cy="762000"/>
           </a:xfrm>
           <a:prstGeom prst="rect">
@@ -7958,20 +7963,20 @@
           <a:p>
             <a:r>
               <a:rPr lang="en-US" sz="1000" dirty="0"/>
-              <a:t>31</a:t>
+              <a:t>58</a:t>
             </a:r>
             <a:endParaRPr lang="en-US" dirty="0"/>
           </a:p>
           <a:p>
             <a:r>
               <a:rPr lang="en-US" dirty="0"/>
-              <a:t>Big</a:t>
+              <a:t>Ai</a:t>
             </a:r>
           </a:p>
           <a:p>
             <a:r>
               <a:rPr lang="en-US" sz="800" dirty="0"/>
-              <a:t>Big Data</a:t>
+              <a:t>Artificial Intellig.</a:t>
             </a:r>
             <a:endParaRPr lang="en-US" sz="2000" dirty="0"/>
           </a:p>
@@ -7979,10 +7984,10 @@
       </p:sp>
       <p:sp>
         <p:nvSpPr>
-          <p:cNvPr id="95" name="Retângulo 94">
-            <a:extLst>
-              <a:ext uri="{FF2B5EF4-FFF2-40B4-BE49-F238E27FC236}">
-                <a16:creationId xmlns:a16="http://schemas.microsoft.com/office/drawing/2014/main" id="{B47735FB-3D94-4418-8FBF-D4C79781B113}"/>
+          <p:cNvPr id="96" name="Retângulo 95">
+            <a:extLst>
+              <a:ext uri="{FF2B5EF4-FFF2-40B4-BE49-F238E27FC236}">
+                <a16:creationId xmlns:a16="http://schemas.microsoft.com/office/drawing/2014/main" id="{99885259-D381-4573-97D4-ACB48BF4322E}"/>
               </a:ext>
             </a:extLst>
           </p:cNvPr>
@@ -7991,7 +7996,7 @@
         </p:nvSpPr>
         <p:spPr>
           <a:xfrm>
-            <a:off x="13406253" y="3714750"/>
+            <a:off x="13406253" y="5146237"/>
             <a:ext cx="981075" cy="762000"/>
           </a:xfrm>
           <a:prstGeom prst="rect">
@@ -8033,20 +8038,20 @@
           <a:p>
             <a:r>
               <a:rPr lang="en-US" sz="1000" dirty="0"/>
-              <a:t>49</a:t>
+              <a:t>78</a:t>
             </a:r>
             <a:endParaRPr lang="en-US" dirty="0"/>
           </a:p>
           <a:p>
             <a:r>
               <a:rPr lang="en-US" dirty="0"/>
-              <a:t>Ai</a:t>
+              <a:t>Apie</a:t>
             </a:r>
           </a:p>
           <a:p>
             <a:r>
               <a:rPr lang="en-US" sz="800" dirty="0"/>
-              <a:t>Artificial Intellig.</a:t>
+              <a:t>API Driven</a:t>
             </a:r>
             <a:endParaRPr lang="en-US" sz="2000" dirty="0"/>
           </a:p>
@@ -8054,10 +8059,10 @@
       </p:sp>
       <p:sp>
         <p:nvSpPr>
-          <p:cNvPr id="96" name="Retângulo 95">
-            <a:extLst>
-              <a:ext uri="{FF2B5EF4-FFF2-40B4-BE49-F238E27FC236}">
-                <a16:creationId xmlns:a16="http://schemas.microsoft.com/office/drawing/2014/main" id="{99885259-D381-4573-97D4-ACB48BF4322E}"/>
+          <p:cNvPr id="97" name="Retângulo 96">
+            <a:extLst>
+              <a:ext uri="{FF2B5EF4-FFF2-40B4-BE49-F238E27FC236}">
+                <a16:creationId xmlns:a16="http://schemas.microsoft.com/office/drawing/2014/main" id="{99251577-92AA-45A6-8805-3E562FECD72D}"/>
               </a:ext>
             </a:extLst>
           </p:cNvPr>
@@ -8066,7 +8071,7 @@
         </p:nvSpPr>
         <p:spPr>
           <a:xfrm>
-            <a:off x="13406253" y="4514850"/>
+            <a:off x="13406253" y="5946337"/>
             <a:ext cx="981075" cy="762000"/>
           </a:xfrm>
           <a:prstGeom prst="rect">
@@ -8108,20 +8113,20 @@
           <a:p>
             <a:r>
               <a:rPr lang="en-US" sz="1000" dirty="0"/>
-              <a:t>67</a:t>
+              <a:t>98</a:t>
             </a:r>
             <a:endParaRPr lang="en-US" dirty="0"/>
           </a:p>
           <a:p>
             <a:r>
               <a:rPr lang="en-US" dirty="0"/>
-              <a:t>Apie</a:t>
+              <a:t>Hth</a:t>
             </a:r>
           </a:p>
           <a:p>
             <a:r>
               <a:rPr lang="en-US" sz="800" dirty="0"/>
-              <a:t>API Driven</a:t>
+              <a:t>Digital Health</a:t>
             </a:r>
             <a:endParaRPr lang="en-US" sz="2000" dirty="0"/>
           </a:p>
@@ -8129,10 +8134,10 @@
       </p:sp>
       <p:sp>
         <p:nvSpPr>
-          <p:cNvPr id="97" name="Retângulo 96">
-            <a:extLst>
-              <a:ext uri="{FF2B5EF4-FFF2-40B4-BE49-F238E27FC236}">
-                <a16:creationId xmlns:a16="http://schemas.microsoft.com/office/drawing/2014/main" id="{99251577-92AA-45A6-8805-3E562FECD72D}"/>
+          <p:cNvPr id="98" name="Retângulo 97">
+            <a:extLst>
+              <a:ext uri="{FF2B5EF4-FFF2-40B4-BE49-F238E27FC236}">
+                <a16:creationId xmlns:a16="http://schemas.microsoft.com/office/drawing/2014/main" id="{C886A581-060D-4CC0-9DA4-FCC3E6581481}"/>
               </a:ext>
             </a:extLst>
           </p:cNvPr>
@@ -8141,14 +8146,14 @@
         </p:nvSpPr>
         <p:spPr>
           <a:xfrm>
-            <a:off x="13406253" y="5314950"/>
+            <a:off x="14438189" y="1955362"/>
             <a:ext cx="981075" cy="762000"/>
           </a:xfrm>
           <a:prstGeom prst="rect">
             <a:avLst/>
           </a:prstGeom>
           <a:solidFill>
-            <a:schemeClr val="accent6">
+            <a:schemeClr val="bg2">
               <a:lumMod val="75000"/>
             </a:schemeClr>
           </a:solidFill>
@@ -8183,20 +8188,20 @@
           <a:p>
             <a:r>
               <a:rPr lang="en-US" sz="1000" dirty="0"/>
-              <a:t>85</a:t>
+              <a:t>9</a:t>
             </a:r>
             <a:endParaRPr lang="en-US" dirty="0"/>
           </a:p>
           <a:p>
             <a:r>
               <a:rPr lang="en-US" dirty="0"/>
-              <a:t>Hth</a:t>
+              <a:t>Ato</a:t>
             </a:r>
           </a:p>
           <a:p>
             <a:r>
               <a:rPr lang="en-US" sz="800" dirty="0"/>
-              <a:t>Digital Health</a:t>
+              <a:t>Authorization Mgt.</a:t>
             </a:r>
             <a:endParaRPr lang="en-US" sz="2000" dirty="0"/>
           </a:p>
@@ -8204,10 +8209,10 @@
       </p:sp>
       <p:sp>
         <p:nvSpPr>
-          <p:cNvPr id="98" name="Retângulo 97">
-            <a:extLst>
-              <a:ext uri="{FF2B5EF4-FFF2-40B4-BE49-F238E27FC236}">
-                <a16:creationId xmlns:a16="http://schemas.microsoft.com/office/drawing/2014/main" id="{C886A581-060D-4CC0-9DA4-FCC3E6581481}"/>
+          <p:cNvPr id="99" name="Retângulo 98">
+            <a:extLst>
+              <a:ext uri="{FF2B5EF4-FFF2-40B4-BE49-F238E27FC236}">
+                <a16:creationId xmlns:a16="http://schemas.microsoft.com/office/drawing/2014/main" id="{325FDA7D-6207-4D04-AE43-178E07D1E7DD}"/>
               </a:ext>
             </a:extLst>
           </p:cNvPr>
@@ -8216,7 +8221,7 @@
         </p:nvSpPr>
         <p:spPr>
           <a:xfrm>
-            <a:off x="14438189" y="1323975"/>
+            <a:off x="14438189" y="2745937"/>
             <a:ext cx="981075" cy="762000"/>
           </a:xfrm>
           <a:prstGeom prst="rect">
@@ -8258,20 +8263,20 @@
           <a:p>
             <a:r>
               <a:rPr lang="en-US" sz="1000" dirty="0"/>
-              <a:t>6</a:t>
+              <a:t>19</a:t>
             </a:r>
             <a:endParaRPr lang="en-US" dirty="0"/>
           </a:p>
           <a:p>
             <a:r>
               <a:rPr lang="en-US" dirty="0"/>
-              <a:t>Ato</a:t>
+              <a:t>Lbl</a:t>
             </a:r>
           </a:p>
           <a:p>
             <a:r>
               <a:rPr lang="en-US" sz="800" dirty="0"/>
-              <a:t>Authorization Mgt.</a:t>
+              <a:t>Label Security</a:t>
             </a:r>
             <a:endParaRPr lang="en-US" sz="2000" dirty="0"/>
           </a:p>
@@ -8279,10 +8284,10 @@
       </p:sp>
       <p:sp>
         <p:nvSpPr>
-          <p:cNvPr id="99" name="Retângulo 98">
-            <a:extLst>
-              <a:ext uri="{FF2B5EF4-FFF2-40B4-BE49-F238E27FC236}">
-                <a16:creationId xmlns:a16="http://schemas.microsoft.com/office/drawing/2014/main" id="{325FDA7D-6207-4D04-AE43-178E07D1E7DD}"/>
+          <p:cNvPr id="100" name="Retângulo 99">
+            <a:extLst>
+              <a:ext uri="{FF2B5EF4-FFF2-40B4-BE49-F238E27FC236}">
+                <a16:creationId xmlns:a16="http://schemas.microsoft.com/office/drawing/2014/main" id="{C6FFAB17-B0B1-4CEA-9163-48D4A1858B96}"/>
               </a:ext>
             </a:extLst>
           </p:cNvPr>
@@ -8291,14 +8296,14 @@
         </p:nvSpPr>
         <p:spPr>
           <a:xfrm>
-            <a:off x="14438189" y="2114550"/>
+            <a:off x="14438189" y="3546037"/>
             <a:ext cx="981075" cy="762000"/>
           </a:xfrm>
           <a:prstGeom prst="rect">
             <a:avLst/>
           </a:prstGeom>
           <a:solidFill>
-            <a:schemeClr val="bg2">
+            <a:schemeClr val="accent6">
               <a:lumMod val="75000"/>
             </a:schemeClr>
           </a:solidFill>
@@ -8333,20 +8338,20 @@
           <a:p>
             <a:r>
               <a:rPr lang="en-US" sz="1000" dirty="0"/>
-              <a:t>14</a:t>
+              <a:t>39</a:t>
             </a:r>
             <a:endParaRPr lang="en-US" dirty="0"/>
           </a:p>
           <a:p>
             <a:r>
               <a:rPr lang="en-US" dirty="0"/>
-              <a:t>Lbl</a:t>
+              <a:t>Pub</a:t>
             </a:r>
           </a:p>
           <a:p>
             <a:r>
               <a:rPr lang="en-US" sz="800" dirty="0"/>
-              <a:t>Label Security</a:t>
+              <a:t>Public sector</a:t>
             </a:r>
             <a:endParaRPr lang="en-US" sz="2000" dirty="0"/>
           </a:p>
@@ -8354,10 +8359,10 @@
       </p:sp>
       <p:sp>
         <p:nvSpPr>
-          <p:cNvPr id="100" name="Retângulo 99">
-            <a:extLst>
-              <a:ext uri="{FF2B5EF4-FFF2-40B4-BE49-F238E27FC236}">
-                <a16:creationId xmlns:a16="http://schemas.microsoft.com/office/drawing/2014/main" id="{C6FFAB17-B0B1-4CEA-9163-48D4A1858B96}"/>
+          <p:cNvPr id="101" name="Retângulo 100">
+            <a:extLst>
+              <a:ext uri="{FF2B5EF4-FFF2-40B4-BE49-F238E27FC236}">
+                <a16:creationId xmlns:a16="http://schemas.microsoft.com/office/drawing/2014/main" id="{C0B458CA-9A65-45E7-ACB9-0C999D157BDC}"/>
               </a:ext>
             </a:extLst>
           </p:cNvPr>
@@ -8366,7 +8371,7 @@
         </p:nvSpPr>
         <p:spPr>
           <a:xfrm>
-            <a:off x="14438189" y="2914650"/>
+            <a:off x="14438189" y="4346137"/>
             <a:ext cx="981075" cy="762000"/>
           </a:xfrm>
           <a:prstGeom prst="rect">
@@ -8408,20 +8413,20 @@
           <a:p>
             <a:r>
               <a:rPr lang="en-US" sz="1000" dirty="0"/>
-              <a:t>32</a:t>
+              <a:t>59</a:t>
             </a:r>
             <a:endParaRPr lang="en-US" dirty="0"/>
           </a:p>
           <a:p>
             <a:r>
               <a:rPr lang="en-US" dirty="0"/>
-              <a:t>Pub</a:t>
+              <a:t>Dt</a:t>
             </a:r>
           </a:p>
           <a:p>
             <a:r>
               <a:rPr lang="en-US" sz="800" dirty="0"/>
-              <a:t>Public sector</a:t>
+              <a:t>Digital Transform.</a:t>
             </a:r>
             <a:endParaRPr lang="en-US" sz="2000" dirty="0"/>
           </a:p>
@@ -8429,10 +8434,10 @@
       </p:sp>
       <p:sp>
         <p:nvSpPr>
-          <p:cNvPr id="101" name="Retângulo 100">
-            <a:extLst>
-              <a:ext uri="{FF2B5EF4-FFF2-40B4-BE49-F238E27FC236}">
-                <a16:creationId xmlns:a16="http://schemas.microsoft.com/office/drawing/2014/main" id="{C0B458CA-9A65-45E7-ACB9-0C999D157BDC}"/>
+          <p:cNvPr id="102" name="Retângulo 101">
+            <a:extLst>
+              <a:ext uri="{FF2B5EF4-FFF2-40B4-BE49-F238E27FC236}">
+                <a16:creationId xmlns:a16="http://schemas.microsoft.com/office/drawing/2014/main" id="{1ACDD374-059C-4BDF-9483-7BB51F6FFB11}"/>
               </a:ext>
             </a:extLst>
           </p:cNvPr>
@@ -8441,7 +8446,7 @@
         </p:nvSpPr>
         <p:spPr>
           <a:xfrm>
-            <a:off x="14438189" y="3714750"/>
+            <a:off x="14438189" y="5146237"/>
             <a:ext cx="981075" cy="762000"/>
           </a:xfrm>
           <a:prstGeom prst="rect">
@@ -8483,20 +8488,20 @@
           <a:p>
             <a:r>
               <a:rPr lang="en-US" sz="1000" dirty="0"/>
-              <a:t>50</a:t>
+              <a:t>79</a:t>
             </a:r>
             <a:endParaRPr lang="en-US" dirty="0"/>
           </a:p>
           <a:p>
             <a:r>
               <a:rPr lang="en-US" dirty="0"/>
-              <a:t>Dt</a:t>
+              <a:t>Hya</a:t>
             </a:r>
           </a:p>
           <a:p>
             <a:r>
               <a:rPr lang="en-US" sz="800" dirty="0"/>
-              <a:t>Digital Transform.</a:t>
+              <a:t>Hyper Automation</a:t>
             </a:r>
             <a:endParaRPr lang="en-US" sz="2000" dirty="0"/>
           </a:p>
@@ -8504,10 +8509,10 @@
       </p:sp>
       <p:sp>
         <p:nvSpPr>
-          <p:cNvPr id="102" name="Retângulo 101">
-            <a:extLst>
-              <a:ext uri="{FF2B5EF4-FFF2-40B4-BE49-F238E27FC236}">
-                <a16:creationId xmlns:a16="http://schemas.microsoft.com/office/drawing/2014/main" id="{1ACDD374-059C-4BDF-9483-7BB51F6FFB11}"/>
+          <p:cNvPr id="103" name="Retângulo 102">
+            <a:extLst>
+              <a:ext uri="{FF2B5EF4-FFF2-40B4-BE49-F238E27FC236}">
+                <a16:creationId xmlns:a16="http://schemas.microsoft.com/office/drawing/2014/main" id="{7AD98AAB-43C8-4B2D-800D-005AD589BD4F}"/>
               </a:ext>
             </a:extLst>
           </p:cNvPr>
@@ -8516,7 +8521,7 @@
         </p:nvSpPr>
         <p:spPr>
           <a:xfrm>
-            <a:off x="14438189" y="4514850"/>
+            <a:off x="14438189" y="5946337"/>
             <a:ext cx="981075" cy="762000"/>
           </a:xfrm>
           <a:prstGeom prst="rect">
@@ -8558,20 +8563,20 @@
           <a:p>
             <a:r>
               <a:rPr lang="en-US" sz="1000" dirty="0"/>
-              <a:t>68</a:t>
+              <a:t>99</a:t>
             </a:r>
             <a:endParaRPr lang="en-US" dirty="0"/>
           </a:p>
           <a:p>
             <a:r>
               <a:rPr lang="en-US" dirty="0"/>
-              <a:t>Hya</a:t>
+              <a:t>Buss</a:t>
             </a:r>
           </a:p>
           <a:p>
             <a:r>
               <a:rPr lang="en-US" sz="800" dirty="0"/>
-              <a:t>Hyper Automation</a:t>
+              <a:t>Business Sector</a:t>
             </a:r>
             <a:endParaRPr lang="en-US" sz="2000" dirty="0"/>
           </a:p>
@@ -8579,10 +8584,10 @@
       </p:sp>
       <p:sp>
         <p:nvSpPr>
-          <p:cNvPr id="103" name="Retângulo 102">
-            <a:extLst>
-              <a:ext uri="{FF2B5EF4-FFF2-40B4-BE49-F238E27FC236}">
-                <a16:creationId xmlns:a16="http://schemas.microsoft.com/office/drawing/2014/main" id="{7AD98AAB-43C8-4B2D-800D-005AD589BD4F}"/>
+          <p:cNvPr id="104" name="Retângulo 103">
+            <a:extLst>
+              <a:ext uri="{FF2B5EF4-FFF2-40B4-BE49-F238E27FC236}">
+                <a16:creationId xmlns:a16="http://schemas.microsoft.com/office/drawing/2014/main" id="{25493A7F-16CE-4C78-BB24-7CD0E5EEF804}"/>
               </a:ext>
             </a:extLst>
           </p:cNvPr>
@@ -8591,14 +8596,14 @@
         </p:nvSpPr>
         <p:spPr>
           <a:xfrm>
-            <a:off x="14438189" y="5314950"/>
+            <a:off x="15462292" y="1944465"/>
             <a:ext cx="981075" cy="762000"/>
           </a:xfrm>
           <a:prstGeom prst="rect">
             <a:avLst/>
           </a:prstGeom>
           <a:solidFill>
-            <a:schemeClr val="accent6">
+            <a:schemeClr val="bg2">
               <a:lumMod val="75000"/>
             </a:schemeClr>
           </a:solidFill>
@@ -8633,20 +8638,20 @@
           <a:p>
             <a:r>
               <a:rPr lang="en-US" sz="1000" dirty="0"/>
-              <a:t>86</a:t>
+              <a:t>10</a:t>
             </a:r>
             <a:endParaRPr lang="en-US" dirty="0"/>
           </a:p>
           <a:p>
             <a:r>
               <a:rPr lang="en-US" dirty="0"/>
-              <a:t>Buss</a:t>
+              <a:t>Ate</a:t>
             </a:r>
           </a:p>
           <a:p>
             <a:r>
               <a:rPr lang="en-US" sz="800" dirty="0"/>
-              <a:t>Business Sector</a:t>
+              <a:t>Authenticat. Mgt.</a:t>
             </a:r>
             <a:endParaRPr lang="en-US" sz="2000" dirty="0"/>
           </a:p>
@@ -8654,10 +8659,10 @@
       </p:sp>
       <p:sp>
         <p:nvSpPr>
-          <p:cNvPr id="104" name="Retângulo 103">
-            <a:extLst>
-              <a:ext uri="{FF2B5EF4-FFF2-40B4-BE49-F238E27FC236}">
-                <a16:creationId xmlns:a16="http://schemas.microsoft.com/office/drawing/2014/main" id="{25493A7F-16CE-4C78-BB24-7CD0E5EEF804}"/>
+          <p:cNvPr id="105" name="Retângulo 104">
+            <a:extLst>
+              <a:ext uri="{FF2B5EF4-FFF2-40B4-BE49-F238E27FC236}">
+                <a16:creationId xmlns:a16="http://schemas.microsoft.com/office/drawing/2014/main" id="{9C807385-D846-4A2C-88E7-8C830901CB43}"/>
               </a:ext>
             </a:extLst>
           </p:cNvPr>
@@ -8666,7 +8671,7 @@
         </p:nvSpPr>
         <p:spPr>
           <a:xfrm>
-            <a:off x="15473178" y="1323975"/>
+            <a:off x="15462292" y="2735040"/>
             <a:ext cx="981075" cy="762000"/>
           </a:xfrm>
           <a:prstGeom prst="rect">
@@ -8708,20 +8713,20 @@
           <a:p>
             <a:r>
               <a:rPr lang="en-US" sz="1000" dirty="0"/>
-              <a:t>7</a:t>
+              <a:t>20</a:t>
             </a:r>
             <a:endParaRPr lang="en-US" dirty="0"/>
           </a:p>
           <a:p>
             <a:r>
               <a:rPr lang="en-US" dirty="0"/>
-              <a:t>Ate</a:t>
+              <a:t>Tls</a:t>
             </a:r>
           </a:p>
           <a:p>
             <a:r>
               <a:rPr lang="en-US" sz="800" dirty="0"/>
-              <a:t>Authenticat. Mgt.</a:t>
+              <a:t>Secure channels</a:t>
             </a:r>
             <a:endParaRPr lang="en-US" sz="2000" dirty="0"/>
           </a:p>
@@ -8729,10 +8734,10 @@
       </p:sp>
       <p:sp>
         <p:nvSpPr>
-          <p:cNvPr id="105" name="Retângulo 104">
-            <a:extLst>
-              <a:ext uri="{FF2B5EF4-FFF2-40B4-BE49-F238E27FC236}">
-                <a16:creationId xmlns:a16="http://schemas.microsoft.com/office/drawing/2014/main" id="{9C807385-D846-4A2C-88E7-8C830901CB43}"/>
+          <p:cNvPr id="106" name="Retângulo 105">
+            <a:extLst>
+              <a:ext uri="{FF2B5EF4-FFF2-40B4-BE49-F238E27FC236}">
+                <a16:creationId xmlns:a16="http://schemas.microsoft.com/office/drawing/2014/main" id="{682B06FF-17B7-4DDD-B345-7F2AA0B23C40}"/>
               </a:ext>
             </a:extLst>
           </p:cNvPr>
@@ -8741,7 +8746,7 @@
         </p:nvSpPr>
         <p:spPr>
           <a:xfrm>
-            <a:off x="15473178" y="2114550"/>
+            <a:off x="15462292" y="3535140"/>
             <a:ext cx="981075" cy="762000"/>
           </a:xfrm>
           <a:prstGeom prst="rect">
@@ -8783,20 +8788,20 @@
           <a:p>
             <a:r>
               <a:rPr lang="en-US" sz="1000" dirty="0"/>
-              <a:t>15</a:t>
+              <a:t>40</a:t>
             </a:r>
             <a:endParaRPr lang="en-US" dirty="0"/>
           </a:p>
           <a:p>
             <a:r>
               <a:rPr lang="en-US" dirty="0"/>
-              <a:t>Tls</a:t>
+              <a:t>Ss</a:t>
             </a:r>
           </a:p>
           <a:p>
             <a:r>
               <a:rPr lang="en-US" sz="800" dirty="0"/>
-              <a:t>Secure channels</a:t>
+              <a:t>SOAP/API Security</a:t>
             </a:r>
             <a:endParaRPr lang="en-US" sz="2000" dirty="0"/>
           </a:p>
@@ -8804,10 +8809,10 @@
       </p:sp>
       <p:sp>
         <p:nvSpPr>
-          <p:cNvPr id="106" name="Retângulo 105">
-            <a:extLst>
-              <a:ext uri="{FF2B5EF4-FFF2-40B4-BE49-F238E27FC236}">
-                <a16:creationId xmlns:a16="http://schemas.microsoft.com/office/drawing/2014/main" id="{682B06FF-17B7-4DDD-B345-7F2AA0B23C40}"/>
+          <p:cNvPr id="107" name="Retângulo 106">
+            <a:extLst>
+              <a:ext uri="{FF2B5EF4-FFF2-40B4-BE49-F238E27FC236}">
+                <a16:creationId xmlns:a16="http://schemas.microsoft.com/office/drawing/2014/main" id="{7F6CE2E4-B5C3-4592-8EAF-E0E9F5C405C0}"/>
               </a:ext>
             </a:extLst>
           </p:cNvPr>
@@ -8816,14 +8821,14 @@
         </p:nvSpPr>
         <p:spPr>
           <a:xfrm>
-            <a:off x="15473178" y="2914650"/>
+            <a:off x="15462292" y="4335240"/>
             <a:ext cx="981075" cy="762000"/>
           </a:xfrm>
           <a:prstGeom prst="rect">
             <a:avLst/>
           </a:prstGeom>
           <a:solidFill>
-            <a:schemeClr val="bg2">
+            <a:schemeClr val="accent6">
               <a:lumMod val="75000"/>
             </a:schemeClr>
           </a:solidFill>
@@ -8858,20 +8863,20 @@
           <a:p>
             <a:r>
               <a:rPr lang="en-US" sz="1000" dirty="0"/>
-              <a:t>33</a:t>
+              <a:t>60</a:t>
             </a:r>
             <a:endParaRPr lang="en-US" dirty="0"/>
           </a:p>
           <a:p>
             <a:r>
               <a:rPr lang="en-US" dirty="0"/>
-              <a:t>Ss</a:t>
+              <a:t>Daas</a:t>
             </a:r>
           </a:p>
           <a:p>
             <a:r>
               <a:rPr lang="en-US" sz="800" dirty="0"/>
-              <a:t>SOAP/API Security</a:t>
+              <a:t>Data as Service</a:t>
             </a:r>
             <a:endParaRPr lang="en-US" sz="2000" dirty="0"/>
           </a:p>
@@ -8879,10 +8884,10 @@
       </p:sp>
       <p:sp>
         <p:nvSpPr>
-          <p:cNvPr id="107" name="Retângulo 106">
-            <a:extLst>
-              <a:ext uri="{FF2B5EF4-FFF2-40B4-BE49-F238E27FC236}">
-                <a16:creationId xmlns:a16="http://schemas.microsoft.com/office/drawing/2014/main" id="{7F6CE2E4-B5C3-4592-8EAF-E0E9F5C405C0}"/>
+          <p:cNvPr id="108" name="Retângulo 107">
+            <a:extLst>
+              <a:ext uri="{FF2B5EF4-FFF2-40B4-BE49-F238E27FC236}">
+                <a16:creationId xmlns:a16="http://schemas.microsoft.com/office/drawing/2014/main" id="{9376BEA5-47C5-4F2D-824B-8650AB1213F4}"/>
               </a:ext>
             </a:extLst>
           </p:cNvPr>
@@ -8891,7 +8896,7 @@
         </p:nvSpPr>
         <p:spPr>
           <a:xfrm>
-            <a:off x="15473178" y="3714750"/>
+            <a:off x="15462292" y="5135340"/>
             <a:ext cx="981075" cy="762000"/>
           </a:xfrm>
           <a:prstGeom prst="rect">
@@ -8933,20 +8938,20 @@
           <a:p>
             <a:r>
               <a:rPr lang="en-US" sz="1000" dirty="0"/>
-              <a:t>51</a:t>
+              <a:t>80</a:t>
             </a:r>
             <a:endParaRPr lang="en-US" dirty="0"/>
           </a:p>
           <a:p>
             <a:r>
               <a:rPr lang="en-US" dirty="0"/>
-              <a:t>Daas</a:t>
+              <a:t>Saas</a:t>
             </a:r>
           </a:p>
           <a:p>
             <a:r>
               <a:rPr lang="en-US" sz="800" dirty="0"/>
-              <a:t>Data as Service</a:t>
+              <a:t>Soft. as Service</a:t>
             </a:r>
             <a:endParaRPr lang="en-US" sz="2000" dirty="0"/>
           </a:p>
@@ -8954,10 +8959,10 @@
       </p:sp>
       <p:sp>
         <p:nvSpPr>
-          <p:cNvPr id="108" name="Retângulo 107">
-            <a:extLst>
-              <a:ext uri="{FF2B5EF4-FFF2-40B4-BE49-F238E27FC236}">
-                <a16:creationId xmlns:a16="http://schemas.microsoft.com/office/drawing/2014/main" id="{9376BEA5-47C5-4F2D-824B-8650AB1213F4}"/>
+          <p:cNvPr id="109" name="Retângulo 108">
+            <a:extLst>
+              <a:ext uri="{FF2B5EF4-FFF2-40B4-BE49-F238E27FC236}">
+                <a16:creationId xmlns:a16="http://schemas.microsoft.com/office/drawing/2014/main" id="{B6EBCE25-D30F-4442-9E71-FAE366D24589}"/>
               </a:ext>
             </a:extLst>
           </p:cNvPr>
@@ -8966,7 +8971,7 @@
         </p:nvSpPr>
         <p:spPr>
           <a:xfrm>
-            <a:off x="15473178" y="4514850"/>
+            <a:off x="15462292" y="5935440"/>
             <a:ext cx="981075" cy="762000"/>
           </a:xfrm>
           <a:prstGeom prst="rect">
@@ -9008,20 +9013,20 @@
           <a:p>
             <a:r>
               <a:rPr lang="en-US" sz="1000" dirty="0"/>
-              <a:t>69</a:t>
+              <a:t>100</a:t>
             </a:r>
             <a:endParaRPr lang="en-US" dirty="0"/>
           </a:p>
           <a:p>
             <a:r>
               <a:rPr lang="en-US" dirty="0"/>
-              <a:t>Saas</a:t>
+              <a:t>Mb</a:t>
             </a:r>
           </a:p>
           <a:p>
             <a:r>
               <a:rPr lang="en-US" sz="800" dirty="0"/>
-              <a:t>Soft. as Service</a:t>
+              <a:t>Mobile Backend</a:t>
             </a:r>
             <a:endParaRPr lang="en-US" sz="2000" dirty="0"/>
           </a:p>
@@ -9029,10 +9034,10 @@
       </p:sp>
       <p:sp>
         <p:nvSpPr>
-          <p:cNvPr id="109" name="Retângulo 108">
-            <a:extLst>
-              <a:ext uri="{FF2B5EF4-FFF2-40B4-BE49-F238E27FC236}">
-                <a16:creationId xmlns:a16="http://schemas.microsoft.com/office/drawing/2014/main" id="{B6EBCE25-D30F-4442-9E71-FAE366D24589}"/>
+          <p:cNvPr id="110" name="Retângulo 109">
+            <a:extLst>
+              <a:ext uri="{FF2B5EF4-FFF2-40B4-BE49-F238E27FC236}">
+                <a16:creationId xmlns:a16="http://schemas.microsoft.com/office/drawing/2014/main" id="{E6E03A62-D7C7-4188-9F7A-F22BD91C95A8}"/>
               </a:ext>
             </a:extLst>
           </p:cNvPr>
@@ -9041,14 +9046,14 @@
         </p:nvSpPr>
         <p:spPr>
           <a:xfrm>
-            <a:off x="15473178" y="5314950"/>
+            <a:off x="16494228" y="1944465"/>
             <a:ext cx="981075" cy="762000"/>
           </a:xfrm>
           <a:prstGeom prst="rect">
             <a:avLst/>
           </a:prstGeom>
           <a:solidFill>
-            <a:schemeClr val="accent6">
+            <a:schemeClr val="bg2">
               <a:lumMod val="75000"/>
             </a:schemeClr>
           </a:solidFill>
@@ -9083,20 +9088,20 @@
           <a:p>
             <a:r>
               <a:rPr lang="en-US" sz="1000" dirty="0"/>
-              <a:t>87</a:t>
+              <a:t>11</a:t>
             </a:r>
             <a:endParaRPr lang="en-US" dirty="0"/>
           </a:p>
           <a:p>
             <a:r>
               <a:rPr lang="en-US" dirty="0"/>
-              <a:t>Mb</a:t>
+              <a:t>Aud</a:t>
             </a:r>
           </a:p>
           <a:p>
             <a:r>
               <a:rPr lang="en-US" sz="800" dirty="0"/>
-              <a:t>Mobile Backend</a:t>
+              <a:t>Audit and Logs</a:t>
             </a:r>
             <a:endParaRPr lang="en-US" sz="2000" dirty="0"/>
           </a:p>
@@ -9104,10 +9109,10 @@
       </p:sp>
       <p:sp>
         <p:nvSpPr>
-          <p:cNvPr id="110" name="Retângulo 109">
-            <a:extLst>
-              <a:ext uri="{FF2B5EF4-FFF2-40B4-BE49-F238E27FC236}">
-                <a16:creationId xmlns:a16="http://schemas.microsoft.com/office/drawing/2014/main" id="{E6E03A62-D7C7-4188-9F7A-F22BD91C95A8}"/>
+          <p:cNvPr id="111" name="Retângulo 110">
+            <a:extLst>
+              <a:ext uri="{FF2B5EF4-FFF2-40B4-BE49-F238E27FC236}">
+                <a16:creationId xmlns:a16="http://schemas.microsoft.com/office/drawing/2014/main" id="{13A2075A-63A5-4219-B64A-397191541544}"/>
               </a:ext>
             </a:extLst>
           </p:cNvPr>
@@ -9116,7 +9121,7 @@
         </p:nvSpPr>
         <p:spPr>
           <a:xfrm>
-            <a:off x="16505114" y="1323975"/>
+            <a:off x="16494228" y="2735040"/>
             <a:ext cx="981075" cy="762000"/>
           </a:xfrm>
           <a:prstGeom prst="rect">
@@ -9158,20 +9163,20 @@
           <a:p>
             <a:r>
               <a:rPr lang="en-US" sz="1000" dirty="0"/>
-              <a:t>8</a:t>
+              <a:t>21</a:t>
             </a:r>
             <a:endParaRPr lang="en-US" dirty="0"/>
           </a:p>
           <a:p>
             <a:r>
               <a:rPr lang="en-US" dirty="0"/>
-              <a:t>Aud</a:t>
+              <a:t>Ds</a:t>
             </a:r>
           </a:p>
           <a:p>
             <a:r>
               <a:rPr lang="en-US" sz="800" dirty="0"/>
-              <a:t>Audit and Logs</a:t>
+              <a:t>Data security</a:t>
             </a:r>
             <a:endParaRPr lang="en-US" sz="2000" dirty="0"/>
           </a:p>
@@ -9179,10 +9184,10 @@
       </p:sp>
       <p:sp>
         <p:nvSpPr>
-          <p:cNvPr id="111" name="Retângulo 110">
-            <a:extLst>
-              <a:ext uri="{FF2B5EF4-FFF2-40B4-BE49-F238E27FC236}">
-                <a16:creationId xmlns:a16="http://schemas.microsoft.com/office/drawing/2014/main" id="{13A2075A-63A5-4219-B64A-397191541544}"/>
+          <p:cNvPr id="112" name="Retângulo 111">
+            <a:extLst>
+              <a:ext uri="{FF2B5EF4-FFF2-40B4-BE49-F238E27FC236}">
+                <a16:creationId xmlns:a16="http://schemas.microsoft.com/office/drawing/2014/main" id="{099142DD-3E04-4E5B-B5AA-C15127C482CB}"/>
               </a:ext>
             </a:extLst>
           </p:cNvPr>
@@ -9191,7 +9196,7 @@
         </p:nvSpPr>
         <p:spPr>
           <a:xfrm>
-            <a:off x="16505114" y="2114550"/>
+            <a:off x="16494228" y="3535140"/>
             <a:ext cx="981075" cy="762000"/>
           </a:xfrm>
           <a:prstGeom prst="rect">
@@ -9233,20 +9238,20 @@
           <a:p>
             <a:r>
               <a:rPr lang="en-US" sz="1000" dirty="0"/>
-              <a:t>16</a:t>
+              <a:t>41</a:t>
             </a:r>
             <a:endParaRPr lang="en-US" dirty="0"/>
           </a:p>
           <a:p>
             <a:r>
               <a:rPr lang="en-US" dirty="0"/>
-              <a:t>Ds</a:t>
+              <a:t>Uxs</a:t>
             </a:r>
           </a:p>
           <a:p>
             <a:r>
               <a:rPr lang="en-US" sz="800" dirty="0"/>
-              <a:t>Data security</a:t>
+              <a:t>User UI Security</a:t>
             </a:r>
             <a:endParaRPr lang="en-US" sz="2000" dirty="0"/>
           </a:p>
@@ -9254,10 +9259,10 @@
       </p:sp>
       <p:sp>
         <p:nvSpPr>
-          <p:cNvPr id="112" name="Retângulo 111">
-            <a:extLst>
-              <a:ext uri="{FF2B5EF4-FFF2-40B4-BE49-F238E27FC236}">
-                <a16:creationId xmlns:a16="http://schemas.microsoft.com/office/drawing/2014/main" id="{099142DD-3E04-4E5B-B5AA-C15127C482CB}"/>
+          <p:cNvPr id="113" name="Retângulo 112">
+            <a:extLst>
+              <a:ext uri="{FF2B5EF4-FFF2-40B4-BE49-F238E27FC236}">
+                <a16:creationId xmlns:a16="http://schemas.microsoft.com/office/drawing/2014/main" id="{DECDFBAB-1D56-45C1-9A44-3E34FB074275}"/>
               </a:ext>
             </a:extLst>
           </p:cNvPr>
@@ -9266,7 +9271,7 @@
         </p:nvSpPr>
         <p:spPr>
           <a:xfrm>
-            <a:off x="16505114" y="2914650"/>
+            <a:off x="16494228" y="4335240"/>
             <a:ext cx="981075" cy="762000"/>
           </a:xfrm>
           <a:prstGeom prst="rect">
@@ -9308,20 +9313,20 @@
           <a:p>
             <a:r>
               <a:rPr lang="en-US" sz="1000" dirty="0"/>
-              <a:t>34</a:t>
+              <a:t>61</a:t>
             </a:r>
             <a:endParaRPr lang="en-US" dirty="0"/>
           </a:p>
           <a:p>
             <a:r>
               <a:rPr lang="en-US" dirty="0"/>
-              <a:t>Uxs</a:t>
+              <a:t>Dr</a:t>
             </a:r>
           </a:p>
           <a:p>
             <a:r>
               <a:rPr lang="en-US" sz="800" dirty="0"/>
-              <a:t>User UI Security</a:t>
+              <a:t>Disaster Recovery</a:t>
             </a:r>
             <a:endParaRPr lang="en-US" sz="2000" dirty="0"/>
           </a:p>
@@ -9329,10 +9334,10 @@
       </p:sp>
       <p:sp>
         <p:nvSpPr>
-          <p:cNvPr id="113" name="Retângulo 112">
-            <a:extLst>
-              <a:ext uri="{FF2B5EF4-FFF2-40B4-BE49-F238E27FC236}">
-                <a16:creationId xmlns:a16="http://schemas.microsoft.com/office/drawing/2014/main" id="{DECDFBAB-1D56-45C1-9A44-3E34FB074275}"/>
+          <p:cNvPr id="114" name="Retângulo 113">
+            <a:extLst>
+              <a:ext uri="{FF2B5EF4-FFF2-40B4-BE49-F238E27FC236}">
+                <a16:creationId xmlns:a16="http://schemas.microsoft.com/office/drawing/2014/main" id="{2E5DEB46-63B0-47B7-B19D-9D95A4EEE105}"/>
               </a:ext>
             </a:extLst>
           </p:cNvPr>
@@ -9341,14 +9346,14 @@
         </p:nvSpPr>
         <p:spPr>
           <a:xfrm>
-            <a:off x="16505114" y="3714750"/>
+            <a:off x="16494228" y="5135340"/>
             <a:ext cx="981075" cy="762000"/>
           </a:xfrm>
           <a:prstGeom prst="rect">
             <a:avLst/>
           </a:prstGeom>
           <a:solidFill>
-            <a:schemeClr val="bg2">
+            <a:schemeClr val="accent6">
               <a:lumMod val="75000"/>
             </a:schemeClr>
           </a:solidFill>
@@ -9383,20 +9388,20 @@
           <a:p>
             <a:r>
               <a:rPr lang="en-US" sz="1000" dirty="0"/>
-              <a:t>52</a:t>
+              <a:t>81</a:t>
             </a:r>
             <a:endParaRPr lang="en-US" dirty="0"/>
           </a:p>
           <a:p>
             <a:r>
               <a:rPr lang="en-US" dirty="0"/>
-              <a:t>Dr</a:t>
+              <a:t>Wb</a:t>
             </a:r>
           </a:p>
           <a:p>
             <a:r>
               <a:rPr lang="en-US" sz="800" dirty="0"/>
-              <a:t>Disaster Recovery</a:t>
+              <a:t>Web Backend</a:t>
             </a:r>
             <a:endParaRPr lang="en-US" sz="2000" dirty="0"/>
           </a:p>
@@ -9404,10 +9409,10 @@
       </p:sp>
       <p:sp>
         <p:nvSpPr>
-          <p:cNvPr id="114" name="Retângulo 113">
-            <a:extLst>
-              <a:ext uri="{FF2B5EF4-FFF2-40B4-BE49-F238E27FC236}">
-                <a16:creationId xmlns:a16="http://schemas.microsoft.com/office/drawing/2014/main" id="{2E5DEB46-63B0-47B7-B19D-9D95A4EEE105}"/>
+          <p:cNvPr id="115" name="Retângulo 114">
+            <a:extLst>
+              <a:ext uri="{FF2B5EF4-FFF2-40B4-BE49-F238E27FC236}">
+                <a16:creationId xmlns:a16="http://schemas.microsoft.com/office/drawing/2014/main" id="{D738CC58-4F82-4E22-876D-7C6AD615B9A8}"/>
               </a:ext>
             </a:extLst>
           </p:cNvPr>
@@ -9416,7 +9421,7 @@
         </p:nvSpPr>
         <p:spPr>
           <a:xfrm>
-            <a:off x="16505114" y="4514850"/>
+            <a:off x="16494228" y="5935440"/>
             <a:ext cx="981075" cy="762000"/>
           </a:xfrm>
           <a:prstGeom prst="rect">
@@ -9458,20 +9463,20 @@
           <a:p>
             <a:r>
               <a:rPr lang="en-US" sz="1000" dirty="0"/>
-              <a:t>70</a:t>
+              <a:t>101</a:t>
             </a:r>
             <a:endParaRPr lang="en-US" dirty="0"/>
           </a:p>
           <a:p>
             <a:r>
               <a:rPr lang="en-US" dirty="0"/>
-              <a:t>Wb</a:t>
+              <a:t>Iob</a:t>
             </a:r>
           </a:p>
           <a:p>
             <a:r>
               <a:rPr lang="en-US" sz="800" dirty="0"/>
-              <a:t>Web Backend</a:t>
+              <a:t>IoT Backend</a:t>
             </a:r>
             <a:endParaRPr lang="en-US" sz="2000" dirty="0"/>
           </a:p>
@@ -9479,10 +9484,10 @@
       </p:sp>
       <p:sp>
         <p:nvSpPr>
-          <p:cNvPr id="115" name="Retângulo 114">
-            <a:extLst>
-              <a:ext uri="{FF2B5EF4-FFF2-40B4-BE49-F238E27FC236}">
-                <a16:creationId xmlns:a16="http://schemas.microsoft.com/office/drawing/2014/main" id="{D738CC58-4F82-4E22-876D-7C6AD615B9A8}"/>
+          <p:cNvPr id="116" name="Retângulo 115">
+            <a:extLst>
+              <a:ext uri="{FF2B5EF4-FFF2-40B4-BE49-F238E27FC236}">
+                <a16:creationId xmlns:a16="http://schemas.microsoft.com/office/drawing/2014/main" id="{A076FF36-7BCD-4701-A545-C22AB1328C78}"/>
               </a:ext>
             </a:extLst>
           </p:cNvPr>
@@ -9491,16 +9496,14 @@
         </p:nvSpPr>
         <p:spPr>
           <a:xfrm>
-            <a:off x="16505114" y="5314950"/>
+            <a:off x="17526030" y="1944465"/>
             <a:ext cx="981075" cy="762000"/>
           </a:xfrm>
           <a:prstGeom prst="rect">
             <a:avLst/>
           </a:prstGeom>
           <a:solidFill>
-            <a:schemeClr val="accent6">
-              <a:lumMod val="75000"/>
-            </a:schemeClr>
+            <a:srgbClr val="7030A0"/>
           </a:solidFill>
           <a:ln>
             <a:noFill/>
@@ -9533,20 +9536,20 @@
           <a:p>
             <a:r>
               <a:rPr lang="en-US" sz="1000" dirty="0"/>
-              <a:t>88</a:t>
+              <a:t>12</a:t>
             </a:r>
             <a:endParaRPr lang="en-US" dirty="0"/>
           </a:p>
           <a:p>
             <a:r>
               <a:rPr lang="en-US" dirty="0"/>
-              <a:t>Iob</a:t>
+              <a:t>Vsc</a:t>
             </a:r>
           </a:p>
           <a:p>
             <a:r>
               <a:rPr lang="en-US" sz="800" dirty="0"/>
-              <a:t>IoT Backend</a:t>
+              <a:t>VS Code Support</a:t>
             </a:r>
             <a:endParaRPr lang="en-US" sz="2000" dirty="0"/>
           </a:p>
@@ -9554,10 +9557,10 @@
       </p:sp>
       <p:sp>
         <p:nvSpPr>
-          <p:cNvPr id="116" name="Retângulo 115">
-            <a:extLst>
-              <a:ext uri="{FF2B5EF4-FFF2-40B4-BE49-F238E27FC236}">
-                <a16:creationId xmlns:a16="http://schemas.microsoft.com/office/drawing/2014/main" id="{A076FF36-7BCD-4701-A545-C22AB1328C78}"/>
+          <p:cNvPr id="117" name="Retângulo 116">
+            <a:extLst>
+              <a:ext uri="{FF2B5EF4-FFF2-40B4-BE49-F238E27FC236}">
+                <a16:creationId xmlns:a16="http://schemas.microsoft.com/office/drawing/2014/main" id="{82F128F0-4C50-4029-83D2-0071E869E0B7}"/>
               </a:ext>
             </a:extLst>
           </p:cNvPr>
@@ -9566,7 +9569,7 @@
         </p:nvSpPr>
         <p:spPr>
           <a:xfrm>
-            <a:off x="17536916" y="1323975"/>
+            <a:off x="17526030" y="2735040"/>
             <a:ext cx="981075" cy="762000"/>
           </a:xfrm>
           <a:prstGeom prst="rect">
@@ -9606,20 +9609,20 @@
           <a:p>
             <a:r>
               <a:rPr lang="en-US" sz="1000" dirty="0"/>
-              <a:t>9</a:t>
+              <a:t>22</a:t>
             </a:r>
             <a:endParaRPr lang="en-US" dirty="0"/>
           </a:p>
           <a:p>
             <a:r>
               <a:rPr lang="en-US" dirty="0"/>
-              <a:t>Vsc</a:t>
+              <a:t>Ec</a:t>
             </a:r>
           </a:p>
           <a:p>
             <a:r>
               <a:rPr lang="en-US" sz="800" dirty="0"/>
-              <a:t>VS Code Support</a:t>
+              <a:t>Eclipse Support</a:t>
             </a:r>
             <a:endParaRPr lang="en-US" sz="2000" dirty="0"/>
           </a:p>
@@ -9627,10 +9630,10 @@
       </p:sp>
       <p:sp>
         <p:nvSpPr>
-          <p:cNvPr id="117" name="Retângulo 116">
-            <a:extLst>
-              <a:ext uri="{FF2B5EF4-FFF2-40B4-BE49-F238E27FC236}">
-                <a16:creationId xmlns:a16="http://schemas.microsoft.com/office/drawing/2014/main" id="{82F128F0-4C50-4029-83D2-0071E869E0B7}"/>
+          <p:cNvPr id="118" name="Retângulo 117">
+            <a:extLst>
+              <a:ext uri="{FF2B5EF4-FFF2-40B4-BE49-F238E27FC236}">
+                <a16:creationId xmlns:a16="http://schemas.microsoft.com/office/drawing/2014/main" id="{2D9DB9CD-369D-429E-AB7A-3EDBA7765671}"/>
               </a:ext>
             </a:extLst>
           </p:cNvPr>
@@ -9639,7 +9642,7 @@
         </p:nvSpPr>
         <p:spPr>
           <a:xfrm>
-            <a:off x="17536916" y="2114550"/>
+            <a:off x="17526030" y="3535140"/>
             <a:ext cx="981075" cy="762000"/>
           </a:xfrm>
           <a:prstGeom prst="rect">
@@ -9679,20 +9682,20 @@
           <a:p>
             <a:r>
               <a:rPr lang="en-US" sz="1000" dirty="0"/>
-              <a:t>17</a:t>
+              <a:t>42</a:t>
             </a:r>
             <a:endParaRPr lang="en-US" dirty="0"/>
           </a:p>
           <a:p>
             <a:r>
               <a:rPr lang="en-US" dirty="0"/>
-              <a:t>Ec</a:t>
+              <a:t>Ide</a:t>
             </a:r>
           </a:p>
           <a:p>
             <a:r>
               <a:rPr lang="en-US" sz="800" dirty="0"/>
-              <a:t>Eclipse Support</a:t>
+              <a:t>ISC IDE Studio</a:t>
             </a:r>
             <a:endParaRPr lang="en-US" sz="2000" dirty="0"/>
           </a:p>
@@ -9700,10 +9703,10 @@
       </p:sp>
       <p:sp>
         <p:nvSpPr>
-          <p:cNvPr id="118" name="Retângulo 117">
-            <a:extLst>
-              <a:ext uri="{FF2B5EF4-FFF2-40B4-BE49-F238E27FC236}">
-                <a16:creationId xmlns:a16="http://schemas.microsoft.com/office/drawing/2014/main" id="{2D9DB9CD-369D-429E-AB7A-3EDBA7765671}"/>
+          <p:cNvPr id="119" name="Retângulo 118">
+            <a:extLst>
+              <a:ext uri="{FF2B5EF4-FFF2-40B4-BE49-F238E27FC236}">
+                <a16:creationId xmlns:a16="http://schemas.microsoft.com/office/drawing/2014/main" id="{B65CC364-575E-4D97-8D81-38F063249680}"/>
               </a:ext>
             </a:extLst>
           </p:cNvPr>
@@ -9712,7 +9715,7 @@
         </p:nvSpPr>
         <p:spPr>
           <a:xfrm>
-            <a:off x="17536916" y="2914650"/>
+            <a:off x="17526030" y="4335240"/>
             <a:ext cx="981075" cy="762000"/>
           </a:xfrm>
           <a:prstGeom prst="rect">
@@ -9752,20 +9755,20 @@
           <a:p>
             <a:r>
               <a:rPr lang="en-US" sz="1000" dirty="0"/>
-              <a:t>35</a:t>
+              <a:t>62</a:t>
             </a:r>
             <a:endParaRPr lang="en-US" dirty="0"/>
           </a:p>
           <a:p>
             <a:r>
               <a:rPr lang="en-US" dirty="0"/>
-              <a:t>Ide</a:t>
+              <a:t>Adm</a:t>
             </a:r>
           </a:p>
           <a:p>
             <a:r>
               <a:rPr lang="en-US" sz="800" dirty="0"/>
-              <a:t>ISC IDE Studio</a:t>
+              <a:t>Admin Portal</a:t>
             </a:r>
             <a:endParaRPr lang="en-US" sz="2000" dirty="0"/>
           </a:p>
@@ -9773,10 +9776,10 @@
       </p:sp>
       <p:sp>
         <p:nvSpPr>
-          <p:cNvPr id="119" name="Retângulo 118">
-            <a:extLst>
-              <a:ext uri="{FF2B5EF4-FFF2-40B4-BE49-F238E27FC236}">
-                <a16:creationId xmlns:a16="http://schemas.microsoft.com/office/drawing/2014/main" id="{B65CC364-575E-4D97-8D81-38F063249680}"/>
+          <p:cNvPr id="120" name="Retângulo 119">
+            <a:extLst>
+              <a:ext uri="{FF2B5EF4-FFF2-40B4-BE49-F238E27FC236}">
+                <a16:creationId xmlns:a16="http://schemas.microsoft.com/office/drawing/2014/main" id="{B41758FB-F90B-4498-9DE7-E62C6D691967}"/>
               </a:ext>
             </a:extLst>
           </p:cNvPr>
@@ -9785,7 +9788,7 @@
         </p:nvSpPr>
         <p:spPr>
           <a:xfrm>
-            <a:off x="17536916" y="3714750"/>
+            <a:off x="17526030" y="5135340"/>
             <a:ext cx="981075" cy="762000"/>
           </a:xfrm>
           <a:prstGeom prst="rect">
@@ -9825,20 +9828,20 @@
           <a:p>
             <a:r>
               <a:rPr lang="en-US" sz="1000" dirty="0"/>
-              <a:t>53</a:t>
+              <a:t>82</a:t>
             </a:r>
             <a:endParaRPr lang="en-US" dirty="0"/>
           </a:p>
           <a:p>
             <a:r>
               <a:rPr lang="en-US" dirty="0"/>
-              <a:t>Adm</a:t>
+              <a:t>Te</a:t>
             </a:r>
           </a:p>
           <a:p>
             <a:r>
               <a:rPr lang="en-US" sz="800" dirty="0"/>
-              <a:t>Admin Portal</a:t>
+              <a:t>CLI/Terminal</a:t>
             </a:r>
             <a:endParaRPr lang="en-US" sz="2000" dirty="0"/>
           </a:p>
@@ -9846,10 +9849,10 @@
       </p:sp>
       <p:sp>
         <p:nvSpPr>
-          <p:cNvPr id="120" name="Retângulo 119">
-            <a:extLst>
-              <a:ext uri="{FF2B5EF4-FFF2-40B4-BE49-F238E27FC236}">
-                <a16:creationId xmlns:a16="http://schemas.microsoft.com/office/drawing/2014/main" id="{B41758FB-F90B-4498-9DE7-E62C6D691967}"/>
+          <p:cNvPr id="121" name="Retângulo 120">
+            <a:extLst>
+              <a:ext uri="{FF2B5EF4-FFF2-40B4-BE49-F238E27FC236}">
+                <a16:creationId xmlns:a16="http://schemas.microsoft.com/office/drawing/2014/main" id="{B113FCAB-4ACB-48AC-991D-8D91CA92CD34}"/>
               </a:ext>
             </a:extLst>
           </p:cNvPr>
@@ -9858,7 +9861,7 @@
         </p:nvSpPr>
         <p:spPr>
           <a:xfrm>
-            <a:off x="17536916" y="4514850"/>
+            <a:off x="17526030" y="5935440"/>
             <a:ext cx="981075" cy="762000"/>
           </a:xfrm>
           <a:prstGeom prst="rect">
@@ -9898,20 +9901,20 @@
           <a:p>
             <a:r>
               <a:rPr lang="en-US" sz="1000" dirty="0"/>
-              <a:t>71</a:t>
+              <a:t>102</a:t>
             </a:r>
             <a:endParaRPr lang="en-US" dirty="0"/>
           </a:p>
           <a:p>
             <a:r>
               <a:rPr lang="en-US" dirty="0"/>
-              <a:t>Te</a:t>
+              <a:t>Por</a:t>
             </a:r>
           </a:p>
           <a:p>
             <a:r>
               <a:rPr lang="en-US" sz="800" dirty="0"/>
-              <a:t>CLI/Terminal</a:t>
+              <a:t>Web Portal Utils.</a:t>
             </a:r>
             <a:endParaRPr lang="en-US" sz="2000" dirty="0"/>
           </a:p>
@@ -9919,10 +9922,10 @@
       </p:sp>
       <p:sp>
         <p:nvSpPr>
-          <p:cNvPr id="121" name="Retângulo 120">
-            <a:extLst>
-              <a:ext uri="{FF2B5EF4-FFF2-40B4-BE49-F238E27FC236}">
-                <a16:creationId xmlns:a16="http://schemas.microsoft.com/office/drawing/2014/main" id="{B113FCAB-4ACB-48AC-991D-8D91CA92CD34}"/>
+          <p:cNvPr id="122" name="Retângulo 121">
+            <a:extLst>
+              <a:ext uri="{FF2B5EF4-FFF2-40B4-BE49-F238E27FC236}">
+                <a16:creationId xmlns:a16="http://schemas.microsoft.com/office/drawing/2014/main" id="{7E9C75B4-1E28-4DD5-B56C-5AE832298514}"/>
               </a:ext>
             </a:extLst>
           </p:cNvPr>
@@ -9931,14 +9934,14 @@
         </p:nvSpPr>
         <p:spPr>
           <a:xfrm>
-            <a:off x="17536916" y="5314950"/>
+            <a:off x="18567357" y="1944465"/>
             <a:ext cx="981075" cy="762000"/>
           </a:xfrm>
           <a:prstGeom prst="rect">
             <a:avLst/>
           </a:prstGeom>
           <a:solidFill>
-            <a:srgbClr val="7030A0"/>
+            <a:srgbClr val="002060"/>
           </a:solidFill>
           <a:ln>
             <a:noFill/>
@@ -9971,20 +9974,20 @@
           <a:p>
             <a:r>
               <a:rPr lang="en-US" sz="1000" dirty="0"/>
-              <a:t>89</a:t>
+              <a:t>13</a:t>
             </a:r>
             <a:endParaRPr lang="en-US" dirty="0"/>
           </a:p>
           <a:p>
             <a:r>
               <a:rPr lang="en-US" dirty="0"/>
-              <a:t>Por</a:t>
+              <a:t>Hl7</a:t>
             </a:r>
           </a:p>
           <a:p>
             <a:r>
               <a:rPr lang="en-US" sz="800" dirty="0"/>
-              <a:t>Web Portal Utils.</a:t>
+              <a:t>HL7 Interoperabil.</a:t>
             </a:r>
             <a:endParaRPr lang="en-US" sz="2000" dirty="0"/>
           </a:p>
@@ -9992,10 +9995,10 @@
       </p:sp>
       <p:sp>
         <p:nvSpPr>
-          <p:cNvPr id="122" name="Retângulo 121">
-            <a:extLst>
-              <a:ext uri="{FF2B5EF4-FFF2-40B4-BE49-F238E27FC236}">
-                <a16:creationId xmlns:a16="http://schemas.microsoft.com/office/drawing/2014/main" id="{7E9C75B4-1E28-4DD5-B56C-5AE832298514}"/>
+          <p:cNvPr id="123" name="Retângulo 122">
+            <a:extLst>
+              <a:ext uri="{FF2B5EF4-FFF2-40B4-BE49-F238E27FC236}">
+                <a16:creationId xmlns:a16="http://schemas.microsoft.com/office/drawing/2014/main" id="{5024E75C-ACD7-4779-9C07-E12BA98DF9D7}"/>
               </a:ext>
             </a:extLst>
           </p:cNvPr>
@@ -10004,7 +10007,7 @@
         </p:nvSpPr>
         <p:spPr>
           <a:xfrm>
-            <a:off x="18578243" y="1323975"/>
+            <a:off x="18567357" y="2735040"/>
             <a:ext cx="981075" cy="762000"/>
           </a:xfrm>
           <a:prstGeom prst="rect">
@@ -10044,20 +10047,20 @@
           <a:p>
             <a:r>
               <a:rPr lang="en-US" sz="1000" dirty="0"/>
-              <a:t>10</a:t>
+              <a:t>23</a:t>
             </a:r>
             <a:endParaRPr lang="en-US" dirty="0"/>
           </a:p>
           <a:p>
             <a:r>
               <a:rPr lang="en-US" dirty="0"/>
-              <a:t>Hl7</a:t>
+              <a:t>Cda</a:t>
             </a:r>
           </a:p>
           <a:p>
             <a:r>
               <a:rPr lang="en-US" sz="800" dirty="0"/>
-              <a:t>HL7 Interoperabil.</a:t>
+              <a:t>CDA Support</a:t>
             </a:r>
             <a:endParaRPr lang="en-US" sz="2000" dirty="0"/>
           </a:p>
@@ -10065,10 +10068,10 @@
       </p:sp>
       <p:sp>
         <p:nvSpPr>
-          <p:cNvPr id="123" name="Retângulo 122">
-            <a:extLst>
-              <a:ext uri="{FF2B5EF4-FFF2-40B4-BE49-F238E27FC236}">
-                <a16:creationId xmlns:a16="http://schemas.microsoft.com/office/drawing/2014/main" id="{5024E75C-ACD7-4779-9C07-E12BA98DF9D7}"/>
+          <p:cNvPr id="124" name="Retângulo 123">
+            <a:extLst>
+              <a:ext uri="{FF2B5EF4-FFF2-40B4-BE49-F238E27FC236}">
+                <a16:creationId xmlns:a16="http://schemas.microsoft.com/office/drawing/2014/main" id="{994CDFCA-3DA4-47AE-AB33-85FDE24CBDC7}"/>
               </a:ext>
             </a:extLst>
           </p:cNvPr>
@@ -10077,7 +10080,7 @@
         </p:nvSpPr>
         <p:spPr>
           <a:xfrm>
-            <a:off x="18578243" y="2114550"/>
+            <a:off x="18567357" y="3535140"/>
             <a:ext cx="981075" cy="762000"/>
           </a:xfrm>
           <a:prstGeom prst="rect">
@@ -10117,20 +10120,20 @@
           <a:p>
             <a:r>
               <a:rPr lang="en-US" sz="1000" dirty="0"/>
-              <a:t>18</a:t>
+              <a:t>43</a:t>
             </a:r>
             <a:endParaRPr lang="en-US" dirty="0"/>
           </a:p>
           <a:p>
             <a:r>
               <a:rPr lang="en-US" dirty="0"/>
-              <a:t>Cda</a:t>
+              <a:t>Sda</a:t>
             </a:r>
           </a:p>
           <a:p>
             <a:r>
               <a:rPr lang="en-US" sz="800" dirty="0"/>
-              <a:t>CDA Support</a:t>
+              <a:t>SDA Support</a:t>
             </a:r>
             <a:endParaRPr lang="en-US" sz="2000" dirty="0"/>
           </a:p>
@@ -10138,10 +10141,10 @@
       </p:sp>
       <p:sp>
         <p:nvSpPr>
-          <p:cNvPr id="124" name="Retângulo 123">
-            <a:extLst>
-              <a:ext uri="{FF2B5EF4-FFF2-40B4-BE49-F238E27FC236}">
-                <a16:creationId xmlns:a16="http://schemas.microsoft.com/office/drawing/2014/main" id="{994CDFCA-3DA4-47AE-AB33-85FDE24CBDC7}"/>
+          <p:cNvPr id="125" name="Retângulo 124">
+            <a:extLst>
+              <a:ext uri="{FF2B5EF4-FFF2-40B4-BE49-F238E27FC236}">
+                <a16:creationId xmlns:a16="http://schemas.microsoft.com/office/drawing/2014/main" id="{1476CDAE-B690-408D-85A5-1B6E8AAB6E93}"/>
               </a:ext>
             </a:extLst>
           </p:cNvPr>
@@ -10150,7 +10153,7 @@
         </p:nvSpPr>
         <p:spPr>
           <a:xfrm>
-            <a:off x="18578243" y="2914650"/>
+            <a:off x="18567357" y="4335240"/>
             <a:ext cx="981075" cy="762000"/>
           </a:xfrm>
           <a:prstGeom prst="rect">
@@ -10190,20 +10193,20 @@
           <a:p>
             <a:r>
               <a:rPr lang="en-US" sz="1000" dirty="0"/>
-              <a:t>36</a:t>
+              <a:t>63</a:t>
             </a:r>
             <a:endParaRPr lang="en-US" dirty="0"/>
           </a:p>
           <a:p>
             <a:r>
               <a:rPr lang="en-US" dirty="0"/>
-              <a:t>Sda</a:t>
+              <a:t>Dic</a:t>
             </a:r>
           </a:p>
           <a:p>
             <a:r>
               <a:rPr lang="en-US" sz="800" dirty="0"/>
-              <a:t>SDA Support</a:t>
+              <a:t>DICOM Support</a:t>
             </a:r>
             <a:endParaRPr lang="en-US" sz="2000" dirty="0"/>
           </a:p>
@@ -10211,10 +10214,10 @@
       </p:sp>
       <p:sp>
         <p:nvSpPr>
-          <p:cNvPr id="125" name="Retângulo 124">
-            <a:extLst>
-              <a:ext uri="{FF2B5EF4-FFF2-40B4-BE49-F238E27FC236}">
-                <a16:creationId xmlns:a16="http://schemas.microsoft.com/office/drawing/2014/main" id="{1476CDAE-B690-408D-85A5-1B6E8AAB6E93}"/>
+          <p:cNvPr id="126" name="Retângulo 125">
+            <a:extLst>
+              <a:ext uri="{FF2B5EF4-FFF2-40B4-BE49-F238E27FC236}">
+                <a16:creationId xmlns:a16="http://schemas.microsoft.com/office/drawing/2014/main" id="{D9FF6C05-186F-4FAD-8238-C52D7E3B09B5}"/>
               </a:ext>
             </a:extLst>
           </p:cNvPr>
@@ -10223,7 +10226,7 @@
         </p:nvSpPr>
         <p:spPr>
           <a:xfrm>
-            <a:off x="18578243" y="3714750"/>
+            <a:off x="18567357" y="5135340"/>
             <a:ext cx="981075" cy="762000"/>
           </a:xfrm>
           <a:prstGeom prst="rect">
@@ -10263,20 +10266,20 @@
           <a:p>
             <a:r>
               <a:rPr lang="en-US" sz="1000" dirty="0"/>
-              <a:t>54</a:t>
+              <a:t>83</a:t>
             </a:r>
             <a:endParaRPr lang="en-US" dirty="0"/>
           </a:p>
           <a:p>
             <a:r>
               <a:rPr lang="en-US" dirty="0"/>
-              <a:t>Dic</a:t>
+              <a:t>Hipaa</a:t>
             </a:r>
           </a:p>
           <a:p>
             <a:r>
               <a:rPr lang="en-US" sz="800" dirty="0"/>
-              <a:t>DICOM Support</a:t>
+              <a:t>HIPAA Compliant</a:t>
             </a:r>
             <a:endParaRPr lang="en-US" sz="2000" dirty="0"/>
           </a:p>
@@ -10284,10 +10287,10 @@
       </p:sp>
       <p:sp>
         <p:nvSpPr>
-          <p:cNvPr id="126" name="Retângulo 125">
-            <a:extLst>
-              <a:ext uri="{FF2B5EF4-FFF2-40B4-BE49-F238E27FC236}">
-                <a16:creationId xmlns:a16="http://schemas.microsoft.com/office/drawing/2014/main" id="{D9FF6C05-186F-4FAD-8238-C52D7E3B09B5}"/>
+          <p:cNvPr id="127" name="Retângulo 126">
+            <a:extLst>
+              <a:ext uri="{FF2B5EF4-FFF2-40B4-BE49-F238E27FC236}">
+                <a16:creationId xmlns:a16="http://schemas.microsoft.com/office/drawing/2014/main" id="{382D8D90-AA5D-4A50-9667-D972C86F10EF}"/>
               </a:ext>
             </a:extLst>
           </p:cNvPr>
@@ -10296,7 +10299,7 @@
         </p:nvSpPr>
         <p:spPr>
           <a:xfrm>
-            <a:off x="18578243" y="4514850"/>
+            <a:off x="18567357" y="5935440"/>
             <a:ext cx="981075" cy="762000"/>
           </a:xfrm>
           <a:prstGeom prst="rect">
@@ -10336,20 +10339,20 @@
           <a:p>
             <a:r>
               <a:rPr lang="en-US" sz="1000" dirty="0"/>
-              <a:t>72</a:t>
+              <a:t>103</a:t>
             </a:r>
             <a:endParaRPr lang="en-US" dirty="0"/>
           </a:p>
           <a:p>
             <a:r>
               <a:rPr lang="en-US" dirty="0"/>
-              <a:t>Hipaa</a:t>
+              <a:t>Astm</a:t>
             </a:r>
           </a:p>
           <a:p>
             <a:r>
               <a:rPr lang="en-US" sz="800" dirty="0"/>
-              <a:t>HIPAA Compliant</a:t>
+              <a:t>ASTM Support</a:t>
             </a:r>
             <a:endParaRPr lang="en-US" sz="2000" dirty="0"/>
           </a:p>
@@ -10357,10 +10360,10 @@
       </p:sp>
       <p:sp>
         <p:nvSpPr>
-          <p:cNvPr id="127" name="Retângulo 126">
-            <a:extLst>
-              <a:ext uri="{FF2B5EF4-FFF2-40B4-BE49-F238E27FC236}">
-                <a16:creationId xmlns:a16="http://schemas.microsoft.com/office/drawing/2014/main" id="{382D8D90-AA5D-4A50-9667-D972C86F10EF}"/>
+          <p:cNvPr id="128" name="Retângulo 127">
+            <a:extLst>
+              <a:ext uri="{FF2B5EF4-FFF2-40B4-BE49-F238E27FC236}">
+                <a16:creationId xmlns:a16="http://schemas.microsoft.com/office/drawing/2014/main" id="{71B561CA-2865-4825-AB09-BC88B6C8C649}"/>
               </a:ext>
             </a:extLst>
           </p:cNvPr>
@@ -10369,7 +10372,7 @@
         </p:nvSpPr>
         <p:spPr>
           <a:xfrm>
-            <a:off x="18578243" y="5314950"/>
+            <a:off x="18567357" y="1141759"/>
             <a:ext cx="981075" cy="762000"/>
           </a:xfrm>
           <a:prstGeom prst="rect">
@@ -10409,20 +10412,20 @@
           <a:p>
             <a:r>
               <a:rPr lang="en-US" sz="1000" dirty="0"/>
-              <a:t>90</a:t>
+              <a:t>3</a:t>
             </a:r>
             <a:endParaRPr lang="en-US" dirty="0"/>
           </a:p>
           <a:p>
             <a:r>
               <a:rPr lang="en-US" dirty="0"/>
-              <a:t>Astm</a:t>
+              <a:t>Fhir</a:t>
             </a:r>
           </a:p>
           <a:p>
             <a:r>
               <a:rPr lang="en-US" sz="800" dirty="0"/>
-              <a:t>ASTM Support</a:t>
+              <a:t>FHIR Server/Client</a:t>
             </a:r>
             <a:endParaRPr lang="en-US" sz="2000" dirty="0"/>
           </a:p>
@@ -10430,10 +10433,10 @@
       </p:sp>
       <p:sp>
         <p:nvSpPr>
-          <p:cNvPr id="128" name="Retângulo 127">
-            <a:extLst>
-              <a:ext uri="{FF2B5EF4-FFF2-40B4-BE49-F238E27FC236}">
-                <a16:creationId xmlns:a16="http://schemas.microsoft.com/office/drawing/2014/main" id="{71B561CA-2865-4825-AB09-BC88B6C8C649}"/>
+          <p:cNvPr id="129" name="Retângulo 128">
+            <a:extLst>
+              <a:ext uri="{FF2B5EF4-FFF2-40B4-BE49-F238E27FC236}">
+                <a16:creationId xmlns:a16="http://schemas.microsoft.com/office/drawing/2014/main" id="{4AF3511D-9593-4B7E-BCFA-C662CD3C2E62}"/>
               </a:ext>
             </a:extLst>
           </p:cNvPr>
@@ -10442,8 +10445,8 @@
         </p:nvSpPr>
         <p:spPr>
           <a:xfrm>
-            <a:off x="18578243" y="521269"/>
-            <a:ext cx="981075" cy="762000"/>
+            <a:off x="10781367" y="1809169"/>
+            <a:ext cx="262800" cy="223388"/>
           </a:xfrm>
           <a:prstGeom prst="rect">
             <a:avLst/>
@@ -10480,33 +10483,51 @@
           </a:bodyPr>
           <a:lstStyle/>
           <a:p>
-            <a:r>
-              <a:rPr lang="en-US" sz="1000" dirty="0"/>
-              <a:t>2</a:t>
-            </a:r>
-            <a:endParaRPr lang="en-US" dirty="0"/>
-          </a:p>
-          <a:p>
-            <a:r>
-              <a:rPr lang="en-US" dirty="0"/>
-              <a:t>Fhir</a:t>
-            </a:r>
-          </a:p>
-          <a:p>
-            <a:r>
-              <a:rPr lang="en-US" sz="800" dirty="0"/>
-              <a:t>FHIR Server/Client</a:t>
-            </a:r>
-            <a:endParaRPr lang="en-US" sz="2000" dirty="0"/>
-          </a:p>
-        </p:txBody>
-      </p:sp>
-      <p:sp>
-        <p:nvSpPr>
-          <p:cNvPr id="129" name="Retângulo 128">
-            <a:extLst>
-              <a:ext uri="{FF2B5EF4-FFF2-40B4-BE49-F238E27FC236}">
-                <a16:creationId xmlns:a16="http://schemas.microsoft.com/office/drawing/2014/main" id="{4AF3511D-9593-4B7E-BCFA-C662CD3C2E62}"/>
+            <a:endParaRPr lang="pt-BR" sz="1000"/>
+          </a:p>
+        </p:txBody>
+      </p:sp>
+      <p:sp>
+        <p:nvSpPr>
+          <p:cNvPr id="130" name="CaixaDeTexto 129">
+            <a:extLst>
+              <a:ext uri="{FF2B5EF4-FFF2-40B4-BE49-F238E27FC236}">
+                <a16:creationId xmlns:a16="http://schemas.microsoft.com/office/drawing/2014/main" id="{D135A32A-ABA2-4551-B13B-3D58E59909BB}"/>
+              </a:ext>
+            </a:extLst>
+          </p:cNvPr>
+          <p:cNvSpPr txBox="1"/>
+          <p:nvPr/>
+        </p:nvSpPr>
+        <p:spPr>
+          <a:xfrm>
+            <a:off x="11002633" y="1742826"/>
+            <a:ext cx="1742144" cy="369332"/>
+          </a:xfrm>
+          <a:prstGeom prst="rect">
+            <a:avLst/>
+          </a:prstGeom>
+          <a:noFill/>
+        </p:spPr>
+        <p:txBody>
+          <a:bodyPr wrap="none" rtlCol="0">
+            <a:spAutoFit/>
+          </a:bodyPr>
+          <a:lstStyle/>
+          <a:p>
+            <a:r>
+              <a:rPr lang="pt-BR" dirty="0"/>
+              <a:t>IRIS FOR HEALTH</a:t>
+            </a:r>
+          </a:p>
+        </p:txBody>
+      </p:sp>
+      <p:sp>
+        <p:nvSpPr>
+          <p:cNvPr id="131" name="Retângulo 130">
+            <a:extLst>
+              <a:ext uri="{FF2B5EF4-FFF2-40B4-BE49-F238E27FC236}">
+                <a16:creationId xmlns:a16="http://schemas.microsoft.com/office/drawing/2014/main" id="{9A304B94-FEB8-4914-BD9F-F2F465837EA7}"/>
               </a:ext>
             </a:extLst>
           </p:cNvPr>
@@ -10515,14 +10536,14 @@
         </p:nvSpPr>
         <p:spPr>
           <a:xfrm>
-            <a:off x="10781367" y="1177782"/>
-            <a:ext cx="262800" cy="223388"/>
-          </a:xfrm>
-          <a:prstGeom prst="rect">
-            <a:avLst/>
-          </a:prstGeom>
-          <a:solidFill>
-            <a:srgbClr val="002060"/>
+            <a:off x="1127683" y="1956723"/>
+            <a:ext cx="981075" cy="762000"/>
+          </a:xfrm>
+          <a:prstGeom prst="rect">
+            <a:avLst/>
+          </a:prstGeom>
+          <a:solidFill>
+            <a:srgbClr val="FF9933"/>
           </a:solidFill>
           <a:ln>
             <a:noFill/>
@@ -10553,16 +10574,1135 @@
           </a:bodyPr>
           <a:lstStyle/>
           <a:p>
+            <a:r>
+              <a:rPr lang="en-US" sz="1000" dirty="0"/>
+              <a:t>6</a:t>
+            </a:r>
+            <a:endParaRPr lang="en-US" dirty="0"/>
+          </a:p>
+          <a:p>
+            <a:r>
+              <a:rPr lang="en-US" dirty="0"/>
+              <a:t>Java</a:t>
+            </a:r>
+          </a:p>
+          <a:p>
+            <a:r>
+              <a:rPr lang="en-US" sz="800" dirty="0"/>
+              <a:t>Java Native API</a:t>
+            </a:r>
+            <a:endParaRPr lang="en-US" sz="2000" dirty="0"/>
+          </a:p>
+        </p:txBody>
+      </p:sp>
+      <p:sp>
+        <p:nvSpPr>
+          <p:cNvPr id="132" name="Retângulo 131">
+            <a:extLst>
+              <a:ext uri="{FF2B5EF4-FFF2-40B4-BE49-F238E27FC236}">
+                <a16:creationId xmlns:a16="http://schemas.microsoft.com/office/drawing/2014/main" id="{9BAF1FF6-05F7-4246-AF1A-4DE23ADE10F9}"/>
+              </a:ext>
+            </a:extLst>
+          </p:cNvPr>
+          <p:cNvSpPr/>
+          <p:nvPr/>
+        </p:nvSpPr>
+        <p:spPr>
+          <a:xfrm>
+            <a:off x="1127683" y="2747298"/>
+            <a:ext cx="981075" cy="762000"/>
+          </a:xfrm>
+          <a:prstGeom prst="rect">
+            <a:avLst/>
+          </a:prstGeom>
+          <a:solidFill>
+            <a:srgbClr val="FF9933"/>
+          </a:solidFill>
+          <a:ln>
+            <a:noFill/>
+          </a:ln>
+        </p:spPr>
+        <p:style>
+          <a:lnRef idx="2">
+            <a:schemeClr val="accent1">
+              <a:shade val="50000"/>
+            </a:schemeClr>
+          </a:lnRef>
+          <a:fillRef idx="1">
+            <a:schemeClr val="accent1"/>
+          </a:fillRef>
+          <a:effectRef idx="0">
+            <a:schemeClr val="accent1"/>
+          </a:effectRef>
+          <a:fontRef idx="minor">
+            <a:schemeClr val="lt1"/>
+          </a:fontRef>
+        </p:style>
+        <p:txBody>
+          <a:bodyPr rot="0" spcFirstLastPara="0" vertOverflow="overflow" horzOverflow="overflow" vert="horz" wrap="square" lIns="91440" tIns="45720" rIns="91440" bIns="45720" numCol="1" spcCol="0" rtlCol="0" fromWordArt="0" anchor="ctr" anchorCtr="0" forceAA="0" compatLnSpc="1">
+            <a:prstTxWarp prst="textNoShape">
+              <a:avLst/>
+            </a:prstTxWarp>
+            <a:noAutofit/>
+          </a:bodyPr>
+          <a:lstStyle/>
+          <a:p>
+            <a:r>
+              <a:rPr lang="en-US" sz="1000" dirty="0"/>
+              <a:t>16</a:t>
+            </a:r>
+            <a:endParaRPr lang="en-US" dirty="0"/>
+          </a:p>
+          <a:p>
+            <a:r>
+              <a:rPr lang="en-US" dirty="0"/>
+              <a:t>Net</a:t>
+            </a:r>
+          </a:p>
+          <a:p>
+            <a:r>
+              <a:rPr lang="en-US" sz="800" dirty="0"/>
+              <a:t>.Net Native API</a:t>
+            </a:r>
+            <a:endParaRPr lang="en-US" sz="2000" dirty="0"/>
+          </a:p>
+        </p:txBody>
+      </p:sp>
+      <p:sp>
+        <p:nvSpPr>
+          <p:cNvPr id="133" name="Retângulo 132">
+            <a:extLst>
+              <a:ext uri="{FF2B5EF4-FFF2-40B4-BE49-F238E27FC236}">
+                <a16:creationId xmlns:a16="http://schemas.microsoft.com/office/drawing/2014/main" id="{50FC79BA-7B3D-465C-9F07-A82A82C228DC}"/>
+              </a:ext>
+            </a:extLst>
+          </p:cNvPr>
+          <p:cNvSpPr/>
+          <p:nvPr/>
+        </p:nvSpPr>
+        <p:spPr>
+          <a:xfrm>
+            <a:off x="1127683" y="3547398"/>
+            <a:ext cx="981075" cy="762000"/>
+          </a:xfrm>
+          <a:prstGeom prst="rect">
+            <a:avLst/>
+          </a:prstGeom>
+          <a:solidFill>
+            <a:srgbClr val="FF9933"/>
+          </a:solidFill>
+          <a:ln>
+            <a:noFill/>
+          </a:ln>
+        </p:spPr>
+        <p:style>
+          <a:lnRef idx="2">
+            <a:schemeClr val="accent1">
+              <a:shade val="50000"/>
+            </a:schemeClr>
+          </a:lnRef>
+          <a:fillRef idx="1">
+            <a:schemeClr val="accent1"/>
+          </a:fillRef>
+          <a:effectRef idx="0">
+            <a:schemeClr val="accent1"/>
+          </a:effectRef>
+          <a:fontRef idx="minor">
+            <a:schemeClr val="lt1"/>
+          </a:fontRef>
+        </p:style>
+        <p:txBody>
+          <a:bodyPr rot="0" spcFirstLastPara="0" vertOverflow="overflow" horzOverflow="overflow" vert="horz" wrap="square" lIns="91440" tIns="45720" rIns="91440" bIns="45720" numCol="1" spcCol="0" rtlCol="0" fromWordArt="0" anchor="ctr" anchorCtr="0" forceAA="0" compatLnSpc="1">
+            <a:prstTxWarp prst="textNoShape">
+              <a:avLst/>
+            </a:prstTxWarp>
+            <a:noAutofit/>
+          </a:bodyPr>
+          <a:lstStyle/>
+          <a:p>
+            <a:r>
+              <a:rPr lang="en-US" sz="1000" dirty="0"/>
+              <a:t>26</a:t>
+            </a:r>
+            <a:endParaRPr lang="en-US" dirty="0"/>
+          </a:p>
+          <a:p>
+            <a:r>
+              <a:rPr lang="en-US" dirty="0"/>
+              <a:t>Py</a:t>
+            </a:r>
+          </a:p>
+          <a:p>
+            <a:r>
+              <a:rPr lang="en-US" sz="800" dirty="0"/>
+              <a:t>Python Native API</a:t>
+            </a:r>
+            <a:endParaRPr lang="en-US" sz="2000" dirty="0"/>
+          </a:p>
+        </p:txBody>
+      </p:sp>
+      <p:sp>
+        <p:nvSpPr>
+          <p:cNvPr id="134" name="Retângulo 133">
+            <a:extLst>
+              <a:ext uri="{FF2B5EF4-FFF2-40B4-BE49-F238E27FC236}">
+                <a16:creationId xmlns:a16="http://schemas.microsoft.com/office/drawing/2014/main" id="{4754F67F-42E9-46D4-BCE6-1EAB89EBA9DF}"/>
+              </a:ext>
+            </a:extLst>
+          </p:cNvPr>
+          <p:cNvSpPr/>
+          <p:nvPr/>
+        </p:nvSpPr>
+        <p:spPr>
+          <a:xfrm>
+            <a:off x="1127683" y="4347498"/>
+            <a:ext cx="981075" cy="762000"/>
+          </a:xfrm>
+          <a:prstGeom prst="rect">
+            <a:avLst/>
+          </a:prstGeom>
+          <a:solidFill>
+            <a:srgbClr val="FF9933"/>
+          </a:solidFill>
+          <a:ln>
+            <a:noFill/>
+          </a:ln>
+        </p:spPr>
+        <p:style>
+          <a:lnRef idx="2">
+            <a:schemeClr val="accent1">
+              <a:shade val="50000"/>
+            </a:schemeClr>
+          </a:lnRef>
+          <a:fillRef idx="1">
+            <a:schemeClr val="accent1"/>
+          </a:fillRef>
+          <a:effectRef idx="0">
+            <a:schemeClr val="accent1"/>
+          </a:effectRef>
+          <a:fontRef idx="minor">
+            <a:schemeClr val="lt1"/>
+          </a:fontRef>
+        </p:style>
+        <p:txBody>
+          <a:bodyPr rot="0" spcFirstLastPara="0" vertOverflow="overflow" horzOverflow="overflow" vert="horz" wrap="square" lIns="91440" tIns="45720" rIns="91440" bIns="45720" numCol="1" spcCol="0" rtlCol="0" fromWordArt="0" anchor="ctr" anchorCtr="0" forceAA="0" compatLnSpc="1">
+            <a:prstTxWarp prst="textNoShape">
+              <a:avLst/>
+            </a:prstTxWarp>
+            <a:noAutofit/>
+          </a:bodyPr>
+          <a:lstStyle/>
+          <a:p>
+            <a:r>
+              <a:rPr lang="en-US" sz="1000" dirty="0"/>
+              <a:t>46</a:t>
+            </a:r>
+            <a:endParaRPr lang="en-US" dirty="0"/>
+          </a:p>
+          <a:p>
+            <a:r>
+              <a:rPr lang="en-US" dirty="0"/>
+              <a:t>C</a:t>
+            </a:r>
+          </a:p>
+          <a:p>
+            <a:r>
+              <a:rPr lang="en-US" sz="800" dirty="0"/>
+              <a:t>Callin/Callout C</a:t>
+            </a:r>
+            <a:endParaRPr lang="en-US" sz="2000" dirty="0"/>
+          </a:p>
+        </p:txBody>
+      </p:sp>
+      <p:sp>
+        <p:nvSpPr>
+          <p:cNvPr id="135" name="Retângulo 134">
+            <a:extLst>
+              <a:ext uri="{FF2B5EF4-FFF2-40B4-BE49-F238E27FC236}">
+                <a16:creationId xmlns:a16="http://schemas.microsoft.com/office/drawing/2014/main" id="{9DD60F5B-C246-4FD6-BADC-7053D5D791C6}"/>
+              </a:ext>
+            </a:extLst>
+          </p:cNvPr>
+          <p:cNvSpPr/>
+          <p:nvPr/>
+        </p:nvSpPr>
+        <p:spPr>
+          <a:xfrm>
+            <a:off x="1127683" y="5147598"/>
+            <a:ext cx="981075" cy="762000"/>
+          </a:xfrm>
+          <a:prstGeom prst="rect">
+            <a:avLst/>
+          </a:prstGeom>
+          <a:solidFill>
+            <a:srgbClr val="FF9933"/>
+          </a:solidFill>
+          <a:ln>
+            <a:noFill/>
+          </a:ln>
+        </p:spPr>
+        <p:style>
+          <a:lnRef idx="2">
+            <a:schemeClr val="accent1">
+              <a:shade val="50000"/>
+            </a:schemeClr>
+          </a:lnRef>
+          <a:fillRef idx="1">
+            <a:schemeClr val="accent1"/>
+          </a:fillRef>
+          <a:effectRef idx="0">
+            <a:schemeClr val="accent1"/>
+          </a:effectRef>
+          <a:fontRef idx="minor">
+            <a:schemeClr val="lt1"/>
+          </a:fontRef>
+        </p:style>
+        <p:txBody>
+          <a:bodyPr rot="0" spcFirstLastPara="0" vertOverflow="overflow" horzOverflow="overflow" vert="horz" wrap="square" lIns="91440" tIns="45720" rIns="91440" bIns="45720" numCol="1" spcCol="0" rtlCol="0" fromWordArt="0" anchor="ctr" anchorCtr="0" forceAA="0" compatLnSpc="1">
+            <a:prstTxWarp prst="textNoShape">
+              <a:avLst/>
+            </a:prstTxWarp>
+            <a:noAutofit/>
+          </a:bodyPr>
+          <a:lstStyle/>
+          <a:p>
+            <a:r>
+              <a:rPr lang="en-US" sz="1000" dirty="0"/>
+              <a:t>66</a:t>
+            </a:r>
+            <a:endParaRPr lang="en-US" dirty="0"/>
+          </a:p>
+          <a:p>
+            <a:r>
+              <a:rPr lang="en-US" dirty="0"/>
+              <a:t>Js</a:t>
+            </a:r>
+          </a:p>
+          <a:p>
+            <a:r>
+              <a:rPr lang="en-US" sz="800" dirty="0"/>
+              <a:t>Node.js Native API</a:t>
+            </a:r>
+            <a:endParaRPr lang="en-US" sz="2000" dirty="0"/>
+          </a:p>
+        </p:txBody>
+      </p:sp>
+      <p:sp>
+        <p:nvSpPr>
+          <p:cNvPr id="136" name="Retângulo 135">
+            <a:extLst>
+              <a:ext uri="{FF2B5EF4-FFF2-40B4-BE49-F238E27FC236}">
+                <a16:creationId xmlns:a16="http://schemas.microsoft.com/office/drawing/2014/main" id="{4B2662E7-18C1-4CDE-851F-CE53D9B3275B}"/>
+              </a:ext>
+            </a:extLst>
+          </p:cNvPr>
+          <p:cNvSpPr/>
+          <p:nvPr/>
+        </p:nvSpPr>
+        <p:spPr>
+          <a:xfrm>
+            <a:off x="1127683" y="5947698"/>
+            <a:ext cx="981075" cy="762000"/>
+          </a:xfrm>
+          <a:prstGeom prst="rect">
+            <a:avLst/>
+          </a:prstGeom>
+          <a:solidFill>
+            <a:srgbClr val="FF9933"/>
+          </a:solidFill>
+          <a:ln>
+            <a:noFill/>
+          </a:ln>
+        </p:spPr>
+        <p:style>
+          <a:lnRef idx="2">
+            <a:schemeClr val="accent1">
+              <a:shade val="50000"/>
+            </a:schemeClr>
+          </a:lnRef>
+          <a:fillRef idx="1">
+            <a:schemeClr val="accent1"/>
+          </a:fillRef>
+          <a:effectRef idx="0">
+            <a:schemeClr val="accent1"/>
+          </a:effectRef>
+          <a:fontRef idx="minor">
+            <a:schemeClr val="lt1"/>
+          </a:fontRef>
+        </p:style>
+        <p:txBody>
+          <a:bodyPr rot="0" spcFirstLastPara="0" vertOverflow="overflow" horzOverflow="overflow" vert="horz" wrap="square" lIns="91440" tIns="45720" rIns="91440" bIns="45720" numCol="1" spcCol="0" rtlCol="0" fromWordArt="0" anchor="ctr" anchorCtr="0" forceAA="0" compatLnSpc="1">
+            <a:prstTxWarp prst="textNoShape">
+              <a:avLst/>
+            </a:prstTxWarp>
+            <a:noAutofit/>
+          </a:bodyPr>
+          <a:lstStyle/>
+          <a:p>
+            <a:r>
+              <a:rPr lang="en-US" sz="1000" dirty="0"/>
+              <a:t>86</a:t>
+            </a:r>
+            <a:endParaRPr lang="en-US" dirty="0"/>
+          </a:p>
+          <a:p>
+            <a:r>
+              <a:rPr lang="en-US" dirty="0"/>
+              <a:t>Obs</a:t>
+            </a:r>
+          </a:p>
+          <a:p>
+            <a:r>
+              <a:rPr lang="en-US" sz="800" dirty="0"/>
+              <a:t>Object Script</a:t>
+            </a:r>
+            <a:endParaRPr lang="en-US" sz="2000" dirty="0"/>
+          </a:p>
+        </p:txBody>
+      </p:sp>
+      <p:sp>
+        <p:nvSpPr>
+          <p:cNvPr id="137" name="Retângulo 136">
+            <a:extLst>
+              <a:ext uri="{FF2B5EF4-FFF2-40B4-BE49-F238E27FC236}">
+                <a16:creationId xmlns:a16="http://schemas.microsoft.com/office/drawing/2014/main" id="{87053E87-544C-4AE2-BCBA-814A3C5C35E3}"/>
+              </a:ext>
+            </a:extLst>
+          </p:cNvPr>
+          <p:cNvSpPr/>
+          <p:nvPr/>
+        </p:nvSpPr>
+        <p:spPr>
+          <a:xfrm>
+            <a:off x="108609" y="359475"/>
+            <a:ext cx="981075" cy="762000"/>
+          </a:xfrm>
+          <a:prstGeom prst="rect">
+            <a:avLst/>
+          </a:prstGeom>
+          <a:solidFill>
+            <a:srgbClr val="FFC000"/>
+          </a:solidFill>
+          <a:ln>
+            <a:noFill/>
+          </a:ln>
+        </p:spPr>
+        <p:style>
+          <a:lnRef idx="2">
+            <a:schemeClr val="accent1">
+              <a:shade val="50000"/>
+            </a:schemeClr>
+          </a:lnRef>
+          <a:fillRef idx="1">
+            <a:schemeClr val="accent1"/>
+          </a:fillRef>
+          <a:effectRef idx="0">
+            <a:schemeClr val="accent1"/>
+          </a:effectRef>
+          <a:fontRef idx="minor">
+            <a:schemeClr val="lt1"/>
+          </a:fontRef>
+        </p:style>
+        <p:txBody>
+          <a:bodyPr rot="0" spcFirstLastPara="0" vertOverflow="overflow" horzOverflow="overflow" vert="horz" wrap="square" lIns="91440" tIns="45720" rIns="91440" bIns="45720" numCol="1" spcCol="0" rtlCol="0" fromWordArt="0" anchor="ctr" anchorCtr="0" forceAA="0" compatLnSpc="1">
+            <a:prstTxWarp prst="textNoShape">
+              <a:avLst/>
+            </a:prstTxWarp>
+            <a:noAutofit/>
+          </a:bodyPr>
+          <a:lstStyle/>
+          <a:p>
+            <a:r>
+              <a:rPr lang="en-US" sz="1000" dirty="0"/>
+              <a:t>1</a:t>
+            </a:r>
+            <a:endParaRPr lang="en-US" dirty="0"/>
+          </a:p>
+          <a:p>
+            <a:r>
+              <a:rPr lang="en-US" dirty="0"/>
+              <a:t>Ggl</a:t>
+            </a:r>
+          </a:p>
+          <a:p>
+            <a:r>
+              <a:rPr lang="en-US" sz="800" dirty="0"/>
+              <a:t>Globals</a:t>
+            </a:r>
+            <a:endParaRPr lang="en-US" sz="2000" dirty="0"/>
+          </a:p>
+        </p:txBody>
+      </p:sp>
+      <p:sp>
+        <p:nvSpPr>
+          <p:cNvPr id="139" name="Retângulo 138">
+            <a:extLst>
+              <a:ext uri="{FF2B5EF4-FFF2-40B4-BE49-F238E27FC236}">
+                <a16:creationId xmlns:a16="http://schemas.microsoft.com/office/drawing/2014/main" id="{A77EE4BF-4E42-436C-9A30-9D93BB4A66BC}"/>
+              </a:ext>
+            </a:extLst>
+          </p:cNvPr>
+          <p:cNvSpPr/>
+          <p:nvPr/>
+        </p:nvSpPr>
+        <p:spPr>
+          <a:xfrm>
+            <a:off x="2150937" y="1954005"/>
+            <a:ext cx="981075" cy="762000"/>
+          </a:xfrm>
+          <a:prstGeom prst="rect">
+            <a:avLst/>
+          </a:prstGeom>
+          <a:solidFill>
+            <a:srgbClr val="FF9933"/>
+          </a:solidFill>
+          <a:ln>
+            <a:noFill/>
+          </a:ln>
+        </p:spPr>
+        <p:style>
+          <a:lnRef idx="2">
+            <a:schemeClr val="accent1">
+              <a:shade val="50000"/>
+            </a:schemeClr>
+          </a:lnRef>
+          <a:fillRef idx="1">
+            <a:schemeClr val="accent1"/>
+          </a:fillRef>
+          <a:effectRef idx="0">
+            <a:schemeClr val="accent1"/>
+          </a:effectRef>
+          <a:fontRef idx="minor">
+            <a:schemeClr val="lt1"/>
+          </a:fontRef>
+        </p:style>
+        <p:txBody>
+          <a:bodyPr rot="0" spcFirstLastPara="0" vertOverflow="overflow" horzOverflow="overflow" vert="horz" wrap="square" lIns="91440" tIns="45720" rIns="91440" bIns="45720" numCol="1" spcCol="0" rtlCol="0" fromWordArt="0" anchor="ctr" anchorCtr="0" forceAA="0" compatLnSpc="1">
+            <a:prstTxWarp prst="textNoShape">
+              <a:avLst/>
+            </a:prstTxWarp>
+            <a:noAutofit/>
+          </a:bodyPr>
+          <a:lstStyle/>
+          <a:p>
+            <a:r>
+              <a:rPr lang="en-US" sz="1000" dirty="0"/>
+              <a:t>7</a:t>
+            </a:r>
+            <a:endParaRPr lang="en-US" dirty="0"/>
+          </a:p>
+          <a:p>
+            <a:r>
+              <a:rPr lang="en-US" dirty="0"/>
+              <a:t>Mv</a:t>
+            </a:r>
+          </a:p>
+          <a:p>
+            <a:r>
+              <a:rPr lang="en-US" sz="800" dirty="0"/>
+              <a:t>Caché Multivalue</a:t>
+            </a:r>
+            <a:endParaRPr lang="en-US" sz="2000" dirty="0"/>
+          </a:p>
+        </p:txBody>
+      </p:sp>
+      <p:sp>
+        <p:nvSpPr>
+          <p:cNvPr id="141" name="Retângulo 140">
+            <a:extLst>
+              <a:ext uri="{FF2B5EF4-FFF2-40B4-BE49-F238E27FC236}">
+                <a16:creationId xmlns:a16="http://schemas.microsoft.com/office/drawing/2014/main" id="{BC145FEB-7342-488D-8B47-EFB33FA3C9EF}"/>
+              </a:ext>
+            </a:extLst>
+          </p:cNvPr>
+          <p:cNvSpPr/>
+          <p:nvPr/>
+        </p:nvSpPr>
+        <p:spPr>
+          <a:xfrm>
+            <a:off x="19612385" y="1955351"/>
+            <a:ext cx="981075" cy="762000"/>
+          </a:xfrm>
+          <a:prstGeom prst="rect">
+            <a:avLst/>
+          </a:prstGeom>
+          <a:solidFill>
+            <a:schemeClr val="tx2">
+              <a:lumMod val="60000"/>
+              <a:lumOff val="40000"/>
+            </a:schemeClr>
+          </a:solidFill>
+          <a:ln>
+            <a:noFill/>
+          </a:ln>
+        </p:spPr>
+        <p:style>
+          <a:lnRef idx="2">
+            <a:schemeClr val="accent1">
+              <a:shade val="50000"/>
+            </a:schemeClr>
+          </a:lnRef>
+          <a:fillRef idx="1">
+            <a:schemeClr val="accent1"/>
+          </a:fillRef>
+          <a:effectRef idx="0">
+            <a:schemeClr val="accent1"/>
+          </a:effectRef>
+          <a:fontRef idx="minor">
+            <a:schemeClr val="lt1"/>
+          </a:fontRef>
+        </p:style>
+        <p:txBody>
+          <a:bodyPr rot="0" spcFirstLastPara="0" vertOverflow="overflow" horzOverflow="overflow" vert="horz" wrap="square" lIns="91440" tIns="45720" rIns="91440" bIns="45720" numCol="1" spcCol="0" rtlCol="0" fromWordArt="0" anchor="ctr" anchorCtr="0" forceAA="0" compatLnSpc="1">
+            <a:prstTxWarp prst="textNoShape">
+              <a:avLst/>
+            </a:prstTxWarp>
+            <a:noAutofit/>
+          </a:bodyPr>
+          <a:lstStyle/>
+          <a:p>
+            <a:r>
+              <a:rPr lang="en-US" sz="1000" dirty="0"/>
+              <a:t>14</a:t>
+            </a:r>
+            <a:endParaRPr lang="en-US" dirty="0"/>
+          </a:p>
+          <a:p>
+            <a:r>
+              <a:rPr lang="en-US" dirty="0"/>
+              <a:t>Unx</a:t>
+            </a:r>
+          </a:p>
+          <a:p>
+            <a:r>
+              <a:rPr lang="en-US" sz="800" dirty="0"/>
+              <a:t>Unix support</a:t>
+            </a:r>
+            <a:endParaRPr lang="en-US" sz="2000" dirty="0"/>
+          </a:p>
+        </p:txBody>
+      </p:sp>
+      <p:sp>
+        <p:nvSpPr>
+          <p:cNvPr id="142" name="Retângulo 141">
+            <a:extLst>
+              <a:ext uri="{FF2B5EF4-FFF2-40B4-BE49-F238E27FC236}">
+                <a16:creationId xmlns:a16="http://schemas.microsoft.com/office/drawing/2014/main" id="{35D7B463-3209-44B1-A102-52A869F433F1}"/>
+              </a:ext>
+            </a:extLst>
+          </p:cNvPr>
+          <p:cNvSpPr/>
+          <p:nvPr/>
+        </p:nvSpPr>
+        <p:spPr>
+          <a:xfrm>
+            <a:off x="19612385" y="2745926"/>
+            <a:ext cx="981075" cy="762000"/>
+          </a:xfrm>
+          <a:prstGeom prst="rect">
+            <a:avLst/>
+          </a:prstGeom>
+          <a:solidFill>
+            <a:schemeClr val="tx2">
+              <a:lumMod val="60000"/>
+              <a:lumOff val="40000"/>
+            </a:schemeClr>
+          </a:solidFill>
+          <a:ln>
+            <a:noFill/>
+          </a:ln>
+        </p:spPr>
+        <p:style>
+          <a:lnRef idx="2">
+            <a:schemeClr val="accent1">
+              <a:shade val="50000"/>
+            </a:schemeClr>
+          </a:lnRef>
+          <a:fillRef idx="1">
+            <a:schemeClr val="accent1"/>
+          </a:fillRef>
+          <a:effectRef idx="0">
+            <a:schemeClr val="accent1"/>
+          </a:effectRef>
+          <a:fontRef idx="minor">
+            <a:schemeClr val="lt1"/>
+          </a:fontRef>
+        </p:style>
+        <p:txBody>
+          <a:bodyPr rot="0" spcFirstLastPara="0" vertOverflow="overflow" horzOverflow="overflow" vert="horz" wrap="square" lIns="91440" tIns="45720" rIns="91440" bIns="45720" numCol="1" spcCol="0" rtlCol="0" fromWordArt="0" anchor="ctr" anchorCtr="0" forceAA="0" compatLnSpc="1">
+            <a:prstTxWarp prst="textNoShape">
+              <a:avLst/>
+            </a:prstTxWarp>
+            <a:noAutofit/>
+          </a:bodyPr>
+          <a:lstStyle/>
+          <a:p>
+            <a:r>
+              <a:rPr lang="en-US" sz="1000" dirty="0"/>
+              <a:t>24</a:t>
+            </a:r>
+            <a:endParaRPr lang="en-US" dirty="0"/>
+          </a:p>
+          <a:p>
+            <a:r>
+              <a:rPr lang="en-US" dirty="0"/>
+              <a:t>Lnx</a:t>
+            </a:r>
+          </a:p>
+          <a:p>
+            <a:r>
+              <a:rPr lang="en-US" sz="800" dirty="0"/>
+              <a:t>Linux Support</a:t>
+            </a:r>
+            <a:endParaRPr lang="en-US" sz="2000" dirty="0"/>
+          </a:p>
+        </p:txBody>
+      </p:sp>
+      <p:sp>
+        <p:nvSpPr>
+          <p:cNvPr id="143" name="Retângulo 142">
+            <a:extLst>
+              <a:ext uri="{FF2B5EF4-FFF2-40B4-BE49-F238E27FC236}">
+                <a16:creationId xmlns:a16="http://schemas.microsoft.com/office/drawing/2014/main" id="{48B8FF19-EF57-4AA1-A7E7-48229EC97A67}"/>
+              </a:ext>
+            </a:extLst>
+          </p:cNvPr>
+          <p:cNvSpPr/>
+          <p:nvPr/>
+        </p:nvSpPr>
+        <p:spPr>
+          <a:xfrm>
+            <a:off x="19612385" y="3546026"/>
+            <a:ext cx="981075" cy="762000"/>
+          </a:xfrm>
+          <a:prstGeom prst="rect">
+            <a:avLst/>
+          </a:prstGeom>
+          <a:solidFill>
+            <a:schemeClr val="tx2">
+              <a:lumMod val="60000"/>
+              <a:lumOff val="40000"/>
+            </a:schemeClr>
+          </a:solidFill>
+          <a:ln>
+            <a:noFill/>
+          </a:ln>
+        </p:spPr>
+        <p:style>
+          <a:lnRef idx="2">
+            <a:schemeClr val="accent1">
+              <a:shade val="50000"/>
+            </a:schemeClr>
+          </a:lnRef>
+          <a:fillRef idx="1">
+            <a:schemeClr val="accent1"/>
+          </a:fillRef>
+          <a:effectRef idx="0">
+            <a:schemeClr val="accent1"/>
+          </a:effectRef>
+          <a:fontRef idx="minor">
+            <a:schemeClr val="lt1"/>
+          </a:fontRef>
+        </p:style>
+        <p:txBody>
+          <a:bodyPr rot="0" spcFirstLastPara="0" vertOverflow="overflow" horzOverflow="overflow" vert="horz" wrap="square" lIns="91440" tIns="45720" rIns="91440" bIns="45720" numCol="1" spcCol="0" rtlCol="0" fromWordArt="0" anchor="ctr" anchorCtr="0" forceAA="0" compatLnSpc="1">
+            <a:prstTxWarp prst="textNoShape">
+              <a:avLst/>
+            </a:prstTxWarp>
+            <a:noAutofit/>
+          </a:bodyPr>
+          <a:lstStyle/>
+          <a:p>
+            <a:r>
+              <a:rPr lang="en-US" sz="1000" dirty="0"/>
+              <a:t>44</a:t>
+            </a:r>
+            <a:endParaRPr lang="en-US" dirty="0"/>
+          </a:p>
+          <a:p>
+            <a:r>
+              <a:rPr lang="en-US" dirty="0"/>
+              <a:t>Win</a:t>
+            </a:r>
+          </a:p>
+          <a:p>
+            <a:r>
+              <a:rPr lang="en-US" sz="800" dirty="0"/>
+              <a:t>Windows Support</a:t>
+            </a:r>
+            <a:endParaRPr lang="en-US" sz="2000" dirty="0"/>
+          </a:p>
+        </p:txBody>
+      </p:sp>
+      <p:sp>
+        <p:nvSpPr>
+          <p:cNvPr id="144" name="Retângulo 143">
+            <a:extLst>
+              <a:ext uri="{FF2B5EF4-FFF2-40B4-BE49-F238E27FC236}">
+                <a16:creationId xmlns:a16="http://schemas.microsoft.com/office/drawing/2014/main" id="{9DD9A1A7-A0D4-4D68-B5E7-5989E3338DB1}"/>
+              </a:ext>
+            </a:extLst>
+          </p:cNvPr>
+          <p:cNvSpPr/>
+          <p:nvPr/>
+        </p:nvSpPr>
+        <p:spPr>
+          <a:xfrm>
+            <a:off x="19612385" y="4346126"/>
+            <a:ext cx="981075" cy="762000"/>
+          </a:xfrm>
+          <a:prstGeom prst="rect">
+            <a:avLst/>
+          </a:prstGeom>
+          <a:solidFill>
+            <a:schemeClr val="tx2">
+              <a:lumMod val="60000"/>
+              <a:lumOff val="40000"/>
+            </a:schemeClr>
+          </a:solidFill>
+          <a:ln>
+            <a:noFill/>
+          </a:ln>
+        </p:spPr>
+        <p:style>
+          <a:lnRef idx="2">
+            <a:schemeClr val="accent1">
+              <a:shade val="50000"/>
+            </a:schemeClr>
+          </a:lnRef>
+          <a:fillRef idx="1">
+            <a:schemeClr val="accent1"/>
+          </a:fillRef>
+          <a:effectRef idx="0">
+            <a:schemeClr val="accent1"/>
+          </a:effectRef>
+          <a:fontRef idx="minor">
+            <a:schemeClr val="lt1"/>
+          </a:fontRef>
+        </p:style>
+        <p:txBody>
+          <a:bodyPr rot="0" spcFirstLastPara="0" vertOverflow="overflow" horzOverflow="overflow" vert="horz" wrap="square" lIns="91440" tIns="45720" rIns="91440" bIns="45720" numCol="1" spcCol="0" rtlCol="0" fromWordArt="0" anchor="ctr" anchorCtr="0" forceAA="0" compatLnSpc="1">
+            <a:prstTxWarp prst="textNoShape">
+              <a:avLst/>
+            </a:prstTxWarp>
+            <a:noAutofit/>
+          </a:bodyPr>
+          <a:lstStyle/>
+          <a:p>
+            <a:r>
+              <a:rPr lang="en-US" sz="1000" dirty="0"/>
+              <a:t>64</a:t>
+            </a:r>
+            <a:endParaRPr lang="en-US" dirty="0"/>
+          </a:p>
+          <a:p>
+            <a:r>
+              <a:rPr lang="en-US" dirty="0"/>
+              <a:t>Adm</a:t>
+            </a:r>
+          </a:p>
+          <a:p>
+            <a:r>
+              <a:rPr lang="en-US" sz="800" dirty="0"/>
+              <a:t>Monitor &amp; Alerts</a:t>
+            </a:r>
+            <a:endParaRPr lang="en-US" sz="2000" dirty="0"/>
+          </a:p>
+        </p:txBody>
+      </p:sp>
+      <p:sp>
+        <p:nvSpPr>
+          <p:cNvPr id="145" name="Retângulo 144">
+            <a:extLst>
+              <a:ext uri="{FF2B5EF4-FFF2-40B4-BE49-F238E27FC236}">
+                <a16:creationId xmlns:a16="http://schemas.microsoft.com/office/drawing/2014/main" id="{84067383-9E43-4FE6-AA36-984808284F69}"/>
+              </a:ext>
+            </a:extLst>
+          </p:cNvPr>
+          <p:cNvSpPr/>
+          <p:nvPr/>
+        </p:nvSpPr>
+        <p:spPr>
+          <a:xfrm>
+            <a:off x="19612385" y="5146226"/>
+            <a:ext cx="981075" cy="762000"/>
+          </a:xfrm>
+          <a:prstGeom prst="rect">
+            <a:avLst/>
+          </a:prstGeom>
+          <a:solidFill>
+            <a:schemeClr val="tx2">
+              <a:lumMod val="60000"/>
+              <a:lumOff val="40000"/>
+            </a:schemeClr>
+          </a:solidFill>
+          <a:ln>
+            <a:noFill/>
+          </a:ln>
+        </p:spPr>
+        <p:style>
+          <a:lnRef idx="2">
+            <a:schemeClr val="accent1">
+              <a:shade val="50000"/>
+            </a:schemeClr>
+          </a:lnRef>
+          <a:fillRef idx="1">
+            <a:schemeClr val="accent1"/>
+          </a:fillRef>
+          <a:effectRef idx="0">
+            <a:schemeClr val="accent1"/>
+          </a:effectRef>
+          <a:fontRef idx="minor">
+            <a:schemeClr val="lt1"/>
+          </a:fontRef>
+        </p:style>
+        <p:txBody>
+          <a:bodyPr rot="0" spcFirstLastPara="0" vertOverflow="overflow" horzOverflow="overflow" vert="horz" wrap="square" lIns="91440" tIns="45720" rIns="91440" bIns="45720" numCol="1" spcCol="0" rtlCol="0" fromWordArt="0" anchor="ctr" anchorCtr="0" forceAA="0" compatLnSpc="1">
+            <a:prstTxWarp prst="textNoShape">
+              <a:avLst/>
+            </a:prstTxWarp>
+            <a:noAutofit/>
+          </a:bodyPr>
+          <a:lstStyle/>
+          <a:p>
+            <a:r>
+              <a:rPr lang="en-US" sz="1000" dirty="0"/>
+              <a:t>84</a:t>
+            </a:r>
+            <a:endParaRPr lang="en-US" dirty="0"/>
+          </a:p>
+          <a:p>
+            <a:r>
+              <a:rPr lang="en-US" dirty="0"/>
+              <a:t>Mac</a:t>
+            </a:r>
+          </a:p>
+          <a:p>
+            <a:r>
+              <a:rPr lang="en-US" sz="800" dirty="0"/>
+              <a:t>MacOS support</a:t>
+            </a:r>
+            <a:endParaRPr lang="en-US" sz="2000" dirty="0"/>
+          </a:p>
+        </p:txBody>
+      </p:sp>
+      <p:sp>
+        <p:nvSpPr>
+          <p:cNvPr id="146" name="Retângulo 145">
+            <a:extLst>
+              <a:ext uri="{FF2B5EF4-FFF2-40B4-BE49-F238E27FC236}">
+                <a16:creationId xmlns:a16="http://schemas.microsoft.com/office/drawing/2014/main" id="{DAA746A5-8543-44D1-A817-F17EDA895DA9}"/>
+              </a:ext>
+            </a:extLst>
+          </p:cNvPr>
+          <p:cNvSpPr/>
+          <p:nvPr/>
+        </p:nvSpPr>
+        <p:spPr>
+          <a:xfrm>
+            <a:off x="19612385" y="5946326"/>
+            <a:ext cx="981075" cy="762000"/>
+          </a:xfrm>
+          <a:prstGeom prst="rect">
+            <a:avLst/>
+          </a:prstGeom>
+          <a:solidFill>
+            <a:schemeClr val="tx2">
+              <a:lumMod val="60000"/>
+              <a:lumOff val="40000"/>
+            </a:schemeClr>
+          </a:solidFill>
+          <a:ln>
+            <a:noFill/>
+          </a:ln>
+        </p:spPr>
+        <p:style>
+          <a:lnRef idx="2">
+            <a:schemeClr val="accent1">
+              <a:shade val="50000"/>
+            </a:schemeClr>
+          </a:lnRef>
+          <a:fillRef idx="1">
+            <a:schemeClr val="accent1"/>
+          </a:fillRef>
+          <a:effectRef idx="0">
+            <a:schemeClr val="accent1"/>
+          </a:effectRef>
+          <a:fontRef idx="minor">
+            <a:schemeClr val="lt1"/>
+          </a:fontRef>
+        </p:style>
+        <p:txBody>
+          <a:bodyPr rot="0" spcFirstLastPara="0" vertOverflow="overflow" horzOverflow="overflow" vert="horz" wrap="square" lIns="91440" tIns="45720" rIns="91440" bIns="45720" numCol="1" spcCol="0" rtlCol="0" fromWordArt="0" anchor="ctr" anchorCtr="0" forceAA="0" compatLnSpc="1">
+            <a:prstTxWarp prst="textNoShape">
+              <a:avLst/>
+            </a:prstTxWarp>
+            <a:noAutofit/>
+          </a:bodyPr>
+          <a:lstStyle/>
+          <a:p>
+            <a:r>
+              <a:rPr lang="en-US" sz="1000" dirty="0"/>
+              <a:t>104</a:t>
+            </a:r>
+            <a:endParaRPr lang="en-US" dirty="0"/>
+          </a:p>
+          <a:p>
+            <a:r>
+              <a:rPr lang="en-US" dirty="0"/>
+              <a:t>Sv</a:t>
+            </a:r>
+          </a:p>
+          <a:p>
+            <a:r>
+              <a:rPr lang="en-US" sz="800" dirty="0"/>
+              <a:t>Web/Gateway Srv.</a:t>
+            </a:r>
+            <a:endParaRPr lang="en-US" sz="2000" dirty="0"/>
+          </a:p>
+        </p:txBody>
+      </p:sp>
+      <p:sp>
+        <p:nvSpPr>
+          <p:cNvPr id="147" name="Retângulo 146">
+            <a:extLst>
+              <a:ext uri="{FF2B5EF4-FFF2-40B4-BE49-F238E27FC236}">
+                <a16:creationId xmlns:a16="http://schemas.microsoft.com/office/drawing/2014/main" id="{D4159ED2-6BC4-4756-A793-A63FD1E9644F}"/>
+              </a:ext>
+            </a:extLst>
+          </p:cNvPr>
+          <p:cNvSpPr/>
+          <p:nvPr/>
+        </p:nvSpPr>
+        <p:spPr>
+          <a:xfrm>
+            <a:off x="19612385" y="1152645"/>
+            <a:ext cx="981075" cy="762000"/>
+          </a:xfrm>
+          <a:prstGeom prst="rect">
+            <a:avLst/>
+          </a:prstGeom>
+          <a:solidFill>
+            <a:schemeClr val="tx2">
+              <a:lumMod val="60000"/>
+              <a:lumOff val="40000"/>
+            </a:schemeClr>
+          </a:solidFill>
+          <a:ln>
+            <a:noFill/>
+          </a:ln>
+        </p:spPr>
+        <p:style>
+          <a:lnRef idx="2">
+            <a:schemeClr val="accent1">
+              <a:shade val="50000"/>
+            </a:schemeClr>
+          </a:lnRef>
+          <a:fillRef idx="1">
+            <a:schemeClr val="accent1"/>
+          </a:fillRef>
+          <a:effectRef idx="0">
+            <a:schemeClr val="accent1"/>
+          </a:effectRef>
+          <a:fontRef idx="minor">
+            <a:schemeClr val="lt1"/>
+          </a:fontRef>
+        </p:style>
+        <p:txBody>
+          <a:bodyPr rot="0" spcFirstLastPara="0" vertOverflow="overflow" horzOverflow="overflow" vert="horz" wrap="square" lIns="91440" tIns="45720" rIns="91440" bIns="45720" numCol="1" spcCol="0" rtlCol="0" fromWordArt="0" anchor="ctr" anchorCtr="0" forceAA="0" compatLnSpc="1">
+            <a:prstTxWarp prst="textNoShape">
+              <a:avLst/>
+            </a:prstTxWarp>
+            <a:noAutofit/>
+          </a:bodyPr>
+          <a:lstStyle/>
+          <a:p>
+            <a:r>
+              <a:rPr lang="en-US" sz="1000" dirty="0"/>
+              <a:t>4</a:t>
+            </a:r>
+            <a:endParaRPr lang="en-US" dirty="0"/>
+          </a:p>
+          <a:p>
+            <a:r>
+              <a:rPr lang="en-US" dirty="0"/>
+              <a:t>Mr</a:t>
+            </a:r>
+          </a:p>
+          <a:p>
+            <a:r>
+              <a:rPr lang="en-US" sz="800" dirty="0"/>
+              <a:t>Mirroring Nodes</a:t>
+            </a:r>
+            <a:endParaRPr lang="en-US" sz="2000" dirty="0"/>
+          </a:p>
+        </p:txBody>
+      </p:sp>
+      <p:sp>
+        <p:nvSpPr>
+          <p:cNvPr id="148" name="Retângulo 147">
+            <a:extLst>
+              <a:ext uri="{FF2B5EF4-FFF2-40B4-BE49-F238E27FC236}">
+                <a16:creationId xmlns:a16="http://schemas.microsoft.com/office/drawing/2014/main" id="{AF0D077D-2F11-40C7-80BC-812C3B826088}"/>
+              </a:ext>
+            </a:extLst>
+          </p:cNvPr>
+          <p:cNvSpPr/>
+          <p:nvPr/>
+        </p:nvSpPr>
+        <p:spPr>
+          <a:xfrm>
+            <a:off x="10781367" y="2191321"/>
+            <a:ext cx="262800" cy="223388"/>
+          </a:xfrm>
+          <a:prstGeom prst="rect">
+            <a:avLst/>
+          </a:prstGeom>
+          <a:solidFill>
+            <a:schemeClr val="tx2">
+              <a:lumMod val="60000"/>
+              <a:lumOff val="40000"/>
+            </a:schemeClr>
+          </a:solidFill>
+          <a:ln>
+            <a:noFill/>
+          </a:ln>
+        </p:spPr>
+        <p:style>
+          <a:lnRef idx="2">
+            <a:schemeClr val="accent1">
+              <a:shade val="50000"/>
+            </a:schemeClr>
+          </a:lnRef>
+          <a:fillRef idx="1">
+            <a:schemeClr val="accent1"/>
+          </a:fillRef>
+          <a:effectRef idx="0">
+            <a:schemeClr val="accent1"/>
+          </a:effectRef>
+          <a:fontRef idx="minor">
+            <a:schemeClr val="lt1"/>
+          </a:fontRef>
+        </p:style>
+        <p:txBody>
+          <a:bodyPr rot="0" spcFirstLastPara="0" vertOverflow="overflow" horzOverflow="overflow" vert="horz" wrap="square" lIns="91440" tIns="45720" rIns="91440" bIns="45720" numCol="1" spcCol="0" rtlCol="0" fromWordArt="0" anchor="ctr" anchorCtr="0" forceAA="0" compatLnSpc="1">
+            <a:prstTxWarp prst="textNoShape">
+              <a:avLst/>
+            </a:prstTxWarp>
+            <a:noAutofit/>
+          </a:bodyPr>
+          <a:lstStyle/>
+          <a:p>
             <a:endParaRPr lang="pt-BR" sz="1000"/>
           </a:p>
         </p:txBody>
       </p:sp>
       <p:sp>
         <p:nvSpPr>
-          <p:cNvPr id="130" name="CaixaDeTexto 129">
-            <a:extLst>
-              <a:ext uri="{FF2B5EF4-FFF2-40B4-BE49-F238E27FC236}">
-                <a16:creationId xmlns:a16="http://schemas.microsoft.com/office/drawing/2014/main" id="{D135A32A-ABA2-4551-B13B-3D58E59909BB}"/>
+          <p:cNvPr id="149" name="CaixaDeTexto 148">
+            <a:extLst>
+              <a:ext uri="{FF2B5EF4-FFF2-40B4-BE49-F238E27FC236}">
+                <a16:creationId xmlns:a16="http://schemas.microsoft.com/office/drawing/2014/main" id="{0D9817AB-B7F0-4543-83A5-488D5A9A08D3}"/>
               </a:ext>
             </a:extLst>
           </p:cNvPr>
@@ -10571,8 +11711,8 @@
         </p:nvSpPr>
         <p:spPr>
           <a:xfrm>
-            <a:off x="11002633" y="1111439"/>
-            <a:ext cx="1742144" cy="369332"/>
+            <a:off x="11002633" y="2124978"/>
+            <a:ext cx="2178616" cy="646331"/>
           </a:xfrm>
           <a:prstGeom prst="rect">
             <a:avLst/>
@@ -10580,14 +11720,14 @@
           <a:noFill/>
         </p:spPr>
         <p:txBody>
-          <a:bodyPr wrap="none" rtlCol="0">
+          <a:bodyPr wrap="square" rtlCol="0">
             <a:spAutoFit/>
           </a:bodyPr>
           <a:lstStyle/>
           <a:p>
             <a:r>
               <a:rPr lang="pt-BR" dirty="0"/>
-              <a:t>IRIS FOR HEALTH</a:t>
+              <a:t>ADMIN, NETWORK AND SO</a:t>
             </a:r>
           </a:p>
         </p:txBody>

--- a/periodic table iris.pptx
+++ b/periodic table iris.pptx
@@ -104,6 +104,11 @@
       </a:defRPr>
     </a:lvl9pPr>
   </p:defaultTextStyle>
+  <p:extLst>
+    <p:ext uri="{EFAFB233-063F-42B5-8137-9DF3F51BA10A}">
+      <p15:sldGuideLst xmlns:p15="http://schemas.microsoft.com/office/powerpoint/2012/main"/>
+    </p:ext>
+  </p:extLst>
 </p:presentation>
 </file>
 
@@ -238,7 +243,7 @@
           <a:p>
             <a:fld id="{2FE16726-FE68-4AE1-AD32-F2436600885B}" type="datetimeFigureOut">
               <a:rPr lang="pt-BR" smtClean="0"/>
-              <a:t>12/08/2020</a:t>
+              <a:t>13/08/2020</a:t>
             </a:fld>
             <a:endParaRPr lang="pt-BR"/>
           </a:p>
@@ -408,7 +413,7 @@
           <a:p>
             <a:fld id="{2FE16726-FE68-4AE1-AD32-F2436600885B}" type="datetimeFigureOut">
               <a:rPr lang="pt-BR" smtClean="0"/>
-              <a:t>12/08/2020</a:t>
+              <a:t>13/08/2020</a:t>
             </a:fld>
             <a:endParaRPr lang="pt-BR"/>
           </a:p>
@@ -588,7 +593,7 @@
           <a:p>
             <a:fld id="{2FE16726-FE68-4AE1-AD32-F2436600885B}" type="datetimeFigureOut">
               <a:rPr lang="pt-BR" smtClean="0"/>
-              <a:t>12/08/2020</a:t>
+              <a:t>13/08/2020</a:t>
             </a:fld>
             <a:endParaRPr lang="pt-BR"/>
           </a:p>
@@ -758,7 +763,7 @@
           <a:p>
             <a:fld id="{2FE16726-FE68-4AE1-AD32-F2436600885B}" type="datetimeFigureOut">
               <a:rPr lang="pt-BR" smtClean="0"/>
-              <a:t>12/08/2020</a:t>
+              <a:t>13/08/2020</a:t>
             </a:fld>
             <a:endParaRPr lang="pt-BR"/>
           </a:p>
@@ -1004,7 +1009,7 @@
           <a:p>
             <a:fld id="{2FE16726-FE68-4AE1-AD32-F2436600885B}" type="datetimeFigureOut">
               <a:rPr lang="pt-BR" smtClean="0"/>
-              <a:t>12/08/2020</a:t>
+              <a:t>13/08/2020</a:t>
             </a:fld>
             <a:endParaRPr lang="pt-BR"/>
           </a:p>
@@ -1236,7 +1241,7 @@
           <a:p>
             <a:fld id="{2FE16726-FE68-4AE1-AD32-F2436600885B}" type="datetimeFigureOut">
               <a:rPr lang="pt-BR" smtClean="0"/>
-              <a:t>12/08/2020</a:t>
+              <a:t>13/08/2020</a:t>
             </a:fld>
             <a:endParaRPr lang="pt-BR"/>
           </a:p>
@@ -1603,7 +1608,7 @@
           <a:p>
             <a:fld id="{2FE16726-FE68-4AE1-AD32-F2436600885B}" type="datetimeFigureOut">
               <a:rPr lang="pt-BR" smtClean="0"/>
-              <a:t>12/08/2020</a:t>
+              <a:t>13/08/2020</a:t>
             </a:fld>
             <a:endParaRPr lang="pt-BR"/>
           </a:p>
@@ -1721,7 +1726,7 @@
           <a:p>
             <a:fld id="{2FE16726-FE68-4AE1-AD32-F2436600885B}" type="datetimeFigureOut">
               <a:rPr lang="pt-BR" smtClean="0"/>
-              <a:t>12/08/2020</a:t>
+              <a:t>13/08/2020</a:t>
             </a:fld>
             <a:endParaRPr lang="pt-BR"/>
           </a:p>
@@ -1816,7 +1821,7 @@
           <a:p>
             <a:fld id="{2FE16726-FE68-4AE1-AD32-F2436600885B}" type="datetimeFigureOut">
               <a:rPr lang="pt-BR" smtClean="0"/>
-              <a:t>12/08/2020</a:t>
+              <a:t>13/08/2020</a:t>
             </a:fld>
             <a:endParaRPr lang="pt-BR"/>
           </a:p>
@@ -2093,7 +2098,7 @@
           <a:p>
             <a:fld id="{2FE16726-FE68-4AE1-AD32-F2436600885B}" type="datetimeFigureOut">
               <a:rPr lang="pt-BR" smtClean="0"/>
-              <a:t>12/08/2020</a:t>
+              <a:t>13/08/2020</a:t>
             </a:fld>
             <a:endParaRPr lang="pt-BR"/>
           </a:p>
@@ -2350,7 +2355,7 @@
           <a:p>
             <a:fld id="{2FE16726-FE68-4AE1-AD32-F2436600885B}" type="datetimeFigureOut">
               <a:rPr lang="pt-BR" smtClean="0"/>
-              <a:t>12/08/2020</a:t>
+              <a:t>13/08/2020</a:t>
             </a:fld>
             <a:endParaRPr lang="pt-BR"/>
           </a:p>
@@ -2563,7 +2568,7 @@
           <a:p>
             <a:fld id="{2FE16726-FE68-4AE1-AD32-F2436600885B}" type="datetimeFigureOut">
               <a:rPr lang="pt-BR" smtClean="0"/>
-              <a:t>12/08/2020</a:t>
+              <a:t>13/08/2020</a:t>
             </a:fld>
             <a:endParaRPr lang="pt-BR"/>
           </a:p>
@@ -11021,7 +11026,7 @@
           <a:p>
             <a:r>
               <a:rPr lang="en-US" dirty="0"/>
-              <a:t>Ggl</a:t>
+              <a:t>Glo</a:t>
             </a:r>
           </a:p>
           <a:p>
